--- a/Lessons/C_R_practice_Viz_MoreEDA/A_Practice_from_Class2.pptx
+++ b/Lessons/C_R_practice_Viz_MoreEDA/A_Practice_from_Class2.pptx
@@ -209,7 +209,7 @@
           <a:p>
             <a:fld id="{C333ABA6-B72D-4ED4-A6E7-13A0DAE65F1A}" type="datetimeFigureOut">
               <a:rPr lang="en-US" smtClean="0"/>
-              <a:t>9/18/23</a:t>
+              <a:t>9/25/23</a:t>
             </a:fld>
             <a:endParaRPr lang="en-US"/>
           </a:p>
@@ -692,7 +692,7 @@
           <a:p>
             <a:fld id="{5738B90E-0779-4C36-915C-6F05FCD89456}" type="datetime1">
               <a:rPr lang="en-US" smtClean="0"/>
-              <a:t>9/18/23</a:t>
+              <a:t>9/25/23</a:t>
             </a:fld>
             <a:endParaRPr lang="en-US"/>
           </a:p>
@@ -910,7 +910,7 @@
           <a:p>
             <a:fld id="{7B9EA29D-D431-42FE-B7B6-AAE4454C77D3}" type="datetime1">
               <a:rPr lang="en-US" smtClean="0"/>
-              <a:t>9/18/23</a:t>
+              <a:t>9/25/23</a:t>
             </a:fld>
             <a:endParaRPr lang="en-US"/>
           </a:p>
@@ -1170,7 +1170,7 @@
           <a:p>
             <a:fld id="{690D8A1E-EA8F-46C1-B891-AE0C00D9C314}" type="datetime1">
               <a:rPr lang="en-US" smtClean="0"/>
-              <a:t>9/18/23</a:t>
+              <a:t>9/25/23</a:t>
             </a:fld>
             <a:endParaRPr lang="en-US"/>
           </a:p>
@@ -1464,7 +1464,7 @@
           <a:p>
             <a:fld id="{D753EFC8-4232-4598-94F6-94C0EBAFC469}" type="datetime1">
               <a:rPr lang="en-US" smtClean="0"/>
-              <a:t>9/18/23</a:t>
+              <a:t>9/25/23</a:t>
             </a:fld>
             <a:endParaRPr lang="en-US"/>
           </a:p>
@@ -1779,7 +1779,7 @@
           <a:p>
             <a:fld id="{F3161074-1C18-4AE7-957D-F18524378C85}" type="datetime1">
               <a:rPr lang="en-US" smtClean="0"/>
-              <a:t>9/18/23</a:t>
+              <a:t>9/25/23</a:t>
             </a:fld>
             <a:endParaRPr lang="en-US"/>
           </a:p>
@@ -2053,7 +2053,7 @@
           <a:p>
             <a:fld id="{69BE256C-8D9A-4404-B47D-41A1AE514425}" type="datetime1">
               <a:rPr lang="en-US" smtClean="0"/>
-              <a:t>9/18/23</a:t>
+              <a:t>9/25/23</a:t>
             </a:fld>
             <a:endParaRPr lang="en-US"/>
           </a:p>
@@ -2487,7 +2487,7 @@
           <a:p>
             <a:fld id="{66CB2154-9035-4012-8189-BAAB61C5A5EE}" type="datetime1">
               <a:rPr lang="en-US" smtClean="0"/>
-              <a:t>9/18/23</a:t>
+              <a:t>9/25/23</a:t>
             </a:fld>
             <a:endParaRPr lang="en-US"/>
           </a:p>
@@ -2661,7 +2661,7 @@
           <a:p>
             <a:fld id="{6700A58B-DD98-43D0-B791-721480A02982}" type="datetime1">
               <a:rPr lang="en-US" smtClean="0"/>
-              <a:t>9/18/23</a:t>
+              <a:t>9/25/23</a:t>
             </a:fld>
             <a:endParaRPr lang="en-US"/>
           </a:p>
@@ -2853,7 +2853,7 @@
           <a:p>
             <a:fld id="{7DB6E382-4F61-4E24-BE1A-377EC83D0E3A}" type="datetime1">
               <a:rPr lang="en-US" smtClean="0"/>
-              <a:t>9/18/23</a:t>
+              <a:t>9/25/23</a:t>
             </a:fld>
             <a:endParaRPr lang="en-US"/>
           </a:p>
@@ -3164,7 +3164,7 @@
           <a:p>
             <a:fld id="{4142EED6-FC16-45B9-B8C4-2BC5DBA88325}" type="datetime1">
               <a:rPr lang="en-US" smtClean="0"/>
-              <a:t>9/18/23</a:t>
+              <a:t>9/25/23</a:t>
             </a:fld>
             <a:endParaRPr lang="en-US"/>
           </a:p>
@@ -3482,7 +3482,7 @@
           <a:p>
             <a:fld id="{DF59512B-4F1D-43D7-8819-2F53FEF69650}" type="datetime1">
               <a:rPr lang="en-US" smtClean="0"/>
-              <a:t>9/18/23</a:t>
+              <a:t>9/25/23</a:t>
             </a:fld>
             <a:endParaRPr lang="en-US"/>
           </a:p>
@@ -3758,7 +3758,7 @@
           <a:p>
             <a:fld id="{08437B94-E2BF-44DC-ADC5-B05FC9934E9D}" type="datetime1">
               <a:rPr lang="en-US" smtClean="0"/>
-              <a:t>9/18/23</a:t>
+              <a:t>9/25/23</a:t>
             </a:fld>
             <a:endParaRPr lang="en-US"/>
           </a:p>
@@ -4684,7 +4684,7 @@
           <a:p>
             <a:fld id="{9B19E99B-5349-415A-8E56-8E989211A366}" type="datetime1">
               <a:rPr lang="en-US" smtClean="0"/>
-              <a:t>9/18/23</a:t>
+              <a:t>9/25/23</a:t>
             </a:fld>
             <a:endParaRPr lang="en-US"/>
           </a:p>
@@ -4823,7 +4823,7 @@
           <a:p>
             <a:fld id="{6700A58B-DD98-43D0-B791-721480A02982}" type="datetime1">
               <a:rPr lang="en-US" smtClean="0"/>
-              <a:t>9/18/23</a:t>
+              <a:t>9/25/23</a:t>
             </a:fld>
             <a:endParaRPr lang="en-US"/>
           </a:p>
@@ -5086,7 +5086,7 @@
           <a:p>
             <a:fld id="{6700A58B-DD98-43D0-B791-721480A02982}" type="datetime1">
               <a:rPr lang="en-US" smtClean="0"/>
-              <a:t>9/18/23</a:t>
+              <a:t>9/25/23</a:t>
             </a:fld>
             <a:endParaRPr lang="en-US"/>
           </a:p>
@@ -5515,7 +5515,7 @@
           <a:p>
             <a:fld id="{D753EFC8-4232-4598-94F6-94C0EBAFC469}" type="datetime1">
               <a:rPr lang="en-US" smtClean="0"/>
-              <a:t>9/18/23</a:t>
+              <a:t>9/25/23</a:t>
             </a:fld>
             <a:endParaRPr lang="en-US"/>
           </a:p>
@@ -6035,7 +6035,7 @@
           <a:p>
             <a:fld id="{6700A58B-DD98-43D0-B791-721480A02982}" type="datetime1">
               <a:rPr lang="en-US" smtClean="0"/>
-              <a:t>9/18/23</a:t>
+              <a:t>9/25/23</a:t>
             </a:fld>
             <a:endParaRPr lang="en-US"/>
           </a:p>
@@ -6282,7 +6282,7 @@
           <a:p>
             <a:fld id="{6700A58B-DD98-43D0-B791-721480A02982}" type="datetime1">
               <a:rPr lang="en-US" smtClean="0"/>
-              <a:t>9/18/23</a:t>
+              <a:t>9/25/23</a:t>
             </a:fld>
             <a:endParaRPr lang="en-US"/>
           </a:p>
@@ -6544,7 +6544,7 @@
           <a:p>
             <a:fld id="{6700A58B-DD98-43D0-B791-721480A02982}" type="datetime1">
               <a:rPr lang="en-US" smtClean="0"/>
-              <a:t>9/18/23</a:t>
+              <a:t>9/25/23</a:t>
             </a:fld>
             <a:endParaRPr lang="en-US"/>
           </a:p>
@@ -7005,7 +7005,7 @@
           <a:p>
             <a:fld id="{6700A58B-DD98-43D0-B791-721480A02982}" type="datetime1">
               <a:rPr lang="en-US" smtClean="0"/>
-              <a:t>9/18/23</a:t>
+              <a:t>9/25/23</a:t>
             </a:fld>
             <a:endParaRPr lang="en-US"/>
           </a:p>
@@ -7484,7 +7484,7 @@
           <a:p>
             <a:fld id="{6700A58B-DD98-43D0-B791-721480A02982}" type="datetime1">
               <a:rPr lang="en-US" smtClean="0"/>
-              <a:t>9/18/23</a:t>
+              <a:t>9/25/23</a:t>
             </a:fld>
             <a:endParaRPr lang="en-US"/>
           </a:p>
@@ -7954,7 +7954,7 @@
           <a:p>
             <a:fld id="{6700A58B-DD98-43D0-B791-721480A02982}" type="datetime1">
               <a:rPr lang="en-US" smtClean="0"/>
-              <a:t>9/18/23</a:t>
+              <a:t>9/25/23</a:t>
             </a:fld>
             <a:endParaRPr lang="en-US"/>
           </a:p>
@@ -8174,7 +8174,7 @@
           <a:p>
             <a:fld id="{6700A58B-DD98-43D0-B791-721480A02982}" type="datetime1">
               <a:rPr lang="en-US" smtClean="0"/>
-              <a:t>9/18/23</a:t>
+              <a:t>9/25/23</a:t>
             </a:fld>
             <a:endParaRPr lang="en-US"/>
           </a:p>
@@ -8412,7 +8412,7 @@
           <a:p>
             <a:fld id="{6700A58B-DD98-43D0-B791-721480A02982}" type="datetime1">
               <a:rPr lang="en-US" smtClean="0"/>
-              <a:t>9/18/23</a:t>
+              <a:t>9/25/23</a:t>
             </a:fld>
             <a:endParaRPr lang="en-US"/>
           </a:p>
@@ -8752,7 +8752,7 @@
           <a:p>
             <a:fld id="{6700A58B-DD98-43D0-B791-721480A02982}" type="datetime1">
               <a:rPr lang="en-US" smtClean="0"/>
-              <a:t>9/18/23</a:t>
+              <a:t>9/25/23</a:t>
             </a:fld>
             <a:endParaRPr lang="en-US"/>
           </a:p>

--- a/Lessons/C_R_practice_Viz_MoreEDA/A_Practice_from_Class2.pptx
+++ b/Lessons/C_R_practice_Viz_MoreEDA/A_Practice_from_Class2.pptx
@@ -5,22 +5,14 @@
     <p:sldMasterId id="2147483672" r:id="rId1"/>
   </p:sldMasterIdLst>
   <p:notesMasterIdLst>
-    <p:notesMasterId r:id="rId15"/>
+    <p:notesMasterId r:id="rId7"/>
   </p:notesMasterIdLst>
   <p:sldIdLst>
-    <p:sldId id="454" r:id="rId2"/>
-    <p:sldId id="607" r:id="rId3"/>
-    <p:sldId id="608" r:id="rId4"/>
-    <p:sldId id="609" r:id="rId5"/>
-    <p:sldId id="610" r:id="rId6"/>
-    <p:sldId id="611" r:id="rId7"/>
-    <p:sldId id="612" r:id="rId8"/>
-    <p:sldId id="539" r:id="rId9"/>
-    <p:sldId id="540" r:id="rId10"/>
-    <p:sldId id="497" r:id="rId11"/>
-    <p:sldId id="498" r:id="rId12"/>
-    <p:sldId id="471" r:id="rId13"/>
-    <p:sldId id="604" r:id="rId14"/>
+    <p:sldId id="540" r:id="rId2"/>
+    <p:sldId id="613" r:id="rId3"/>
+    <p:sldId id="497" r:id="rId4"/>
+    <p:sldId id="498" r:id="rId5"/>
+    <p:sldId id="471" r:id="rId6"/>
   </p:sldIdLst>
   <p:sldSz cx="9144000" cy="6858000" type="screen4x3"/>
   <p:notesSz cx="7010400" cy="9296400"/>
@@ -209,7 +201,7 @@
           <a:p>
             <a:fld id="{C333ABA6-B72D-4ED4-A6E7-13A0DAE65F1A}" type="datetimeFigureOut">
               <a:rPr lang="en-US" smtClean="0"/>
-              <a:t>9/25/23</a:t>
+              <a:t>2/5/24</a:t>
             </a:fld>
             <a:endParaRPr lang="en-US"/>
           </a:p>
@@ -476,90 +468,6 @@
 </p:notesMaster>
 </file>
 
-<file path=ppt/notesSlides/notesSlide1.xml><?xml version="1.0" encoding="utf-8"?>
-<p:notes xmlns:a="http://schemas.openxmlformats.org/drawingml/2006/main" xmlns:r="http://schemas.openxmlformats.org/officeDocument/2006/relationships" xmlns:p="http://schemas.openxmlformats.org/presentationml/2006/main">
-  <p:cSld>
-    <p:spTree>
-      <p:nvGrpSpPr>
-        <p:cNvPr id="1" name=""/>
-        <p:cNvGrpSpPr/>
-        <p:nvPr/>
-      </p:nvGrpSpPr>
-      <p:grpSpPr>
-        <a:xfrm>
-          <a:off x="0" y="0"/>
-          <a:ext cx="0" cy="0"/>
-          <a:chOff x="0" y="0"/>
-          <a:chExt cx="0" cy="0"/>
-        </a:xfrm>
-      </p:grpSpPr>
-      <p:sp>
-        <p:nvSpPr>
-          <p:cNvPr id="2" name="Slide Image Placeholder 1"/>
-          <p:cNvSpPr>
-            <a:spLocks noGrp="1" noRot="1" noChangeAspect="1"/>
-          </p:cNvSpPr>
-          <p:nvPr>
-            <p:ph type="sldImg"/>
-          </p:nvPr>
-        </p:nvSpPr>
-        <p:spPr/>
-      </p:sp>
-      <p:sp>
-        <p:nvSpPr>
-          <p:cNvPr id="3" name="Notes Placeholder 2"/>
-          <p:cNvSpPr>
-            <a:spLocks noGrp="1"/>
-          </p:cNvSpPr>
-          <p:nvPr>
-            <p:ph type="body" idx="1"/>
-          </p:nvPr>
-        </p:nvSpPr>
-        <p:spPr/>
-        <p:txBody>
-          <a:bodyPr/>
-          <a:lstStyle/>
-          <a:p>
-            <a:endParaRPr lang="en-US"/>
-          </a:p>
-        </p:txBody>
-      </p:sp>
-      <p:sp>
-        <p:nvSpPr>
-          <p:cNvPr id="4" name="Slide Number Placeholder 3"/>
-          <p:cNvSpPr>
-            <a:spLocks noGrp="1"/>
-          </p:cNvSpPr>
-          <p:nvPr>
-            <p:ph type="sldNum" sz="quarter" idx="10"/>
-          </p:nvPr>
-        </p:nvSpPr>
-        <p:spPr/>
-        <p:txBody>
-          <a:bodyPr/>
-          <a:lstStyle/>
-          <a:p>
-            <a:fld id="{ADC303B9-2C3E-4EA0-A819-58B20A5A846C}" type="slidenum">
-              <a:rPr lang="en-US" smtClean="0"/>
-              <a:t>1</a:t>
-            </a:fld>
-            <a:endParaRPr lang="en-US"/>
-          </a:p>
-        </p:txBody>
-      </p:sp>
-    </p:spTree>
-    <p:extLst>
-      <p:ext uri="{BB962C8B-B14F-4D97-AF65-F5344CB8AC3E}">
-        <p14:creationId xmlns:p14="http://schemas.microsoft.com/office/powerpoint/2010/main" val="2166750285"/>
-      </p:ext>
-    </p:extLst>
-  </p:cSld>
-  <p:clrMapOvr>
-    <a:masterClrMapping/>
-  </p:clrMapOvr>
-</p:notes>
-</file>
-
 <file path=ppt/slideLayouts/slideLayout1.xml><?xml version="1.0" encoding="utf-8"?>
 <p:sldLayout xmlns:a="http://schemas.openxmlformats.org/drawingml/2006/main" xmlns:r="http://schemas.openxmlformats.org/officeDocument/2006/relationships" xmlns:p="http://schemas.openxmlformats.org/presentationml/2006/main" type="title" preserve="1">
   <p:cSld name="Title Slide">
@@ -692,7 +600,7 @@
           <a:p>
             <a:fld id="{5738B90E-0779-4C36-915C-6F05FCD89456}" type="datetime1">
               <a:rPr lang="en-US" smtClean="0"/>
-              <a:t>9/25/23</a:t>
+              <a:t>2/5/24</a:t>
             </a:fld>
             <a:endParaRPr lang="en-US"/>
           </a:p>
@@ -910,7 +818,7 @@
           <a:p>
             <a:fld id="{7B9EA29D-D431-42FE-B7B6-AAE4454C77D3}" type="datetime1">
               <a:rPr lang="en-US" smtClean="0"/>
-              <a:t>9/25/23</a:t>
+              <a:t>2/5/24</a:t>
             </a:fld>
             <a:endParaRPr lang="en-US"/>
           </a:p>
@@ -1170,7 +1078,7 @@
           <a:p>
             <a:fld id="{690D8A1E-EA8F-46C1-B891-AE0C00D9C314}" type="datetime1">
               <a:rPr lang="en-US" smtClean="0"/>
-              <a:t>9/25/23</a:t>
+              <a:t>2/5/24</a:t>
             </a:fld>
             <a:endParaRPr lang="en-US"/>
           </a:p>
@@ -1464,7 +1372,7 @@
           <a:p>
             <a:fld id="{D753EFC8-4232-4598-94F6-94C0EBAFC469}" type="datetime1">
               <a:rPr lang="en-US" smtClean="0"/>
-              <a:t>9/25/23</a:t>
+              <a:t>2/5/24</a:t>
             </a:fld>
             <a:endParaRPr lang="en-US"/>
           </a:p>
@@ -1779,7 +1687,7 @@
           <a:p>
             <a:fld id="{F3161074-1C18-4AE7-957D-F18524378C85}" type="datetime1">
               <a:rPr lang="en-US" smtClean="0"/>
-              <a:t>9/25/23</a:t>
+              <a:t>2/5/24</a:t>
             </a:fld>
             <a:endParaRPr lang="en-US"/>
           </a:p>
@@ -2053,7 +1961,7 @@
           <a:p>
             <a:fld id="{69BE256C-8D9A-4404-B47D-41A1AE514425}" type="datetime1">
               <a:rPr lang="en-US" smtClean="0"/>
-              <a:t>9/25/23</a:t>
+              <a:t>2/5/24</a:t>
             </a:fld>
             <a:endParaRPr lang="en-US"/>
           </a:p>
@@ -2487,7 +2395,7 @@
           <a:p>
             <a:fld id="{66CB2154-9035-4012-8189-BAAB61C5A5EE}" type="datetime1">
               <a:rPr lang="en-US" smtClean="0"/>
-              <a:t>9/25/23</a:t>
+              <a:t>2/5/24</a:t>
             </a:fld>
             <a:endParaRPr lang="en-US"/>
           </a:p>
@@ -2661,7 +2569,7 @@
           <a:p>
             <a:fld id="{6700A58B-DD98-43D0-B791-721480A02982}" type="datetime1">
               <a:rPr lang="en-US" smtClean="0"/>
-              <a:t>9/25/23</a:t>
+              <a:t>2/5/24</a:t>
             </a:fld>
             <a:endParaRPr lang="en-US"/>
           </a:p>
@@ -2853,7 +2761,7 @@
           <a:p>
             <a:fld id="{7DB6E382-4F61-4E24-BE1A-377EC83D0E3A}" type="datetime1">
               <a:rPr lang="en-US" smtClean="0"/>
-              <a:t>9/25/23</a:t>
+              <a:t>2/5/24</a:t>
             </a:fld>
             <a:endParaRPr lang="en-US"/>
           </a:p>
@@ -3164,7 +3072,7 @@
           <a:p>
             <a:fld id="{4142EED6-FC16-45B9-B8C4-2BC5DBA88325}" type="datetime1">
               <a:rPr lang="en-US" smtClean="0"/>
-              <a:t>9/25/23</a:t>
+              <a:t>2/5/24</a:t>
             </a:fld>
             <a:endParaRPr lang="en-US"/>
           </a:p>
@@ -3482,7 +3390,7 @@
           <a:p>
             <a:fld id="{DF59512B-4F1D-43D7-8819-2F53FEF69650}" type="datetime1">
               <a:rPr lang="en-US" smtClean="0"/>
-              <a:t>9/25/23</a:t>
+              <a:t>2/5/24</a:t>
             </a:fld>
             <a:endParaRPr lang="en-US"/>
           </a:p>
@@ -3758,7 +3666,7 @@
           <a:p>
             <a:fld id="{08437B94-E2BF-44DC-ADC5-B05FC9934E9D}" type="datetime1">
               <a:rPr lang="en-US" smtClean="0"/>
-              <a:t>9/25/23</a:t>
+              <a:t>2/5/24</a:t>
             </a:fld>
             <a:endParaRPr lang="en-US"/>
           </a:p>
@@ -4204,12 +4112,12 @@
       </p:grpSpPr>
       <p:sp>
         <p:nvSpPr>
-          <p:cNvPr id="2" name="Title 1"/>
-          <p:cNvSpPr>
-            <a:spLocks noGrp="1"/>
-          </p:cNvSpPr>
-          <p:nvPr>
-            <p:ph type="title"/>
+          <p:cNvPr id="2" name="Date Placeholder 1"/>
+          <p:cNvSpPr>
+            <a:spLocks noGrp="1"/>
+          </p:cNvSpPr>
+          <p:nvPr>
+            <p:ph type="dt" sz="half" idx="10"/>
           </p:nvPr>
         </p:nvSpPr>
         <p:spPr/>
@@ -4217,57 +4125,543 @@
           <a:bodyPr/>
           <a:lstStyle/>
           <a:p>
+            <a:fld id="{6700A58B-DD98-43D0-B791-721480A02982}" type="datetime1">
+              <a:rPr lang="en-US" smtClean="0"/>
+              <a:t>2/5/24</a:t>
+            </a:fld>
+            <a:endParaRPr lang="en-US"/>
+          </a:p>
+        </p:txBody>
+      </p:sp>
+      <p:sp>
+        <p:nvSpPr>
+          <p:cNvPr id="3" name="Title 2"/>
+          <p:cNvSpPr>
+            <a:spLocks noGrp="1"/>
+          </p:cNvSpPr>
+          <p:nvPr>
+            <p:ph type="title"/>
+          </p:nvPr>
+        </p:nvSpPr>
+        <p:spPr/>
+        <p:txBody>
+          <a:bodyPr/>
+          <a:lstStyle/>
+          <a:p>
             <a:r>
               <a:rPr lang="en-US" dirty="0"/>
-              <a:t>Agenda</a:t>
-            </a:r>
+              <a:t>Exploring Data: Sampling to Save Time</a:t>
+            </a:r>
+          </a:p>
+        </p:txBody>
+      </p:sp>
+      <p:sp>
+        <p:nvSpPr>
+          <p:cNvPr id="4" name="Slide Number Placeholder 3"/>
+          <p:cNvSpPr>
+            <a:spLocks noGrp="1"/>
+          </p:cNvSpPr>
+          <p:nvPr>
+            <p:ph type="sldNum" sz="quarter" idx="12"/>
+          </p:nvPr>
+        </p:nvSpPr>
+        <p:spPr/>
+        <p:txBody>
+          <a:bodyPr/>
+          <a:lstStyle/>
+          <a:p>
+            <a:fld id="{37290FF7-652B-4475-AEAB-8B1A5D23AE09}" type="slidenum">
+              <a:rPr lang="en-US" smtClean="0"/>
+              <a:t>1</a:t>
+            </a:fld>
+            <a:endParaRPr lang="en-US"/>
+          </a:p>
+        </p:txBody>
+      </p:sp>
+      <p:sp>
+        <p:nvSpPr>
+          <p:cNvPr id="6" name="Content Placeholder 2"/>
+          <p:cNvSpPr txBox="1">
+            <a:spLocks/>
+          </p:cNvSpPr>
+          <p:nvPr/>
+        </p:nvSpPr>
+        <p:spPr>
+          <a:xfrm>
+            <a:off x="914400" y="1981200"/>
+            <a:ext cx="7772400" cy="4038600"/>
+          </a:xfrm>
+          <a:prstGeom prst="rect">
+            <a:avLst/>
+          </a:prstGeom>
+        </p:spPr>
+        <p:txBody>
+          <a:bodyPr/>
+          <a:lstStyle>
+            <a:lvl1pPr marL="171450" indent="-171450" algn="l" defTabSz="685800" rtl="0" eaLnBrk="1" latinLnBrk="0" hangingPunct="1">
+              <a:lnSpc>
+                <a:spcPct val="90000"/>
+              </a:lnSpc>
+              <a:spcBef>
+                <a:spcPts val="750"/>
+              </a:spcBef>
+              <a:buFont typeface="Arial" panose="020B0604020202020204" pitchFamily="34" charset="0"/>
+              <a:buChar char="•"/>
+              <a:defRPr sz="2100" kern="1200">
+                <a:solidFill>
+                  <a:schemeClr val="tx1"/>
+                </a:solidFill>
+                <a:latin typeface="+mn-lt"/>
+                <a:ea typeface="+mn-ea"/>
+                <a:cs typeface="+mn-cs"/>
+              </a:defRPr>
+            </a:lvl1pPr>
+            <a:lvl2pPr marL="514350" indent="-171450" algn="l" defTabSz="685800" rtl="0" eaLnBrk="1" latinLnBrk="0" hangingPunct="1">
+              <a:lnSpc>
+                <a:spcPct val="90000"/>
+              </a:lnSpc>
+              <a:spcBef>
+                <a:spcPts val="375"/>
+              </a:spcBef>
+              <a:buFont typeface="Arial" panose="020B0604020202020204" pitchFamily="34" charset="0"/>
+              <a:buChar char="•"/>
+              <a:defRPr sz="1800" kern="1200">
+                <a:solidFill>
+                  <a:schemeClr val="tx1"/>
+                </a:solidFill>
+                <a:latin typeface="+mn-lt"/>
+                <a:ea typeface="+mn-ea"/>
+                <a:cs typeface="+mn-cs"/>
+              </a:defRPr>
+            </a:lvl2pPr>
+            <a:lvl3pPr marL="857250" indent="-171450" algn="l" defTabSz="685800" rtl="0" eaLnBrk="1" latinLnBrk="0" hangingPunct="1">
+              <a:lnSpc>
+                <a:spcPct val="90000"/>
+              </a:lnSpc>
+              <a:spcBef>
+                <a:spcPts val="375"/>
+              </a:spcBef>
+              <a:buFont typeface="Arial" panose="020B0604020202020204" pitchFamily="34" charset="0"/>
+              <a:buChar char="•"/>
+              <a:defRPr sz="1500" kern="1200">
+                <a:solidFill>
+                  <a:schemeClr val="tx1"/>
+                </a:solidFill>
+                <a:latin typeface="+mn-lt"/>
+                <a:ea typeface="+mn-ea"/>
+                <a:cs typeface="+mn-cs"/>
+              </a:defRPr>
+            </a:lvl3pPr>
+            <a:lvl4pPr marL="1200150" indent="-171450" algn="l" defTabSz="685800" rtl="0" eaLnBrk="1" latinLnBrk="0" hangingPunct="1">
+              <a:lnSpc>
+                <a:spcPct val="90000"/>
+              </a:lnSpc>
+              <a:spcBef>
+                <a:spcPts val="375"/>
+              </a:spcBef>
+              <a:buFont typeface="Arial" panose="020B0604020202020204" pitchFamily="34" charset="0"/>
+              <a:buChar char="•"/>
+              <a:defRPr sz="1350" kern="1200">
+                <a:solidFill>
+                  <a:schemeClr val="tx1"/>
+                </a:solidFill>
+                <a:latin typeface="+mn-lt"/>
+                <a:ea typeface="+mn-ea"/>
+                <a:cs typeface="+mn-cs"/>
+              </a:defRPr>
+            </a:lvl4pPr>
+            <a:lvl5pPr marL="1543050" indent="-171450" algn="l" defTabSz="685800" rtl="0" eaLnBrk="1" latinLnBrk="0" hangingPunct="1">
+              <a:lnSpc>
+                <a:spcPct val="90000"/>
+              </a:lnSpc>
+              <a:spcBef>
+                <a:spcPts val="375"/>
+              </a:spcBef>
+              <a:buFont typeface="Arial" panose="020B0604020202020204" pitchFamily="34" charset="0"/>
+              <a:buChar char="•"/>
+              <a:defRPr sz="1350" kern="1200">
+                <a:solidFill>
+                  <a:schemeClr val="tx1"/>
+                </a:solidFill>
+                <a:latin typeface="+mn-lt"/>
+                <a:ea typeface="+mn-ea"/>
+                <a:cs typeface="+mn-cs"/>
+              </a:defRPr>
+            </a:lvl5pPr>
+            <a:lvl6pPr marL="1885950" indent="-171450" algn="l" defTabSz="685800" rtl="0" eaLnBrk="1" latinLnBrk="0" hangingPunct="1">
+              <a:lnSpc>
+                <a:spcPct val="90000"/>
+              </a:lnSpc>
+              <a:spcBef>
+                <a:spcPts val="375"/>
+              </a:spcBef>
+              <a:buFont typeface="Arial" panose="020B0604020202020204" pitchFamily="34" charset="0"/>
+              <a:buChar char="•"/>
+              <a:defRPr sz="1350" kern="1200">
+                <a:solidFill>
+                  <a:schemeClr val="tx1"/>
+                </a:solidFill>
+                <a:latin typeface="+mn-lt"/>
+                <a:ea typeface="+mn-ea"/>
+                <a:cs typeface="+mn-cs"/>
+              </a:defRPr>
+            </a:lvl6pPr>
+            <a:lvl7pPr marL="2228850" indent="-171450" algn="l" defTabSz="685800" rtl="0" eaLnBrk="1" latinLnBrk="0" hangingPunct="1">
+              <a:lnSpc>
+                <a:spcPct val="90000"/>
+              </a:lnSpc>
+              <a:spcBef>
+                <a:spcPts val="375"/>
+              </a:spcBef>
+              <a:buFont typeface="Arial" panose="020B0604020202020204" pitchFamily="34" charset="0"/>
+              <a:buChar char="•"/>
+              <a:defRPr sz="1350" kern="1200">
+                <a:solidFill>
+                  <a:schemeClr val="tx1"/>
+                </a:solidFill>
+                <a:latin typeface="+mn-lt"/>
+                <a:ea typeface="+mn-ea"/>
+                <a:cs typeface="+mn-cs"/>
+              </a:defRPr>
+            </a:lvl7pPr>
+            <a:lvl8pPr marL="2571750" indent="-171450" algn="l" defTabSz="685800" rtl="0" eaLnBrk="1" latinLnBrk="0" hangingPunct="1">
+              <a:lnSpc>
+                <a:spcPct val="90000"/>
+              </a:lnSpc>
+              <a:spcBef>
+                <a:spcPts val="375"/>
+              </a:spcBef>
+              <a:buFont typeface="Arial" panose="020B0604020202020204" pitchFamily="34" charset="0"/>
+              <a:buChar char="•"/>
+              <a:defRPr sz="1350" kern="1200">
+                <a:solidFill>
+                  <a:schemeClr val="tx1"/>
+                </a:solidFill>
+                <a:latin typeface="+mn-lt"/>
+                <a:ea typeface="+mn-ea"/>
+                <a:cs typeface="+mn-cs"/>
+              </a:defRPr>
+            </a:lvl8pPr>
+            <a:lvl9pPr marL="2914650" indent="-171450" algn="l" defTabSz="685800" rtl="0" eaLnBrk="1" latinLnBrk="0" hangingPunct="1">
+              <a:lnSpc>
+                <a:spcPct val="90000"/>
+              </a:lnSpc>
+              <a:spcBef>
+                <a:spcPts val="375"/>
+              </a:spcBef>
+              <a:buFont typeface="Arial" panose="020B0604020202020204" pitchFamily="34" charset="0"/>
+              <a:buChar char="•"/>
+              <a:defRPr sz="1350" kern="1200">
+                <a:solidFill>
+                  <a:schemeClr val="tx1"/>
+                </a:solidFill>
+                <a:latin typeface="+mn-lt"/>
+                <a:ea typeface="+mn-ea"/>
+                <a:cs typeface="+mn-cs"/>
+              </a:defRPr>
+            </a:lvl9pPr>
+          </a:lstStyle>
+          <a:p>
+            <a:r>
+              <a:rPr lang="en-US" altLang="en-US" dirty="0">
+                <a:latin typeface="Franklin Gothic Book" pitchFamily="34" charset="0"/>
+              </a:rPr>
+              <a:t>Data mining typically deals with huge databases</a:t>
+            </a:r>
+          </a:p>
+          <a:p>
+            <a:r>
+              <a:rPr lang="en-US" altLang="en-US" dirty="0">
+                <a:latin typeface="Franklin Gothic Book" pitchFamily="34" charset="0"/>
+              </a:rPr>
+              <a:t>For piloting/prototyping, algorithms and models are typically applied to a sample from a database, to produce statistically-valid results</a:t>
+            </a:r>
+          </a:p>
+          <a:p>
+            <a:r>
+              <a:rPr lang="en-US" altLang="en-US" dirty="0">
+                <a:latin typeface="Franklin Gothic Book" pitchFamily="34" charset="0"/>
+              </a:rPr>
+              <a:t>Once you develop and select a final model, you use it to “score” (predict values or classes for) the observations in the larger database</a:t>
+            </a:r>
+          </a:p>
+          <a:p>
+            <a:endParaRPr lang="en-US" altLang="en-US" dirty="0">
+              <a:latin typeface="Franklin Gothic Book" pitchFamily="34" charset="0"/>
+            </a:endParaRPr>
+          </a:p>
+          <a:p>
+            <a:r>
+              <a:rPr lang="en-US" altLang="en-US" dirty="0">
+                <a:latin typeface="Franklin Gothic Book" pitchFamily="34" charset="0"/>
+              </a:rPr>
+              <a:t>Caveats – unbalanced data needs “over sampling” </a:t>
+            </a:r>
+          </a:p>
+          <a:p>
+            <a:pPr lvl="1"/>
+            <a:r>
+              <a:rPr lang="en-US" altLang="en-US" dirty="0">
+                <a:latin typeface="Franklin Gothic Book" pitchFamily="34" charset="0"/>
+              </a:rPr>
+              <a:t>Insurance no claim (99%) vs claim (1%)</a:t>
+            </a:r>
+          </a:p>
+          <a:p>
+            <a:pPr lvl="1"/>
+            <a:r>
+              <a:rPr lang="en-US" altLang="en-US" dirty="0">
+                <a:latin typeface="Franklin Gothic Book" pitchFamily="34" charset="0"/>
+              </a:rPr>
+              <a:t>Credit Card Transactions (99+% no fraud) vs (&lt;1% fraud)</a:t>
+            </a:r>
+          </a:p>
+          <a:p>
+            <a:pPr lvl="1"/>
+            <a:r>
+              <a:rPr lang="en-US" altLang="en-US" dirty="0">
+                <a:latin typeface="Franklin Gothic Book" pitchFamily="34" charset="0"/>
+              </a:rPr>
+              <a:t>If your modeling is unbalanced, the book has an example of oversampling</a:t>
+            </a:r>
+          </a:p>
+        </p:txBody>
+      </p:sp>
+      <p:sp>
+        <p:nvSpPr>
+          <p:cNvPr id="7" name="Footer Placeholder 4">
+            <a:extLst>
+              <a:ext uri="{FF2B5EF4-FFF2-40B4-BE49-F238E27FC236}">
+                <a16:creationId xmlns:a16="http://schemas.microsoft.com/office/drawing/2014/main" id="{0DED3F3E-2BA2-004C-939F-597D2B214EC6}"/>
+              </a:ext>
+            </a:extLst>
+          </p:cNvPr>
+          <p:cNvSpPr>
+            <a:spLocks noGrp="1"/>
+          </p:cNvSpPr>
+          <p:nvPr>
+            <p:ph type="ftr" sz="quarter" idx="3"/>
+          </p:nvPr>
+        </p:nvSpPr>
+        <p:spPr>
+          <a:xfrm>
+            <a:off x="3028950" y="6356351"/>
+            <a:ext cx="3086100" cy="365125"/>
+          </a:xfrm>
+        </p:spPr>
+        <p:txBody>
+          <a:bodyPr/>
+          <a:lstStyle/>
+          <a:p>
+            <a:r>
+              <a:rPr lang="en-US" dirty="0"/>
+              <a:t>Kwartler </a:t>
+            </a:r>
+          </a:p>
+        </p:txBody>
+      </p:sp>
+    </p:spTree>
+    <p:extLst>
+      <p:ext uri="{BB962C8B-B14F-4D97-AF65-F5344CB8AC3E}">
+        <p14:creationId xmlns:p14="http://schemas.microsoft.com/office/powerpoint/2010/main" val="1995687609"/>
+      </p:ext>
+    </p:extLst>
+  </p:cSld>
+  <p:clrMapOvr>
+    <a:masterClrMapping/>
+  </p:clrMapOvr>
+</p:sld>
+</file>
+
+<file path=ppt/slides/slide2.xml><?xml version="1.0" encoding="utf-8"?>
+<p:sld xmlns:a="http://schemas.openxmlformats.org/drawingml/2006/main" xmlns:r="http://schemas.openxmlformats.org/officeDocument/2006/relationships" xmlns:p="http://schemas.openxmlformats.org/presentationml/2006/main">
+  <p:cSld>
+    <p:spTree>
+      <p:nvGrpSpPr>
+        <p:cNvPr id="1" name=""/>
+        <p:cNvGrpSpPr/>
+        <p:nvPr/>
+      </p:nvGrpSpPr>
+      <p:grpSpPr>
+        <a:xfrm>
+          <a:off x="0" y="0"/>
+          <a:ext cx="0" cy="0"/>
+          <a:chOff x="0" y="0"/>
+          <a:chExt cx="0" cy="0"/>
+        </a:xfrm>
+      </p:grpSpPr>
+      <p:sp>
+        <p:nvSpPr>
+          <p:cNvPr id="2" name="Date Placeholder 1">
+            <a:extLst>
+              <a:ext uri="{FF2B5EF4-FFF2-40B4-BE49-F238E27FC236}">
+                <a16:creationId xmlns:a16="http://schemas.microsoft.com/office/drawing/2014/main" id="{E5C93968-391B-98B3-6759-CA2265552FBD}"/>
+              </a:ext>
+            </a:extLst>
+          </p:cNvPr>
+          <p:cNvSpPr>
+            <a:spLocks noGrp="1"/>
+          </p:cNvSpPr>
+          <p:nvPr>
+            <p:ph type="dt" sz="half" idx="10"/>
+          </p:nvPr>
+        </p:nvSpPr>
+        <p:spPr/>
+        <p:txBody>
+          <a:bodyPr/>
+          <a:lstStyle/>
+          <a:p>
+            <a:fld id="{6700A58B-DD98-43D0-B791-721480A02982}" type="datetime1">
+              <a:rPr lang="en-US" smtClean="0"/>
+              <a:t>2/5/24</a:t>
+            </a:fld>
+            <a:endParaRPr lang="en-US"/>
+          </a:p>
+        </p:txBody>
+      </p:sp>
+      <p:sp>
+        <p:nvSpPr>
+          <p:cNvPr id="3" name="Title 2">
+            <a:extLst>
+              <a:ext uri="{FF2B5EF4-FFF2-40B4-BE49-F238E27FC236}">
+                <a16:creationId xmlns:a16="http://schemas.microsoft.com/office/drawing/2014/main" id="{213ADED7-6FE8-CD73-8991-695EE67ECB73}"/>
+              </a:ext>
+            </a:extLst>
+          </p:cNvPr>
+          <p:cNvSpPr>
+            <a:spLocks noGrp="1"/>
+          </p:cNvSpPr>
+          <p:nvPr>
+            <p:ph type="title"/>
+          </p:nvPr>
+        </p:nvSpPr>
+        <p:spPr/>
+        <p:txBody>
+          <a:bodyPr/>
+          <a:lstStyle/>
+          <a:p>
+            <a:r>
+              <a:rPr lang="en-US" dirty="0"/>
+              <a:t>The task to predict West Nile Virus in Traps</a:t>
+            </a:r>
+          </a:p>
+        </p:txBody>
+      </p:sp>
+      <p:sp>
+        <p:nvSpPr>
+          <p:cNvPr id="4" name="Slide Number Placeholder 3">
+            <a:extLst>
+              <a:ext uri="{FF2B5EF4-FFF2-40B4-BE49-F238E27FC236}">
+                <a16:creationId xmlns:a16="http://schemas.microsoft.com/office/drawing/2014/main" id="{E812B475-75A0-EB42-386A-036FB83E9B36}"/>
+              </a:ext>
+            </a:extLst>
+          </p:cNvPr>
+          <p:cNvSpPr>
+            <a:spLocks noGrp="1"/>
+          </p:cNvSpPr>
+          <p:nvPr>
+            <p:ph type="sldNum" sz="quarter" idx="12"/>
+          </p:nvPr>
+        </p:nvSpPr>
+        <p:spPr/>
+        <p:txBody>
+          <a:bodyPr/>
+          <a:lstStyle/>
+          <a:p>
+            <a:fld id="{37290FF7-652B-4475-AEAB-8B1A5D23AE09}" type="slidenum">
+              <a:rPr lang="en-US" smtClean="0"/>
+              <a:t>2</a:t>
+            </a:fld>
+            <a:endParaRPr lang="en-US"/>
+          </a:p>
+        </p:txBody>
+      </p:sp>
+      <p:sp>
+        <p:nvSpPr>
+          <p:cNvPr id="5" name="Footer Placeholder 4">
+            <a:extLst>
+              <a:ext uri="{FF2B5EF4-FFF2-40B4-BE49-F238E27FC236}">
+                <a16:creationId xmlns:a16="http://schemas.microsoft.com/office/drawing/2014/main" id="{3608F219-6C1F-1FA7-69FA-78DCDF10B3A8}"/>
+              </a:ext>
+            </a:extLst>
+          </p:cNvPr>
+          <p:cNvSpPr>
+            <a:spLocks noGrp="1"/>
+          </p:cNvSpPr>
+          <p:nvPr>
+            <p:ph type="ftr" sz="quarter" idx="3"/>
+          </p:nvPr>
+        </p:nvSpPr>
+        <p:spPr/>
+        <p:txBody>
+          <a:bodyPr/>
+          <a:lstStyle/>
+          <a:p>
+            <a:r>
+              <a:rPr lang="en-US"/>
+              <a:t>Kwartler </a:t>
+            </a:r>
+            <a:endParaRPr lang="en-US" dirty="0"/>
           </a:p>
         </p:txBody>
       </p:sp>
       <p:graphicFrame>
         <p:nvGraphicFramePr>
-          <p:cNvPr id="4" name="Content Placeholder 3"/>
+          <p:cNvPr id="6" name="Table 5">
+            <a:extLst>
+              <a:ext uri="{FF2B5EF4-FFF2-40B4-BE49-F238E27FC236}">
+                <a16:creationId xmlns:a16="http://schemas.microsoft.com/office/drawing/2014/main" id="{D467DA91-EF28-E158-36B6-3F6F5C7DAF1E}"/>
+              </a:ext>
+            </a:extLst>
+          </p:cNvPr>
           <p:cNvGraphicFramePr>
             <a:graphicFrameLocks noGrp="1"/>
           </p:cNvGraphicFramePr>
-          <p:nvPr>
-            <p:ph idx="1"/>
-            <p:extLst>
-              <p:ext uri="{D42A27DB-BD31-4B8C-83A1-F6EECF244321}">
-                <p14:modId xmlns:p14="http://schemas.microsoft.com/office/powerpoint/2010/main" val="3509469500"/>
-              </p:ext>
-            </p:extLst>
-          </p:nvPr>
+          <p:nvPr/>
         </p:nvGraphicFramePr>
         <p:xfrm>
-          <a:off x="614363" y="1111250"/>
-          <a:ext cx="7915275" cy="2377440"/>
+          <a:off x="312034" y="1304403"/>
+          <a:ext cx="6096000" cy="3098800"/>
         </p:xfrm>
         <a:graphic>
           <a:graphicData uri="http://schemas.openxmlformats.org/drawingml/2006/table">
             <a:tbl>
               <a:tblPr firstRow="1" bandRow="1">
-                <a:tableStyleId>{F5AB1C69-6EDB-4FF4-983F-18BD219EF322}</a:tableStyleId>
+                <a:tableStyleId>{5C22544A-7EE6-4342-B048-85BDC9FD1C3A}</a:tableStyleId>
               </a:tblPr>
               <a:tblGrid>
-                <a:gridCol w="1242805">
+                <a:gridCol w="1219200">
                   <a:extLst>
                     <a:ext uri="{9D8B030D-6E8A-4147-A177-3AD203B41FA5}">
-                      <a16:colId xmlns:a16="http://schemas.microsoft.com/office/drawing/2014/main" val="20000"/>
+                      <a16:colId xmlns:a16="http://schemas.microsoft.com/office/drawing/2014/main" val="428749015"/>
                     </a:ext>
                   </a:extLst>
                 </a:gridCol>
-                <a:gridCol w="861296">
+                <a:gridCol w="1219200">
                   <a:extLst>
                     <a:ext uri="{9D8B030D-6E8A-4147-A177-3AD203B41FA5}">
-                      <a16:colId xmlns:a16="http://schemas.microsoft.com/office/drawing/2014/main" val="20001"/>
+                      <a16:colId xmlns:a16="http://schemas.microsoft.com/office/drawing/2014/main" val="1356305113"/>
                     </a:ext>
                   </a:extLst>
                 </a:gridCol>
-                <a:gridCol w="5811174">
+                <a:gridCol w="1219200">
                   <a:extLst>
                     <a:ext uri="{9D8B030D-6E8A-4147-A177-3AD203B41FA5}">
-                      <a16:colId xmlns:a16="http://schemas.microsoft.com/office/drawing/2014/main" val="20002"/>
+                      <a16:colId xmlns:a16="http://schemas.microsoft.com/office/drawing/2014/main" val="2361639525"/>
+                    </a:ext>
+                  </a:extLst>
+                </a:gridCol>
+                <a:gridCol w="1219200">
+                  <a:extLst>
+                    <a:ext uri="{9D8B030D-6E8A-4147-A177-3AD203B41FA5}">
+                      <a16:colId xmlns:a16="http://schemas.microsoft.com/office/drawing/2014/main" val="1992473898"/>
+                    </a:ext>
+                  </a:extLst>
+                </a:gridCol>
+                <a:gridCol w="1219200">
+                  <a:extLst>
+                    <a:ext uri="{9D8B030D-6E8A-4147-A177-3AD203B41FA5}">
+                      <a16:colId xmlns:a16="http://schemas.microsoft.com/office/drawing/2014/main" val="1724315288"/>
                     </a:ext>
                   </a:extLst>
                 </a:gridCol>
@@ -4278,24 +4672,9 @@
                     <a:bodyPr/>
                     <a:lstStyle/>
                     <a:p>
-                      <a:pPr algn="ctr"/>
                       <a:r>
-                        <a:rPr lang="en-US" sz="2000" dirty="0"/>
-                        <a:t>Start</a:t>
-                      </a:r>
-                    </a:p>
-                  </a:txBody>
-                  <a:tcPr/>
-                </a:tc>
-                <a:tc>
-                  <a:txBody>
-                    <a:bodyPr/>
-                    <a:lstStyle/>
-                    <a:p>
-                      <a:pPr algn="ctr"/>
-                      <a:r>
-                        <a:rPr lang="en-US" sz="2000" dirty="0"/>
-                        <a:t>End</a:t>
+                        <a:rPr lang="en-US" dirty="0"/>
+                        <a:t>Date</a:t>
                       </a:r>
                     </a:p>
                   </a:txBody>
@@ -4307,132 +4686,9 @@
                     <a:lstStyle/>
                     <a:p>
                       <a:r>
-                        <a:rPr lang="en-US" sz="2000" dirty="0"/>
-                        <a:t>Item</a:t>
+                        <a:rPr lang="en-US" dirty="0"/>
+                        <a:t>Temperature</a:t>
                       </a:r>
-                    </a:p>
-                  </a:txBody>
-                  <a:tcPr/>
-                </a:tc>
-                <a:extLst>
-                  <a:ext uri="{0D108BD9-81ED-4DB2-BD59-A6C34878D82A}">
-                    <a16:rowId xmlns:a16="http://schemas.microsoft.com/office/drawing/2014/main" val="10000"/>
-                  </a:ext>
-                </a:extLst>
-              </a:tr>
-              <a:tr h="370840">
-                <a:tc>
-                  <a:txBody>
-                    <a:bodyPr/>
-                    <a:lstStyle/>
-                    <a:p>
-                      <a:pPr algn="ctr"/>
-                      <a:endParaRPr lang="en-US" sz="2000" kern="1200" baseline="0" dirty="0">
-                        <a:solidFill>
-                          <a:schemeClr val="dk1"/>
-                        </a:solidFill>
-                        <a:latin typeface="+mn-lt"/>
-                        <a:ea typeface="+mn-ea"/>
-                        <a:cs typeface="+mn-cs"/>
-                      </a:endParaRPr>
-                    </a:p>
-                  </a:txBody>
-                  <a:tcPr/>
-                </a:tc>
-                <a:tc>
-                  <a:txBody>
-                    <a:bodyPr/>
-                    <a:lstStyle/>
-                    <a:p>
-                      <a:pPr algn="ctr"/>
-                      <a:endParaRPr lang="en-US" sz="2000" kern="1200" baseline="0" dirty="0">
-                        <a:solidFill>
-                          <a:schemeClr val="dk1"/>
-                        </a:solidFill>
-                        <a:latin typeface="+mn-lt"/>
-                        <a:ea typeface="+mn-ea"/>
-                        <a:cs typeface="+mn-cs"/>
-                      </a:endParaRPr>
-                    </a:p>
-                  </a:txBody>
-                  <a:tcPr/>
-                </a:tc>
-                <a:tc>
-                  <a:txBody>
-                    <a:bodyPr/>
-                    <a:lstStyle/>
-                    <a:p>
-                      <a:pPr marL="0" marR="0" lvl="0" indent="0" algn="l" defTabSz="685800" rtl="0" eaLnBrk="1" fontAlgn="auto" latinLnBrk="0" hangingPunct="1">
-                        <a:lnSpc>
-                          <a:spcPct val="100000"/>
-                        </a:lnSpc>
-                        <a:spcBef>
-                          <a:spcPts val="0"/>
-                        </a:spcBef>
-                        <a:spcAft>
-                          <a:spcPts val="0"/>
-                        </a:spcAft>
-                        <a:buClrTx/>
-                        <a:buSzTx/>
-                        <a:buFontTx/>
-                        <a:buNone/>
-                        <a:tabLst/>
-                        <a:defRPr/>
-                      </a:pPr>
-                      <a:r>
-                        <a:rPr lang="en-US" sz="2000" kern="1200" baseline="0" dirty="0">
-                          <a:solidFill>
-                            <a:schemeClr val="dk1"/>
-                          </a:solidFill>
-                          <a:latin typeface="+mn-lt"/>
-                          <a:ea typeface="+mn-ea"/>
-                          <a:cs typeface="+mn-cs"/>
-                        </a:rPr>
-                        <a:t>Core Concepts in Data Mining</a:t>
-                      </a:r>
-                    </a:p>
-                  </a:txBody>
-                  <a:tcPr/>
-                </a:tc>
-                <a:extLst>
-                  <a:ext uri="{0D108BD9-81ED-4DB2-BD59-A6C34878D82A}">
-                    <a16:rowId xmlns:a16="http://schemas.microsoft.com/office/drawing/2014/main" val="10001"/>
-                  </a:ext>
-                </a:extLst>
-              </a:tr>
-              <a:tr h="370840">
-                <a:tc>
-                  <a:txBody>
-                    <a:bodyPr/>
-                    <a:lstStyle/>
-                    <a:p>
-                      <a:pPr algn="ctr"/>
-                      <a:endParaRPr lang="en-US" sz="2000" kern="1200" baseline="0" dirty="0">
-                        <a:solidFill>
-                          <a:schemeClr val="dk1"/>
-                        </a:solidFill>
-                        <a:latin typeface="+mn-lt"/>
-                        <a:ea typeface="+mn-ea"/>
-                        <a:cs typeface="+mn-cs"/>
-                      </a:endParaRPr>
-                    </a:p>
-                  </a:txBody>
-                  <a:tcPr/>
-                </a:tc>
-                <a:tc>
-                  <a:txBody>
-                    <a:bodyPr/>
-                    <a:lstStyle/>
-                    <a:p>
-                      <a:pPr algn="ctr"/>
-                      <a:endParaRPr lang="en-US" sz="2000" kern="1200" baseline="0" dirty="0">
-                        <a:solidFill>
-                          <a:schemeClr val="dk1"/>
-                        </a:solidFill>
-                        <a:latin typeface="+mn-lt"/>
-                        <a:ea typeface="+mn-ea"/>
-                        <a:cs typeface="+mn-cs"/>
-                      </a:endParaRPr>
                     </a:p>
                   </a:txBody>
                   <a:tcPr/>
@@ -4443,15 +4699,34 @@
                     <a:lstStyle/>
                     <a:p>
                       <a:r>
-                        <a:rPr lang="en-US" sz="2000" kern="1200" baseline="0" dirty="0">
-                          <a:solidFill>
-                            <a:schemeClr val="dk1"/>
-                          </a:solidFill>
-                          <a:latin typeface="+mn-lt"/>
-                          <a:ea typeface="+mn-ea"/>
-                          <a:cs typeface="+mn-cs"/>
-                        </a:rPr>
-                        <a:t>Break</a:t>
+                        <a:rPr lang="en-US" dirty="0"/>
+                        <a:t>Humidity</a:t>
+                      </a:r>
+                    </a:p>
+                  </a:txBody>
+                  <a:tcPr/>
+                </a:tc>
+                <a:tc>
+                  <a:txBody>
+                    <a:bodyPr/>
+                    <a:lstStyle/>
+                    <a:p>
+                      <a:r>
+                        <a:rPr lang="en-US" dirty="0"/>
+                        <a:t>…</a:t>
+                      </a:r>
+                    </a:p>
+                  </a:txBody>
+                  <a:tcPr/>
+                </a:tc>
+                <a:tc>
+                  <a:txBody>
+                    <a:bodyPr/>
+                    <a:lstStyle/>
+                    <a:p>
+                      <a:r>
+                        <a:rPr lang="en-US" dirty="0"/>
+                        <a:t>Presence of Virus</a:t>
                       </a:r>
                     </a:p>
                   </a:txBody>
@@ -4459,7 +4734,7 @@
                 </a:tc>
                 <a:extLst>
                   <a:ext uri="{0D108BD9-81ED-4DB2-BD59-A6C34878D82A}">
-                    <a16:rowId xmlns:a16="http://schemas.microsoft.com/office/drawing/2014/main" val="10002"/>
+                    <a16:rowId xmlns:a16="http://schemas.microsoft.com/office/drawing/2014/main" val="1688273566"/>
                   </a:ext>
                 </a:extLst>
               </a:tr>
@@ -4469,15 +4744,10 @@
                     <a:bodyPr/>
                     <a:lstStyle/>
                     <a:p>
-                      <a:pPr algn="ctr"/>
-                      <a:endParaRPr lang="en-US" sz="2000" kern="1200" baseline="0" dirty="0">
-                        <a:solidFill>
-                          <a:schemeClr val="dk1"/>
-                        </a:solidFill>
-                        <a:latin typeface="+mn-lt"/>
-                        <a:ea typeface="+mn-ea"/>
-                        <a:cs typeface="+mn-cs"/>
-                      </a:endParaRPr>
+                      <a:r>
+                        <a:rPr lang="en-US" dirty="0"/>
+                        <a:t>6/1/2012</a:t>
+                      </a:r>
                     </a:p>
                   </a:txBody>
                   <a:tcPr/>
@@ -4487,15 +4757,10 @@
                     <a:bodyPr/>
                     <a:lstStyle/>
                     <a:p>
-                      <a:pPr algn="ctr"/>
-                      <a:endParaRPr lang="en-US" sz="2000" kern="1200" baseline="0" dirty="0">
-                        <a:solidFill>
-                          <a:schemeClr val="dk1"/>
-                        </a:solidFill>
-                        <a:latin typeface="+mn-lt"/>
-                        <a:ea typeface="+mn-ea"/>
-                        <a:cs typeface="+mn-cs"/>
-                      </a:endParaRPr>
+                      <a:r>
+                        <a:rPr lang="en-US" dirty="0"/>
+                        <a:t>82</a:t>
+                      </a:r>
                     </a:p>
                   </a:txBody>
                   <a:tcPr/>
@@ -4505,33 +4770,35 @@
                     <a:bodyPr/>
                     <a:lstStyle/>
                     <a:p>
-                      <a:pPr marL="0" marR="0" lvl="0" indent="0" algn="l" defTabSz="685800" rtl="0" eaLnBrk="1" fontAlgn="auto" latinLnBrk="0" hangingPunct="1">
-                        <a:lnSpc>
-                          <a:spcPct val="100000"/>
-                        </a:lnSpc>
-                        <a:spcBef>
-                          <a:spcPts val="0"/>
-                        </a:spcBef>
-                        <a:spcAft>
-                          <a:spcPts val="0"/>
-                        </a:spcAft>
-                        <a:buClrTx/>
-                        <a:buSzTx/>
-                        <a:buFontTx/>
-                        <a:buNone/>
-                        <a:tabLst/>
-                        <a:defRPr/>
-                      </a:pPr>
                       <a:r>
-                        <a:rPr lang="en-US" sz="2000" kern="1200" baseline="0" dirty="0">
-                          <a:solidFill>
-                            <a:schemeClr val="dk1"/>
-                          </a:solidFill>
-                          <a:latin typeface="+mn-lt"/>
-                          <a:ea typeface="+mn-ea"/>
-                          <a:cs typeface="+mn-cs"/>
-                        </a:rPr>
-                        <a:t>More R learning &amp; EDA</a:t>
+                        <a:rPr lang="en-US" dirty="0"/>
+                        <a:t>50</a:t>
+                      </a:r>
+                    </a:p>
+                  </a:txBody>
+                  <a:tcPr/>
+                </a:tc>
+                <a:tc>
+                  <a:txBody>
+                    <a:bodyPr/>
+                    <a:lstStyle/>
+                    <a:p>
+                      <a:r>
+                        <a:rPr lang="en-US" dirty="0"/>
+                        <a:t>…</a:t>
+                      </a:r>
+                    </a:p>
+                  </a:txBody>
+                  <a:tcPr/>
+                </a:tc>
+                <a:tc>
+                  <a:txBody>
+                    <a:bodyPr/>
+                    <a:lstStyle/>
+                    <a:p>
+                      <a:r>
+                        <a:rPr lang="en-US" dirty="0"/>
+                        <a:t>1</a:t>
                       </a:r>
                     </a:p>
                   </a:txBody>
@@ -4539,7 +4806,7 @@
                 </a:tc>
                 <a:extLst>
                   <a:ext uri="{0D108BD9-81ED-4DB2-BD59-A6C34878D82A}">
-                    <a16:rowId xmlns:a16="http://schemas.microsoft.com/office/drawing/2014/main" val="10003"/>
+                    <a16:rowId xmlns:a16="http://schemas.microsoft.com/office/drawing/2014/main" val="2819347166"/>
                   </a:ext>
                 </a:extLst>
               </a:tr>
@@ -4549,15 +4816,10 @@
                     <a:bodyPr/>
                     <a:lstStyle/>
                     <a:p>
-                      <a:pPr algn="ctr"/>
-                      <a:endParaRPr lang="en-US" sz="2000" kern="1200" baseline="0" dirty="0">
-                        <a:solidFill>
-                          <a:schemeClr val="dk1"/>
-                        </a:solidFill>
-                        <a:latin typeface="+mn-lt"/>
-                        <a:ea typeface="+mn-ea"/>
-                        <a:cs typeface="+mn-cs"/>
-                      </a:endParaRPr>
+                      <a:r>
+                        <a:rPr lang="en-US" dirty="0"/>
+                        <a:t>5/15/2011</a:t>
+                      </a:r>
                     </a:p>
                   </a:txBody>
                   <a:tcPr/>
@@ -4567,15 +4829,10 @@
                     <a:bodyPr/>
                     <a:lstStyle/>
                     <a:p>
-                      <a:pPr algn="ctr"/>
-                      <a:endParaRPr lang="en-US" sz="2000" kern="1200" baseline="0" dirty="0">
-                        <a:solidFill>
-                          <a:schemeClr val="dk1"/>
-                        </a:solidFill>
-                        <a:latin typeface="+mn-lt"/>
-                        <a:ea typeface="+mn-ea"/>
-                        <a:cs typeface="+mn-cs"/>
-                      </a:endParaRPr>
+                      <a:r>
+                        <a:rPr lang="en-US" dirty="0"/>
+                        <a:t>84</a:t>
+                      </a:r>
                     </a:p>
                   </a:txBody>
                   <a:tcPr/>
@@ -4585,21 +4842,43 @@
                     <a:bodyPr/>
                     <a:lstStyle/>
                     <a:p>
-                      <a:endParaRPr lang="en-US" sz="2000" kern="1200" baseline="0" dirty="0">
-                        <a:solidFill>
-                          <a:schemeClr val="dk1"/>
-                        </a:solidFill>
-                        <a:latin typeface="+mn-lt"/>
-                        <a:ea typeface="+mn-ea"/>
-                        <a:cs typeface="+mn-cs"/>
-                      </a:endParaRPr>
+                      <a:r>
+                        <a:rPr lang="en-US" dirty="0"/>
+                        <a:t>60</a:t>
+                      </a:r>
+                    </a:p>
+                  </a:txBody>
+                  <a:tcPr/>
+                </a:tc>
+                <a:tc>
+                  <a:txBody>
+                    <a:bodyPr/>
+                    <a:lstStyle/>
+                    <a:p>
+                      <a:r>
+                        <a:rPr lang="en-US" dirty="0"/>
+                        <a:t>…</a:t>
+                      </a:r>
+                    </a:p>
+                  </a:txBody>
+                  <a:tcPr/>
+                </a:tc>
+                <a:tc>
+                  <a:txBody>
+                    <a:bodyPr/>
+                    <a:lstStyle/>
+                    <a:p>
+                      <a:r>
+                        <a:rPr lang="en-US" dirty="0"/>
+                        <a:t>0</a:t>
+                      </a:r>
                     </a:p>
                   </a:txBody>
                   <a:tcPr/>
                 </a:tc>
                 <a:extLst>
                   <a:ext uri="{0D108BD9-81ED-4DB2-BD59-A6C34878D82A}">
-                    <a16:rowId xmlns:a16="http://schemas.microsoft.com/office/drawing/2014/main" val="10004"/>
+                    <a16:rowId xmlns:a16="http://schemas.microsoft.com/office/drawing/2014/main" val="2372433077"/>
                   </a:ext>
                 </a:extLst>
               </a:tr>
@@ -4609,15 +4888,10 @@
                     <a:bodyPr/>
                     <a:lstStyle/>
                     <a:p>
-                      <a:pPr algn="ctr"/>
-                      <a:endParaRPr lang="en-US" sz="2000" kern="1200" baseline="0" dirty="0">
-                        <a:solidFill>
-                          <a:schemeClr val="dk1"/>
-                        </a:solidFill>
-                        <a:latin typeface="+mn-lt"/>
-                        <a:ea typeface="+mn-ea"/>
-                        <a:cs typeface="+mn-cs"/>
-                      </a:endParaRPr>
+                      <a:r>
+                        <a:rPr lang="en-US" dirty="0"/>
+                        <a:t>5/30/2011</a:t>
+                      </a:r>
                     </a:p>
                   </a:txBody>
                   <a:tcPr/>
@@ -4627,15 +4901,10 @@
                     <a:bodyPr/>
                     <a:lstStyle/>
                     <a:p>
-                      <a:pPr algn="ctr"/>
-                      <a:endParaRPr lang="en-US" sz="2000" kern="1200" baseline="0" dirty="0">
-                        <a:solidFill>
-                          <a:schemeClr val="dk1"/>
-                        </a:solidFill>
-                        <a:latin typeface="+mn-lt"/>
-                        <a:ea typeface="+mn-ea"/>
-                        <a:cs typeface="+mn-cs"/>
-                      </a:endParaRPr>
+                      <a:r>
+                        <a:rPr lang="en-US" dirty="0"/>
+                        <a:t>76</a:t>
+                      </a:r>
                     </a:p>
                   </a:txBody>
                   <a:tcPr/>
@@ -4645,21 +4914,331 @@
                     <a:bodyPr/>
                     <a:lstStyle/>
                     <a:p>
-                      <a:endParaRPr lang="en-US" sz="2000" kern="1200" baseline="0" dirty="0">
-                        <a:solidFill>
-                          <a:schemeClr val="dk1"/>
-                        </a:solidFill>
-                        <a:latin typeface="+mn-lt"/>
-                        <a:ea typeface="+mn-ea"/>
-                        <a:cs typeface="+mn-cs"/>
-                      </a:endParaRPr>
+                      <a:r>
+                        <a:rPr lang="en-US" dirty="0"/>
+                        <a:t>35</a:t>
+                      </a:r>
+                    </a:p>
+                  </a:txBody>
+                  <a:tcPr/>
+                </a:tc>
+                <a:tc>
+                  <a:txBody>
+                    <a:bodyPr/>
+                    <a:lstStyle/>
+                    <a:p>
+                      <a:r>
+                        <a:rPr lang="en-US" dirty="0"/>
+                        <a:t>…</a:t>
+                      </a:r>
+                    </a:p>
+                  </a:txBody>
+                  <a:tcPr/>
+                </a:tc>
+                <a:tc>
+                  <a:txBody>
+                    <a:bodyPr/>
+                    <a:lstStyle/>
+                    <a:p>
+                      <a:r>
+                        <a:rPr lang="en-US" dirty="0"/>
+                        <a:t>0</a:t>
+                      </a:r>
                     </a:p>
                   </a:txBody>
                   <a:tcPr/>
                 </a:tc>
                 <a:extLst>
                   <a:ext uri="{0D108BD9-81ED-4DB2-BD59-A6C34878D82A}">
-                    <a16:rowId xmlns:a16="http://schemas.microsoft.com/office/drawing/2014/main" val="10006"/>
+                    <a16:rowId xmlns:a16="http://schemas.microsoft.com/office/drawing/2014/main" val="1313434916"/>
+                  </a:ext>
+                </a:extLst>
+              </a:tr>
+              <a:tr h="370840">
+                <a:tc>
+                  <a:txBody>
+                    <a:bodyPr/>
+                    <a:lstStyle/>
+                    <a:p>
+                      <a:r>
+                        <a:rPr lang="en-US" dirty="0"/>
+                        <a:t>7/4/2012</a:t>
+                      </a:r>
+                    </a:p>
+                  </a:txBody>
+                  <a:tcPr/>
+                </a:tc>
+                <a:tc>
+                  <a:txBody>
+                    <a:bodyPr/>
+                    <a:lstStyle/>
+                    <a:p>
+                      <a:r>
+                        <a:rPr lang="en-US" dirty="0"/>
+                        <a:t>97</a:t>
+                      </a:r>
+                    </a:p>
+                  </a:txBody>
+                  <a:tcPr/>
+                </a:tc>
+                <a:tc>
+                  <a:txBody>
+                    <a:bodyPr/>
+                    <a:lstStyle/>
+                    <a:p>
+                      <a:r>
+                        <a:rPr lang="en-US" dirty="0"/>
+                        <a:t>85</a:t>
+                      </a:r>
+                    </a:p>
+                  </a:txBody>
+                  <a:tcPr/>
+                </a:tc>
+                <a:tc>
+                  <a:txBody>
+                    <a:bodyPr/>
+                    <a:lstStyle/>
+                    <a:p>
+                      <a:r>
+                        <a:rPr lang="en-US" dirty="0"/>
+                        <a:t>…</a:t>
+                      </a:r>
+                    </a:p>
+                  </a:txBody>
+                  <a:tcPr/>
+                </a:tc>
+                <a:tc>
+                  <a:txBody>
+                    <a:bodyPr/>
+                    <a:lstStyle/>
+                    <a:p>
+                      <a:r>
+                        <a:rPr lang="en-US" dirty="0"/>
+                        <a:t>1</a:t>
+                      </a:r>
+                    </a:p>
+                  </a:txBody>
+                  <a:tcPr/>
+                </a:tc>
+                <a:extLst>
+                  <a:ext uri="{0D108BD9-81ED-4DB2-BD59-A6C34878D82A}">
+                    <a16:rowId xmlns:a16="http://schemas.microsoft.com/office/drawing/2014/main" val="1718784159"/>
+                  </a:ext>
+                </a:extLst>
+              </a:tr>
+              <a:tr h="370840">
+                <a:tc>
+                  <a:txBody>
+                    <a:bodyPr/>
+                    <a:lstStyle/>
+                    <a:p>
+                      <a:r>
+                        <a:rPr lang="en-US" dirty="0"/>
+                        <a:t>7/15/2010</a:t>
+                      </a:r>
+                    </a:p>
+                  </a:txBody>
+                  <a:tcPr/>
+                </a:tc>
+                <a:tc>
+                  <a:txBody>
+                    <a:bodyPr/>
+                    <a:lstStyle/>
+                    <a:p>
+                      <a:r>
+                        <a:rPr lang="en-US" dirty="0"/>
+                        <a:t>89</a:t>
+                      </a:r>
+                    </a:p>
+                  </a:txBody>
+                  <a:tcPr/>
+                </a:tc>
+                <a:tc>
+                  <a:txBody>
+                    <a:bodyPr/>
+                    <a:lstStyle/>
+                    <a:p>
+                      <a:r>
+                        <a:rPr lang="en-US" dirty="0"/>
+                        <a:t>75</a:t>
+                      </a:r>
+                    </a:p>
+                  </a:txBody>
+                  <a:tcPr/>
+                </a:tc>
+                <a:tc>
+                  <a:txBody>
+                    <a:bodyPr/>
+                    <a:lstStyle/>
+                    <a:p>
+                      <a:r>
+                        <a:rPr lang="en-US" dirty="0"/>
+                        <a:t>…</a:t>
+                      </a:r>
+                    </a:p>
+                  </a:txBody>
+                  <a:tcPr/>
+                </a:tc>
+                <a:tc>
+                  <a:txBody>
+                    <a:bodyPr/>
+                    <a:lstStyle/>
+                    <a:p>
+                      <a:r>
+                        <a:rPr lang="en-US" dirty="0"/>
+                        <a:t>1</a:t>
+                      </a:r>
+                    </a:p>
+                  </a:txBody>
+                  <a:tcPr/>
+                </a:tc>
+                <a:extLst>
+                  <a:ext uri="{0D108BD9-81ED-4DB2-BD59-A6C34878D82A}">
+                    <a16:rowId xmlns:a16="http://schemas.microsoft.com/office/drawing/2014/main" val="2965125095"/>
+                  </a:ext>
+                </a:extLst>
+              </a:tr>
+              <a:tr h="370840">
+                <a:tc>
+                  <a:txBody>
+                    <a:bodyPr/>
+                    <a:lstStyle/>
+                    <a:p>
+                      <a:r>
+                        <a:rPr lang="en-US" dirty="0"/>
+                        <a:t>6/12/2010</a:t>
+                      </a:r>
+                    </a:p>
+                  </a:txBody>
+                  <a:tcPr/>
+                </a:tc>
+                <a:tc>
+                  <a:txBody>
+                    <a:bodyPr/>
+                    <a:lstStyle/>
+                    <a:p>
+                      <a:r>
+                        <a:rPr lang="en-US" dirty="0"/>
+                        <a:t>78</a:t>
+                      </a:r>
+                    </a:p>
+                  </a:txBody>
+                  <a:tcPr/>
+                </a:tc>
+                <a:tc>
+                  <a:txBody>
+                    <a:bodyPr/>
+                    <a:lstStyle/>
+                    <a:p>
+                      <a:r>
+                        <a:rPr lang="en-US" dirty="0"/>
+                        <a:t>75</a:t>
+                      </a:r>
+                    </a:p>
+                  </a:txBody>
+                  <a:tcPr/>
+                </a:tc>
+                <a:tc>
+                  <a:txBody>
+                    <a:bodyPr/>
+                    <a:lstStyle/>
+                    <a:p>
+                      <a:r>
+                        <a:rPr lang="en-US" dirty="0"/>
+                        <a:t>…</a:t>
+                      </a:r>
+                    </a:p>
+                  </a:txBody>
+                  <a:tcPr/>
+                </a:tc>
+                <a:tc>
+                  <a:txBody>
+                    <a:bodyPr/>
+                    <a:lstStyle/>
+                    <a:p>
+                      <a:r>
+                        <a:rPr lang="en-US" dirty="0"/>
+                        <a:t>0</a:t>
+                      </a:r>
+                    </a:p>
+                  </a:txBody>
+                  <a:tcPr/>
+                </a:tc>
+                <a:extLst>
+                  <a:ext uri="{0D108BD9-81ED-4DB2-BD59-A6C34878D82A}">
+                    <a16:rowId xmlns:a16="http://schemas.microsoft.com/office/drawing/2014/main" val="3116034017"/>
+                  </a:ext>
+                </a:extLst>
+              </a:tr>
+              <a:tr h="370840">
+                <a:tc>
+                  <a:txBody>
+                    <a:bodyPr/>
+                    <a:lstStyle/>
+                    <a:p>
+                      <a:r>
+                        <a:rPr lang="en-US" dirty="0"/>
+                        <a:t>8/3/2012</a:t>
+                      </a:r>
+                    </a:p>
+                  </a:txBody>
+                  <a:tcPr/>
+                </a:tc>
+                <a:tc>
+                  <a:txBody>
+                    <a:bodyPr/>
+                    <a:lstStyle/>
+                    <a:p>
+                      <a:r>
+                        <a:rPr lang="en-US" dirty="0"/>
+                        <a:t>84</a:t>
+                      </a:r>
+                    </a:p>
+                  </a:txBody>
+                  <a:tcPr/>
+                </a:tc>
+                <a:tc>
+                  <a:txBody>
+                    <a:bodyPr/>
+                    <a:lstStyle/>
+                    <a:p>
+                      <a:r>
+                        <a:rPr lang="en-US" dirty="0"/>
+                        <a:t>45</a:t>
+                      </a:r>
+                    </a:p>
+                  </a:txBody>
+                  <a:tcPr/>
+                </a:tc>
+                <a:tc>
+                  <a:txBody>
+                    <a:bodyPr/>
+                    <a:lstStyle/>
+                    <a:p>
+                      <a:r>
+                        <a:rPr lang="en-US" dirty="0"/>
+                        <a:t>…</a:t>
+                      </a:r>
+                    </a:p>
+                  </a:txBody>
+                  <a:tcPr/>
+                </a:tc>
+                <a:tc>
+                  <a:txBody>
+                    <a:bodyPr/>
+                    <a:lstStyle/>
+                    <a:p>
+                      <a:r>
+                        <a:rPr lang="en-US" dirty="0"/>
+                        <a:t>1</a:t>
+                      </a:r>
+                    </a:p>
+                  </a:txBody>
+                  <a:tcPr/>
+                </a:tc>
+                <a:extLst>
+                  <a:ext uri="{0D108BD9-81ED-4DB2-BD59-A6C34878D82A}">
+                    <a16:rowId xmlns:a16="http://schemas.microsoft.com/office/drawing/2014/main" val="2487065601"/>
                   </a:ext>
                 </a:extLst>
               </a:tr>
@@ -4667,99 +5246,520 @@
           </a:graphicData>
         </a:graphic>
       </p:graphicFrame>
-      <p:sp>
-        <p:nvSpPr>
-          <p:cNvPr id="5" name="Date Placeholder 4"/>
-          <p:cNvSpPr>
-            <a:spLocks noGrp="1"/>
-          </p:cNvSpPr>
-          <p:nvPr>
-            <p:ph type="dt" sz="half" idx="10"/>
-          </p:nvPr>
-        </p:nvSpPr>
-        <p:spPr/>
-        <p:txBody>
-          <a:bodyPr/>
-          <a:lstStyle/>
-          <a:p>
-            <a:fld id="{9B19E99B-5349-415A-8E56-8E989211A366}" type="datetime1">
-              <a:rPr lang="en-US" smtClean="0"/>
-              <a:t>9/25/23</a:t>
-            </a:fld>
-            <a:endParaRPr lang="en-US"/>
-          </a:p>
-        </p:txBody>
-      </p:sp>
-      <p:sp>
-        <p:nvSpPr>
-          <p:cNvPr id="7" name="Slide Number Placeholder 6"/>
-          <p:cNvSpPr>
-            <a:spLocks noGrp="1"/>
-          </p:cNvSpPr>
-          <p:nvPr>
-            <p:ph type="sldNum" sz="quarter" idx="12"/>
-          </p:nvPr>
-        </p:nvSpPr>
-        <p:spPr/>
-        <p:txBody>
-          <a:bodyPr/>
-          <a:lstStyle/>
-          <a:p>
-            <a:fld id="{37290FF7-652B-4475-AEAB-8B1A5D23AE09}" type="slidenum">
-              <a:rPr lang="en-US" smtClean="0"/>
-              <a:t>1</a:t>
-            </a:fld>
-            <a:endParaRPr lang="en-US"/>
-          </a:p>
-        </p:txBody>
-      </p:sp>
-      <p:sp>
-        <p:nvSpPr>
-          <p:cNvPr id="8" name="Footer Placeholder 4">
+      <p:graphicFrame>
+        <p:nvGraphicFramePr>
+          <p:cNvPr id="7" name="Table 6">
             <a:extLst>
               <a:ext uri="{FF2B5EF4-FFF2-40B4-BE49-F238E27FC236}">
-                <a16:creationId xmlns:a16="http://schemas.microsoft.com/office/drawing/2014/main" id="{D9CEEE6C-8E0E-8948-A8BE-4C5C57B2A9D1}"/>
+                <a16:creationId xmlns:a16="http://schemas.microsoft.com/office/drawing/2014/main" id="{390F7217-6978-EEC4-F7E5-11B3AFE67CB9}"/>
               </a:ext>
             </a:extLst>
           </p:cNvPr>
-          <p:cNvSpPr>
-            <a:spLocks noGrp="1"/>
-          </p:cNvSpPr>
-          <p:nvPr>
-            <p:ph type="ftr" sz="quarter" idx="3"/>
-          </p:nvPr>
-        </p:nvSpPr>
-        <p:spPr>
-          <a:xfrm>
-            <a:off x="3028950" y="6356351"/>
-            <a:ext cx="3086100" cy="365125"/>
-          </a:xfrm>
-        </p:spPr>
-        <p:txBody>
-          <a:bodyPr/>
-          <a:lstStyle/>
-          <a:p>
-            <a:r>
-              <a:rPr lang="en-US" dirty="0"/>
-              <a:t>Kwartler </a:t>
-            </a:r>
-          </a:p>
-        </p:txBody>
-      </p:sp>
+          <p:cNvGraphicFramePr>
+            <a:graphicFrameLocks noGrp="1"/>
+          </p:cNvGraphicFramePr>
+          <p:nvPr/>
+        </p:nvGraphicFramePr>
+        <p:xfrm>
+          <a:off x="312034" y="4552633"/>
+          <a:ext cx="6096000" cy="1986280"/>
+        </p:xfrm>
+        <a:graphic>
+          <a:graphicData uri="http://schemas.openxmlformats.org/drawingml/2006/table">
+            <a:tbl>
+              <a:tblPr firstRow="1" bandRow="1">
+                <a:tableStyleId>{5C22544A-7EE6-4342-B048-85BDC9FD1C3A}</a:tableStyleId>
+              </a:tblPr>
+              <a:tblGrid>
+                <a:gridCol w="1219200">
+                  <a:extLst>
+                    <a:ext uri="{9D8B030D-6E8A-4147-A177-3AD203B41FA5}">
+                      <a16:colId xmlns:a16="http://schemas.microsoft.com/office/drawing/2014/main" val="428749015"/>
+                    </a:ext>
+                  </a:extLst>
+                </a:gridCol>
+                <a:gridCol w="1219200">
+                  <a:extLst>
+                    <a:ext uri="{9D8B030D-6E8A-4147-A177-3AD203B41FA5}">
+                      <a16:colId xmlns:a16="http://schemas.microsoft.com/office/drawing/2014/main" val="1356305113"/>
+                    </a:ext>
+                  </a:extLst>
+                </a:gridCol>
+                <a:gridCol w="1219200">
+                  <a:extLst>
+                    <a:ext uri="{9D8B030D-6E8A-4147-A177-3AD203B41FA5}">
+                      <a16:colId xmlns:a16="http://schemas.microsoft.com/office/drawing/2014/main" val="2361639525"/>
+                    </a:ext>
+                  </a:extLst>
+                </a:gridCol>
+                <a:gridCol w="1219200">
+                  <a:extLst>
+                    <a:ext uri="{9D8B030D-6E8A-4147-A177-3AD203B41FA5}">
+                      <a16:colId xmlns:a16="http://schemas.microsoft.com/office/drawing/2014/main" val="1992473898"/>
+                    </a:ext>
+                  </a:extLst>
+                </a:gridCol>
+                <a:gridCol w="1219200">
+                  <a:extLst>
+                    <a:ext uri="{9D8B030D-6E8A-4147-A177-3AD203B41FA5}">
+                      <a16:colId xmlns:a16="http://schemas.microsoft.com/office/drawing/2014/main" val="1724315288"/>
+                    </a:ext>
+                  </a:extLst>
+                </a:gridCol>
+              </a:tblGrid>
+              <a:tr h="370840">
+                <a:tc>
+                  <a:txBody>
+                    <a:bodyPr/>
+                    <a:lstStyle/>
+                    <a:p>
+                      <a:r>
+                        <a:rPr lang="en-US" dirty="0"/>
+                        <a:t>Date</a:t>
+                      </a:r>
+                    </a:p>
+                  </a:txBody>
+                  <a:tcPr/>
+                </a:tc>
+                <a:tc>
+                  <a:txBody>
+                    <a:bodyPr/>
+                    <a:lstStyle/>
+                    <a:p>
+                      <a:r>
+                        <a:rPr lang="en-US" dirty="0"/>
+                        <a:t>Temperature</a:t>
+                      </a:r>
+                    </a:p>
+                  </a:txBody>
+                  <a:tcPr/>
+                </a:tc>
+                <a:tc>
+                  <a:txBody>
+                    <a:bodyPr/>
+                    <a:lstStyle/>
+                    <a:p>
+                      <a:r>
+                        <a:rPr lang="en-US" dirty="0"/>
+                        <a:t>Humidity</a:t>
+                      </a:r>
+                    </a:p>
+                  </a:txBody>
+                  <a:tcPr/>
+                </a:tc>
+                <a:tc>
+                  <a:txBody>
+                    <a:bodyPr/>
+                    <a:lstStyle/>
+                    <a:p>
+                      <a:r>
+                        <a:rPr lang="en-US" dirty="0"/>
+                        <a:t>…</a:t>
+                      </a:r>
+                    </a:p>
+                  </a:txBody>
+                  <a:tcPr/>
+                </a:tc>
+                <a:tc>
+                  <a:txBody>
+                    <a:bodyPr/>
+                    <a:lstStyle/>
+                    <a:p>
+                      <a:r>
+                        <a:rPr lang="en-US" dirty="0"/>
+                        <a:t>Presence of Virus</a:t>
+                      </a:r>
+                    </a:p>
+                  </a:txBody>
+                  <a:tcPr/>
+                </a:tc>
+                <a:extLst>
+                  <a:ext uri="{0D108BD9-81ED-4DB2-BD59-A6C34878D82A}">
+                    <a16:rowId xmlns:a16="http://schemas.microsoft.com/office/drawing/2014/main" val="1688273566"/>
+                  </a:ext>
+                </a:extLst>
+              </a:tr>
+              <a:tr h="370840">
+                <a:tc>
+                  <a:txBody>
+                    <a:bodyPr/>
+                    <a:lstStyle/>
+                    <a:p>
+                      <a:r>
+                        <a:rPr lang="en-US" dirty="0"/>
+                        <a:t>6/1/2012</a:t>
+                      </a:r>
+                    </a:p>
+                  </a:txBody>
+                  <a:tcPr/>
+                </a:tc>
+                <a:tc>
+                  <a:txBody>
+                    <a:bodyPr/>
+                    <a:lstStyle/>
+                    <a:p>
+                      <a:r>
+                        <a:rPr lang="en-US" dirty="0"/>
+                        <a:t>82</a:t>
+                      </a:r>
+                    </a:p>
+                  </a:txBody>
+                  <a:tcPr/>
+                </a:tc>
+                <a:tc>
+                  <a:txBody>
+                    <a:bodyPr/>
+                    <a:lstStyle/>
+                    <a:p>
+                      <a:r>
+                        <a:rPr lang="en-US" dirty="0"/>
+                        <a:t>50</a:t>
+                      </a:r>
+                    </a:p>
+                  </a:txBody>
+                  <a:tcPr/>
+                </a:tc>
+                <a:tc>
+                  <a:txBody>
+                    <a:bodyPr/>
+                    <a:lstStyle/>
+                    <a:p>
+                      <a:r>
+                        <a:rPr lang="en-US" dirty="0"/>
+                        <a:t>…</a:t>
+                      </a:r>
+                    </a:p>
+                  </a:txBody>
+                  <a:tcPr/>
+                </a:tc>
+                <a:tc>
+                  <a:txBody>
+                    <a:bodyPr/>
+                    <a:lstStyle/>
+                    <a:p>
+                      <a:r>
+                        <a:rPr lang="en-US" dirty="0"/>
+                        <a:t>1</a:t>
+                      </a:r>
+                    </a:p>
+                  </a:txBody>
+                  <a:tcPr/>
+                </a:tc>
+                <a:extLst>
+                  <a:ext uri="{0D108BD9-81ED-4DB2-BD59-A6C34878D82A}">
+                    <a16:rowId xmlns:a16="http://schemas.microsoft.com/office/drawing/2014/main" val="2819347166"/>
+                  </a:ext>
+                </a:extLst>
+              </a:tr>
+              <a:tr h="370840">
+                <a:tc>
+                  <a:txBody>
+                    <a:bodyPr/>
+                    <a:lstStyle/>
+                    <a:p>
+                      <a:r>
+                        <a:rPr lang="en-US" dirty="0"/>
+                        <a:t>7/4/2012</a:t>
+                      </a:r>
+                    </a:p>
+                  </a:txBody>
+                  <a:tcPr/>
+                </a:tc>
+                <a:tc>
+                  <a:txBody>
+                    <a:bodyPr/>
+                    <a:lstStyle/>
+                    <a:p>
+                      <a:r>
+                        <a:rPr lang="en-US" dirty="0"/>
+                        <a:t>97</a:t>
+                      </a:r>
+                    </a:p>
+                  </a:txBody>
+                  <a:tcPr/>
+                </a:tc>
+                <a:tc>
+                  <a:txBody>
+                    <a:bodyPr/>
+                    <a:lstStyle/>
+                    <a:p>
+                      <a:r>
+                        <a:rPr lang="en-US" dirty="0"/>
+                        <a:t>85</a:t>
+                      </a:r>
+                    </a:p>
+                  </a:txBody>
+                  <a:tcPr/>
+                </a:tc>
+                <a:tc>
+                  <a:txBody>
+                    <a:bodyPr/>
+                    <a:lstStyle/>
+                    <a:p>
+                      <a:r>
+                        <a:rPr lang="en-US" dirty="0"/>
+                        <a:t>…</a:t>
+                      </a:r>
+                    </a:p>
+                  </a:txBody>
+                  <a:tcPr/>
+                </a:tc>
+                <a:tc>
+                  <a:txBody>
+                    <a:bodyPr/>
+                    <a:lstStyle/>
+                    <a:p>
+                      <a:r>
+                        <a:rPr lang="en-US" dirty="0"/>
+                        <a:t>1</a:t>
+                      </a:r>
+                    </a:p>
+                  </a:txBody>
+                  <a:tcPr/>
+                </a:tc>
+                <a:extLst>
+                  <a:ext uri="{0D108BD9-81ED-4DB2-BD59-A6C34878D82A}">
+                    <a16:rowId xmlns:a16="http://schemas.microsoft.com/office/drawing/2014/main" val="1718784159"/>
+                  </a:ext>
+                </a:extLst>
+              </a:tr>
+              <a:tr h="370840">
+                <a:tc>
+                  <a:txBody>
+                    <a:bodyPr/>
+                    <a:lstStyle/>
+                    <a:p>
+                      <a:r>
+                        <a:rPr lang="en-US" dirty="0"/>
+                        <a:t>7/15/2010</a:t>
+                      </a:r>
+                    </a:p>
+                  </a:txBody>
+                  <a:tcPr/>
+                </a:tc>
+                <a:tc>
+                  <a:txBody>
+                    <a:bodyPr/>
+                    <a:lstStyle/>
+                    <a:p>
+                      <a:r>
+                        <a:rPr lang="en-US" dirty="0"/>
+                        <a:t>89</a:t>
+                      </a:r>
+                    </a:p>
+                  </a:txBody>
+                  <a:tcPr/>
+                </a:tc>
+                <a:tc>
+                  <a:txBody>
+                    <a:bodyPr/>
+                    <a:lstStyle/>
+                    <a:p>
+                      <a:r>
+                        <a:rPr lang="en-US" dirty="0"/>
+                        <a:t>75</a:t>
+                      </a:r>
+                    </a:p>
+                  </a:txBody>
+                  <a:tcPr/>
+                </a:tc>
+                <a:tc>
+                  <a:txBody>
+                    <a:bodyPr/>
+                    <a:lstStyle/>
+                    <a:p>
+                      <a:r>
+                        <a:rPr lang="en-US" dirty="0"/>
+                        <a:t>…</a:t>
+                      </a:r>
+                    </a:p>
+                  </a:txBody>
+                  <a:tcPr/>
+                </a:tc>
+                <a:tc>
+                  <a:txBody>
+                    <a:bodyPr/>
+                    <a:lstStyle/>
+                    <a:p>
+                      <a:r>
+                        <a:rPr lang="en-US" dirty="0"/>
+                        <a:t>1</a:t>
+                      </a:r>
+                    </a:p>
+                  </a:txBody>
+                  <a:tcPr/>
+                </a:tc>
+                <a:extLst>
+                  <a:ext uri="{0D108BD9-81ED-4DB2-BD59-A6C34878D82A}">
+                    <a16:rowId xmlns:a16="http://schemas.microsoft.com/office/drawing/2014/main" val="2965125095"/>
+                  </a:ext>
+                </a:extLst>
+              </a:tr>
+              <a:tr h="370840">
+                <a:tc>
+                  <a:txBody>
+                    <a:bodyPr/>
+                    <a:lstStyle/>
+                    <a:p>
+                      <a:r>
+                        <a:rPr lang="en-US" dirty="0"/>
+                        <a:t>8/3/2012</a:t>
+                      </a:r>
+                    </a:p>
+                  </a:txBody>
+                  <a:tcPr/>
+                </a:tc>
+                <a:tc>
+                  <a:txBody>
+                    <a:bodyPr/>
+                    <a:lstStyle/>
+                    <a:p>
+                      <a:r>
+                        <a:rPr lang="en-US" dirty="0"/>
+                        <a:t>84</a:t>
+                      </a:r>
+                    </a:p>
+                  </a:txBody>
+                  <a:tcPr/>
+                </a:tc>
+                <a:tc>
+                  <a:txBody>
+                    <a:bodyPr/>
+                    <a:lstStyle/>
+                    <a:p>
+                      <a:r>
+                        <a:rPr lang="en-US" dirty="0"/>
+                        <a:t>45</a:t>
+                      </a:r>
+                    </a:p>
+                  </a:txBody>
+                  <a:tcPr/>
+                </a:tc>
+                <a:tc>
+                  <a:txBody>
+                    <a:bodyPr/>
+                    <a:lstStyle/>
+                    <a:p>
+                      <a:r>
+                        <a:rPr lang="en-US" dirty="0"/>
+                        <a:t>…</a:t>
+                      </a:r>
+                    </a:p>
+                  </a:txBody>
+                  <a:tcPr/>
+                </a:tc>
+                <a:tc>
+                  <a:txBody>
+                    <a:bodyPr/>
+                    <a:lstStyle/>
+                    <a:p>
+                      <a:r>
+                        <a:rPr lang="en-US" dirty="0"/>
+                        <a:t>1</a:t>
+                      </a:r>
+                    </a:p>
+                  </a:txBody>
+                  <a:tcPr/>
+                </a:tc>
+                <a:extLst>
+                  <a:ext uri="{0D108BD9-81ED-4DB2-BD59-A6C34878D82A}">
+                    <a16:rowId xmlns:a16="http://schemas.microsoft.com/office/drawing/2014/main" val="2487065601"/>
+                  </a:ext>
+                </a:extLst>
+              </a:tr>
+            </a:tbl>
+          </a:graphicData>
+        </a:graphic>
+      </p:graphicFrame>
     </p:spTree>
     <p:extLst>
       <p:ext uri="{BB962C8B-B14F-4D97-AF65-F5344CB8AC3E}">
-        <p14:creationId xmlns:p14="http://schemas.microsoft.com/office/powerpoint/2010/main" val="136402190"/>
+        <p14:creationId xmlns:p14="http://schemas.microsoft.com/office/powerpoint/2010/main" val="551251994"/>
       </p:ext>
     </p:extLst>
   </p:cSld>
   <p:clrMapOvr>
     <a:masterClrMapping/>
   </p:clrMapOvr>
+  <p:timing>
+    <p:tnLst>
+      <p:par>
+        <p:cTn id="1" dur="indefinite" restart="never" nodeType="tmRoot">
+          <p:childTnLst>
+            <p:seq concurrent="1" nextAc="seek">
+              <p:cTn id="2" dur="indefinite" nodeType="mainSeq">
+                <p:childTnLst>
+                  <p:par>
+                    <p:cTn id="3" fill="hold">
+                      <p:stCondLst>
+                        <p:cond delay="indefinite"/>
+                      </p:stCondLst>
+                      <p:childTnLst>
+                        <p:par>
+                          <p:cTn id="4" fill="hold">
+                            <p:stCondLst>
+                              <p:cond delay="0"/>
+                            </p:stCondLst>
+                            <p:childTnLst>
+                              <p:par>
+                                <p:cTn id="5" presetID="1" presetClass="entr" presetSubtype="0" fill="hold" nodeType="clickEffect">
+                                  <p:stCondLst>
+                                    <p:cond delay="0"/>
+                                  </p:stCondLst>
+                                  <p:childTnLst>
+                                    <p:set>
+                                      <p:cBhvr>
+                                        <p:cTn id="6" dur="1" fill="hold">
+                                          <p:stCondLst>
+                                            <p:cond delay="0"/>
+                                          </p:stCondLst>
+                                        </p:cTn>
+                                        <p:tgtEl>
+                                          <p:spTgt spid="7"/>
+                                        </p:tgtEl>
+                                        <p:attrNameLst>
+                                          <p:attrName>style.visibility</p:attrName>
+                                        </p:attrNameLst>
+                                      </p:cBhvr>
+                                      <p:to>
+                                        <p:strVal val="visible"/>
+                                      </p:to>
+                                    </p:set>
+                                  </p:childTnLst>
+                                </p:cTn>
+                              </p:par>
+                            </p:childTnLst>
+                          </p:cTn>
+                        </p:par>
+                      </p:childTnLst>
+                    </p:cTn>
+                  </p:par>
+                </p:childTnLst>
+              </p:cTn>
+              <p:prevCondLst>
+                <p:cond evt="onPrev" delay="0">
+                  <p:tgtEl>
+                    <p:sldTgt/>
+                  </p:tgtEl>
+                </p:cond>
+              </p:prevCondLst>
+              <p:nextCondLst>
+                <p:cond evt="onNext" delay="0">
+                  <p:tgtEl>
+                    <p:sldTgt/>
+                  </p:tgtEl>
+                </p:cond>
+              </p:nextCondLst>
+            </p:seq>
+          </p:childTnLst>
+        </p:cTn>
+      </p:par>
+    </p:tnLst>
+  </p:timing>
 </p:sld>
 </file>
 
-<file path=ppt/slides/slide10.xml><?xml version="1.0" encoding="utf-8"?>
+<file path=ppt/slides/slide3.xml><?xml version="1.0" encoding="utf-8"?>
 <p:sld xmlns:a="http://schemas.openxmlformats.org/drawingml/2006/main" xmlns:r="http://schemas.openxmlformats.org/officeDocument/2006/relationships" xmlns:p="http://schemas.openxmlformats.org/presentationml/2006/main">
   <p:cSld>
     <p:spTree>
@@ -4823,7 +5823,7 @@
           <a:p>
             <a:fld id="{6700A58B-DD98-43D0-B791-721480A02982}" type="datetime1">
               <a:rPr lang="en-US" smtClean="0"/>
-              <a:t>9/25/23</a:t>
+              <a:t>2/5/24</a:t>
             </a:fld>
             <a:endParaRPr lang="en-US"/>
           </a:p>
@@ -4873,7 +5873,7 @@
           <a:p>
             <a:fld id="{37290FF7-652B-4475-AEAB-8B1A5D23AE09}" type="slidenum">
               <a:rPr lang="en-US" smtClean="0"/>
-              <a:t>10</a:t>
+              <a:t>3</a:t>
             </a:fld>
             <a:endParaRPr lang="en-US"/>
           </a:p>
@@ -5052,7 +6052,7 @@
 </p:sld>
 </file>
 
-<file path=ppt/slides/slide11.xml><?xml version="1.0" encoding="utf-8"?>
+<file path=ppt/slides/slide4.xml><?xml version="1.0" encoding="utf-8"?>
 <p:sld xmlns:a="http://schemas.openxmlformats.org/drawingml/2006/main" xmlns:r="http://schemas.openxmlformats.org/officeDocument/2006/relationships" xmlns:p="http://schemas.openxmlformats.org/presentationml/2006/main">
   <p:cSld>
     <p:spTree>
@@ -5086,7 +6086,7 @@
           <a:p>
             <a:fld id="{6700A58B-DD98-43D0-B791-721480A02982}" type="datetime1">
               <a:rPr lang="en-US" smtClean="0"/>
-              <a:t>9/25/23</a:t>
+              <a:t>2/5/24</a:t>
             </a:fld>
             <a:endParaRPr lang="en-US"/>
           </a:p>
@@ -5131,7 +6131,7 @@
           <a:p>
             <a:fld id="{37290FF7-652B-4475-AEAB-8B1A5D23AE09}" type="slidenum">
               <a:rPr lang="en-US" smtClean="0"/>
-              <a:t>11</a:t>
+              <a:t>4</a:t>
             </a:fld>
             <a:endParaRPr lang="en-US"/>
           </a:p>
@@ -5347,7 +6347,7 @@
 </p:sld>
 </file>
 
-<file path=ppt/slides/slide12.xml><?xml version="1.0" encoding="utf-8"?>
+<file path=ppt/slides/slide5.xml><?xml version="1.0" encoding="utf-8"?>
 <p:sld xmlns:a="http://schemas.openxmlformats.org/drawingml/2006/main" xmlns:r="http://schemas.openxmlformats.org/officeDocument/2006/relationships" xmlns:p="http://schemas.openxmlformats.org/presentationml/2006/main">
   <p:cSld>
     <p:spTree>
@@ -5515,7 +6515,7 @@
           <a:p>
             <a:fld id="{D753EFC8-4232-4598-94F6-94C0EBAFC469}" type="datetime1">
               <a:rPr lang="en-US" smtClean="0"/>
-              <a:t>9/25/23</a:t>
+              <a:t>2/5/24</a:t>
             </a:fld>
             <a:endParaRPr lang="en-US"/>
           </a:p>
@@ -5544,7 +6544,7 @@
           <a:p>
             <a:fld id="{37290FF7-652B-4475-AEAB-8B1A5D23AE09}" type="slidenum">
               <a:rPr lang="en-US" smtClean="0"/>
-              <a:t>12</a:t>
+              <a:t>5</a:t>
             </a:fld>
             <a:endParaRPr lang="en-US"/>
           </a:p>
@@ -5992,3103 +6992,6 @@
     <p:extLst>
       <p:ext uri="{BB962C8B-B14F-4D97-AF65-F5344CB8AC3E}">
         <p14:creationId xmlns:p14="http://schemas.microsoft.com/office/powerpoint/2010/main" val="2857741835"/>
-      </p:ext>
-    </p:extLst>
-  </p:cSld>
-  <p:clrMapOvr>
-    <a:masterClrMapping/>
-  </p:clrMapOvr>
-</p:sld>
-</file>
-
-<file path=ppt/slides/slide13.xml><?xml version="1.0" encoding="utf-8"?>
-<p:sld xmlns:a="http://schemas.openxmlformats.org/drawingml/2006/main" xmlns:r="http://schemas.openxmlformats.org/officeDocument/2006/relationships" xmlns:p="http://schemas.openxmlformats.org/presentationml/2006/main">
-  <p:cSld>
-    <p:spTree>
-      <p:nvGrpSpPr>
-        <p:cNvPr id="1" name=""/>
-        <p:cNvGrpSpPr/>
-        <p:nvPr/>
-      </p:nvGrpSpPr>
-      <p:grpSpPr>
-        <a:xfrm>
-          <a:off x="0" y="0"/>
-          <a:ext cx="0" cy="0"/>
-          <a:chOff x="0" y="0"/>
-          <a:chExt cx="0" cy="0"/>
-        </a:xfrm>
-      </p:grpSpPr>
-      <p:sp>
-        <p:nvSpPr>
-          <p:cNvPr id="2" name="Date Placeholder 1"/>
-          <p:cNvSpPr>
-            <a:spLocks noGrp="1"/>
-          </p:cNvSpPr>
-          <p:nvPr>
-            <p:ph type="dt" sz="half" idx="10"/>
-          </p:nvPr>
-        </p:nvSpPr>
-        <p:spPr/>
-        <p:txBody>
-          <a:bodyPr/>
-          <a:lstStyle/>
-          <a:p>
-            <a:fld id="{6700A58B-DD98-43D0-B791-721480A02982}" type="datetime1">
-              <a:rPr lang="en-US" smtClean="0"/>
-              <a:t>9/25/23</a:t>
-            </a:fld>
-            <a:endParaRPr lang="en-US"/>
-          </a:p>
-        </p:txBody>
-      </p:sp>
-      <p:sp>
-        <p:nvSpPr>
-          <p:cNvPr id="3" name="Title 2"/>
-          <p:cNvSpPr>
-            <a:spLocks noGrp="1"/>
-          </p:cNvSpPr>
-          <p:nvPr>
-            <p:ph type="title"/>
-          </p:nvPr>
-        </p:nvSpPr>
-        <p:spPr/>
-        <p:txBody>
-          <a:bodyPr/>
-          <a:lstStyle/>
-          <a:p>
-            <a:r>
-              <a:rPr lang="en-US" dirty="0"/>
-              <a:t>Housekeeping , Reading &amp; Homework</a:t>
-            </a:r>
-          </a:p>
-        </p:txBody>
-      </p:sp>
-      <p:sp>
-        <p:nvSpPr>
-          <p:cNvPr id="4" name="Slide Number Placeholder 3"/>
-          <p:cNvSpPr>
-            <a:spLocks noGrp="1"/>
-          </p:cNvSpPr>
-          <p:nvPr>
-            <p:ph type="sldNum" sz="quarter" idx="12"/>
-          </p:nvPr>
-        </p:nvSpPr>
-        <p:spPr/>
-        <p:txBody>
-          <a:bodyPr/>
-          <a:lstStyle/>
-          <a:p>
-            <a:fld id="{37290FF7-652B-4475-AEAB-8B1A5D23AE09}" type="slidenum">
-              <a:rPr lang="en-US" smtClean="0"/>
-              <a:t>13</a:t>
-            </a:fld>
-            <a:endParaRPr lang="en-US"/>
-          </a:p>
-        </p:txBody>
-      </p:sp>
-      <p:sp>
-        <p:nvSpPr>
-          <p:cNvPr id="6" name="TextBox 5"/>
-          <p:cNvSpPr txBox="1"/>
-          <p:nvPr/>
-        </p:nvSpPr>
-        <p:spPr>
-          <a:xfrm>
-            <a:off x="421856" y="994291"/>
-            <a:ext cx="8505573" cy="3693319"/>
-          </a:xfrm>
-          <a:prstGeom prst="rect">
-            <a:avLst/>
-          </a:prstGeom>
-          <a:noFill/>
-        </p:spPr>
-        <p:txBody>
-          <a:bodyPr wrap="square" rtlCol="0">
-            <a:spAutoFit/>
-          </a:bodyPr>
-          <a:lstStyle/>
-          <a:p>
-            <a:pPr marL="285750" indent="-285750">
-              <a:buFont typeface="Arial" panose="020B0604020202020204" pitchFamily="34" charset="0"/>
-              <a:buChar char="•"/>
-            </a:pPr>
-            <a:endParaRPr lang="en-US" dirty="0"/>
-          </a:p>
-          <a:p>
-            <a:pPr marL="285750" indent="-285750">
-              <a:buFont typeface="Arial" panose="020B0604020202020204" pitchFamily="34" charset="0"/>
-              <a:buChar char="•"/>
-            </a:pPr>
-            <a:r>
-              <a:rPr lang="en-US" sz="2400" dirty="0"/>
-              <a:t>Start </a:t>
-            </a:r>
-            <a:r>
-              <a:rPr lang="en-US" sz="2400" dirty="0" err="1"/>
-              <a:t>okCupid</a:t>
-            </a:r>
-            <a:r>
-              <a:rPr lang="en-US" sz="2400" dirty="0"/>
-              <a:t> Case in code or with </a:t>
-            </a:r>
-            <a:r>
-              <a:rPr lang="en-US" sz="2400" dirty="0" err="1"/>
-              <a:t>Radiant.Data</a:t>
-            </a:r>
-            <a:r>
-              <a:rPr lang="en-US" sz="2400" dirty="0"/>
-              <a:t>!</a:t>
-            </a:r>
-          </a:p>
-          <a:p>
-            <a:pPr marL="285750" indent="-285750">
-              <a:buFont typeface="Arial" panose="020B0604020202020204" pitchFamily="34" charset="0"/>
-              <a:buChar char="•"/>
-            </a:pPr>
-            <a:endParaRPr lang="en-US" sz="2400" dirty="0"/>
-          </a:p>
-          <a:p>
-            <a:pPr marL="285750" indent="-285750">
-              <a:buFont typeface="Arial" panose="020B0604020202020204" pitchFamily="34" charset="0"/>
-              <a:buChar char="•"/>
-            </a:pPr>
-            <a:r>
-              <a:rPr lang="en-US" sz="2400" dirty="0"/>
-              <a:t>Read Chapter 3</a:t>
-            </a:r>
-          </a:p>
-          <a:p>
-            <a:endParaRPr lang="en-US" sz="2400" dirty="0"/>
-          </a:p>
-          <a:p>
-            <a:pPr marL="285750" indent="-285750">
-              <a:buFont typeface="Arial" panose="020B0604020202020204" pitchFamily="34" charset="0"/>
-              <a:buChar char="•"/>
-            </a:pPr>
-            <a:r>
-              <a:rPr lang="en-US" sz="2400" dirty="0"/>
-              <a:t>Ask questions publicly on the class forum or use </a:t>
-            </a:r>
-            <a:r>
-              <a:rPr lang="en-US" sz="2400" dirty="0">
-                <a:hlinkClick r:id="rId2"/>
-              </a:rPr>
-              <a:t>www.llmaid.com</a:t>
-            </a:r>
-            <a:endParaRPr lang="en-US" sz="2400" dirty="0"/>
-          </a:p>
-          <a:p>
-            <a:pPr marL="285750" indent="-285750">
-              <a:buFont typeface="Arial" panose="020B0604020202020204" pitchFamily="34" charset="0"/>
-              <a:buChar char="•"/>
-            </a:pPr>
-            <a:endParaRPr lang="en-US" sz="2400" dirty="0"/>
-          </a:p>
-          <a:p>
-            <a:endParaRPr lang="en-US" sz="2400" dirty="0"/>
-          </a:p>
-          <a:p>
-            <a:pPr marL="285750" indent="-285750">
-              <a:buFont typeface="Arial" panose="020B0604020202020204" pitchFamily="34" charset="0"/>
-              <a:buChar char="•"/>
-            </a:pPr>
-            <a:endParaRPr lang="en-US" sz="2400" dirty="0"/>
-          </a:p>
-        </p:txBody>
-      </p:sp>
-      <p:sp>
-        <p:nvSpPr>
-          <p:cNvPr id="7" name="Footer Placeholder 4">
-            <a:extLst>
-              <a:ext uri="{FF2B5EF4-FFF2-40B4-BE49-F238E27FC236}">
-                <a16:creationId xmlns:a16="http://schemas.microsoft.com/office/drawing/2014/main" id="{E528CDBF-CE99-7B41-9621-19A933609E9D}"/>
-              </a:ext>
-            </a:extLst>
-          </p:cNvPr>
-          <p:cNvSpPr>
-            <a:spLocks noGrp="1"/>
-          </p:cNvSpPr>
-          <p:nvPr>
-            <p:ph type="ftr" sz="quarter" idx="3"/>
-          </p:nvPr>
-        </p:nvSpPr>
-        <p:spPr>
-          <a:xfrm>
-            <a:off x="3028950" y="6356351"/>
-            <a:ext cx="3086100" cy="365125"/>
-          </a:xfrm>
-        </p:spPr>
-        <p:txBody>
-          <a:bodyPr/>
-          <a:lstStyle/>
-          <a:p>
-            <a:r>
-              <a:rPr lang="en-US" dirty="0"/>
-              <a:t>Kwartler </a:t>
-            </a:r>
-          </a:p>
-        </p:txBody>
-      </p:sp>
-    </p:spTree>
-    <p:extLst>
-      <p:ext uri="{BB962C8B-B14F-4D97-AF65-F5344CB8AC3E}">
-        <p14:creationId xmlns:p14="http://schemas.microsoft.com/office/powerpoint/2010/main" val="2135969370"/>
-      </p:ext>
-    </p:extLst>
-  </p:cSld>
-  <p:clrMapOvr>
-    <a:masterClrMapping/>
-  </p:clrMapOvr>
-</p:sld>
-</file>
-
-<file path=ppt/slides/slide2.xml><?xml version="1.0" encoding="utf-8"?>
-<p:sld xmlns:a="http://schemas.openxmlformats.org/drawingml/2006/main" xmlns:r="http://schemas.openxmlformats.org/officeDocument/2006/relationships" xmlns:p="http://schemas.openxmlformats.org/presentationml/2006/main">
-  <p:cSld>
-    <p:spTree>
-      <p:nvGrpSpPr>
-        <p:cNvPr id="1" name=""/>
-        <p:cNvGrpSpPr/>
-        <p:nvPr/>
-      </p:nvGrpSpPr>
-      <p:grpSpPr>
-        <a:xfrm>
-          <a:off x="0" y="0"/>
-          <a:ext cx="0" cy="0"/>
-          <a:chOff x="0" y="0"/>
-          <a:chExt cx="0" cy="0"/>
-        </a:xfrm>
-      </p:grpSpPr>
-      <p:sp>
-        <p:nvSpPr>
-          <p:cNvPr id="2" name="Date Placeholder 1">
-            <a:extLst>
-              <a:ext uri="{FF2B5EF4-FFF2-40B4-BE49-F238E27FC236}">
-                <a16:creationId xmlns:a16="http://schemas.microsoft.com/office/drawing/2014/main" id="{9892D3D3-9F52-E94D-B834-E566B3567285}"/>
-              </a:ext>
-            </a:extLst>
-          </p:cNvPr>
-          <p:cNvSpPr>
-            <a:spLocks noGrp="1"/>
-          </p:cNvSpPr>
-          <p:nvPr>
-            <p:ph type="dt" sz="half" idx="10"/>
-          </p:nvPr>
-        </p:nvSpPr>
-        <p:spPr/>
-        <p:txBody>
-          <a:bodyPr/>
-          <a:lstStyle/>
-          <a:p>
-            <a:fld id="{6700A58B-DD98-43D0-B791-721480A02982}" type="datetime1">
-              <a:rPr lang="en-US" smtClean="0"/>
-              <a:t>9/25/23</a:t>
-            </a:fld>
-            <a:endParaRPr lang="en-US"/>
-          </a:p>
-        </p:txBody>
-      </p:sp>
-      <p:sp>
-        <p:nvSpPr>
-          <p:cNvPr id="3" name="Title 2">
-            <a:extLst>
-              <a:ext uri="{FF2B5EF4-FFF2-40B4-BE49-F238E27FC236}">
-                <a16:creationId xmlns:a16="http://schemas.microsoft.com/office/drawing/2014/main" id="{34220BA3-F284-E448-91DC-0A09067FE330}"/>
-              </a:ext>
-            </a:extLst>
-          </p:cNvPr>
-          <p:cNvSpPr>
-            <a:spLocks noGrp="1"/>
-          </p:cNvSpPr>
-          <p:nvPr>
-            <p:ph type="title"/>
-          </p:nvPr>
-        </p:nvSpPr>
-        <p:spPr/>
-        <p:txBody>
-          <a:bodyPr/>
-          <a:lstStyle/>
-          <a:p>
-            <a:r>
-              <a:rPr lang="en-US" dirty="0"/>
-              <a:t>Slow down!</a:t>
-            </a:r>
-          </a:p>
-        </p:txBody>
-      </p:sp>
-      <p:sp>
-        <p:nvSpPr>
-          <p:cNvPr id="4" name="Slide Number Placeholder 3">
-            <a:extLst>
-              <a:ext uri="{FF2B5EF4-FFF2-40B4-BE49-F238E27FC236}">
-                <a16:creationId xmlns:a16="http://schemas.microsoft.com/office/drawing/2014/main" id="{A18A21B8-6B2C-9544-B0E0-63B0AA993548}"/>
-              </a:ext>
-            </a:extLst>
-          </p:cNvPr>
-          <p:cNvSpPr>
-            <a:spLocks noGrp="1"/>
-          </p:cNvSpPr>
-          <p:nvPr>
-            <p:ph type="sldNum" sz="quarter" idx="12"/>
-          </p:nvPr>
-        </p:nvSpPr>
-        <p:spPr/>
-        <p:txBody>
-          <a:bodyPr/>
-          <a:lstStyle/>
-          <a:p>
-            <a:fld id="{37290FF7-652B-4475-AEAB-8B1A5D23AE09}" type="slidenum">
-              <a:rPr lang="en-US" smtClean="0"/>
-              <a:t>2</a:t>
-            </a:fld>
-            <a:endParaRPr lang="en-US"/>
-          </a:p>
-        </p:txBody>
-      </p:sp>
-      <p:sp>
-        <p:nvSpPr>
-          <p:cNvPr id="5" name="Footer Placeholder 4">
-            <a:extLst>
-              <a:ext uri="{FF2B5EF4-FFF2-40B4-BE49-F238E27FC236}">
-                <a16:creationId xmlns:a16="http://schemas.microsoft.com/office/drawing/2014/main" id="{EF25138C-9C58-CE49-A3E8-CF3E3845A6CD}"/>
-              </a:ext>
-            </a:extLst>
-          </p:cNvPr>
-          <p:cNvSpPr>
-            <a:spLocks noGrp="1"/>
-          </p:cNvSpPr>
-          <p:nvPr>
-            <p:ph type="ftr" sz="quarter" idx="3"/>
-          </p:nvPr>
-        </p:nvSpPr>
-        <p:spPr/>
-        <p:txBody>
-          <a:bodyPr/>
-          <a:lstStyle/>
-          <a:p>
-            <a:r>
-              <a:rPr lang="en-US" dirty="0"/>
-              <a:t>Kwartler </a:t>
-            </a:r>
-          </a:p>
-        </p:txBody>
-      </p:sp>
-      <p:sp>
-        <p:nvSpPr>
-          <p:cNvPr id="6" name="TextBox 5">
-            <a:extLst>
-              <a:ext uri="{FF2B5EF4-FFF2-40B4-BE49-F238E27FC236}">
-                <a16:creationId xmlns:a16="http://schemas.microsoft.com/office/drawing/2014/main" id="{1BABE010-BEDE-154B-8AE8-918FF464B777}"/>
-              </a:ext>
-            </a:extLst>
-          </p:cNvPr>
-          <p:cNvSpPr txBox="1"/>
-          <p:nvPr/>
-        </p:nvSpPr>
-        <p:spPr>
-          <a:xfrm>
-            <a:off x="265596" y="1855983"/>
-            <a:ext cx="8612807" cy="1200329"/>
-          </a:xfrm>
-          <a:prstGeom prst="rect">
-            <a:avLst/>
-          </a:prstGeom>
-          <a:noFill/>
-        </p:spPr>
-        <p:txBody>
-          <a:bodyPr wrap="none" rtlCol="0">
-            <a:spAutoFit/>
-          </a:bodyPr>
-          <a:lstStyle/>
-          <a:p>
-            <a:pPr marL="285750" indent="-285750">
-              <a:buFont typeface="Arial" panose="020B0604020202020204" pitchFamily="34" charset="0"/>
-              <a:buChar char="•"/>
-            </a:pPr>
-            <a:r>
-              <a:rPr lang="en-US" dirty="0"/>
-              <a:t>Before jumping into a problem think</a:t>
-            </a:r>
-          </a:p>
-          <a:p>
-            <a:pPr marL="742950" lvl="1" indent="-285750">
-              <a:buFont typeface="Arial" panose="020B0604020202020204" pitchFamily="34" charset="0"/>
-              <a:buChar char="•"/>
-            </a:pPr>
-            <a:r>
-              <a:rPr lang="en-US" dirty="0"/>
-              <a:t>The temptation is to accept data as valid</a:t>
-            </a:r>
-          </a:p>
-          <a:p>
-            <a:pPr marL="742950" lvl="1" indent="-285750">
-              <a:buFont typeface="Arial" panose="020B0604020202020204" pitchFamily="34" charset="0"/>
-              <a:buChar char="•"/>
-            </a:pPr>
-            <a:r>
-              <a:rPr lang="en-US" dirty="0"/>
-              <a:t>The temptation is to assume you understand the context and what good looks like</a:t>
-            </a:r>
-          </a:p>
-          <a:p>
-            <a:pPr marL="742950" lvl="1" indent="-285750">
-              <a:buFont typeface="Arial" panose="020B0604020202020204" pitchFamily="34" charset="0"/>
-              <a:buChar char="•"/>
-            </a:pPr>
-            <a:r>
-              <a:rPr lang="en-US" dirty="0"/>
-              <a:t>The temptation is to use a cool modeling technique</a:t>
-            </a:r>
-          </a:p>
-        </p:txBody>
-      </p:sp>
-      <p:sp>
-        <p:nvSpPr>
-          <p:cNvPr id="7" name="Rectangle 6">
-            <a:extLst>
-              <a:ext uri="{FF2B5EF4-FFF2-40B4-BE49-F238E27FC236}">
-                <a16:creationId xmlns:a16="http://schemas.microsoft.com/office/drawing/2014/main" id="{5DD7A516-6225-2F48-8702-832175687C11}"/>
-              </a:ext>
-            </a:extLst>
-          </p:cNvPr>
-          <p:cNvSpPr/>
-          <p:nvPr/>
-        </p:nvSpPr>
-        <p:spPr>
-          <a:xfrm>
-            <a:off x="457200" y="5193792"/>
-            <a:ext cx="8284464" cy="731520"/>
-          </a:xfrm>
-          <a:prstGeom prst="rect">
-            <a:avLst/>
-          </a:prstGeom>
-        </p:spPr>
-        <p:style>
-          <a:lnRef idx="2">
-            <a:schemeClr val="accent1">
-              <a:shade val="50000"/>
-            </a:schemeClr>
-          </a:lnRef>
-          <a:fillRef idx="1">
-            <a:schemeClr val="accent1"/>
-          </a:fillRef>
-          <a:effectRef idx="0">
-            <a:schemeClr val="accent1"/>
-          </a:effectRef>
-          <a:fontRef idx="minor">
-            <a:schemeClr val="lt1"/>
-          </a:fontRef>
-        </p:style>
-        <p:txBody>
-          <a:bodyPr rtlCol="0" anchor="ctr"/>
-          <a:lstStyle/>
-          <a:p>
-            <a:pPr algn="ctr"/>
-            <a:r>
-              <a:rPr lang="en-US" dirty="0"/>
-              <a:t>Slow down, think, understand, get diverse opinions, then perform EDA….after all that start modeling and hopefully you will deliver value.</a:t>
-            </a:r>
-          </a:p>
-        </p:txBody>
-      </p:sp>
-    </p:spTree>
-    <p:extLst>
-      <p:ext uri="{BB962C8B-B14F-4D97-AF65-F5344CB8AC3E}">
-        <p14:creationId xmlns:p14="http://schemas.microsoft.com/office/powerpoint/2010/main" val="3303930836"/>
-      </p:ext>
-    </p:extLst>
-  </p:cSld>
-  <p:clrMapOvr>
-    <a:masterClrMapping/>
-  </p:clrMapOvr>
-</p:sld>
-</file>
-
-<file path=ppt/slides/slide3.xml><?xml version="1.0" encoding="utf-8"?>
-<p:sld xmlns:a="http://schemas.openxmlformats.org/drawingml/2006/main" xmlns:r="http://schemas.openxmlformats.org/officeDocument/2006/relationships" xmlns:p="http://schemas.openxmlformats.org/presentationml/2006/main">
-  <p:cSld>
-    <p:spTree>
-      <p:nvGrpSpPr>
-        <p:cNvPr id="1" name=""/>
-        <p:cNvGrpSpPr/>
-        <p:nvPr/>
-      </p:nvGrpSpPr>
-      <p:grpSpPr>
-        <a:xfrm>
-          <a:off x="0" y="0"/>
-          <a:ext cx="0" cy="0"/>
-          <a:chOff x="0" y="0"/>
-          <a:chExt cx="0" cy="0"/>
-        </a:xfrm>
-      </p:grpSpPr>
-      <p:sp>
-        <p:nvSpPr>
-          <p:cNvPr id="2" name="Date Placeholder 1">
-            <a:extLst>
-              <a:ext uri="{FF2B5EF4-FFF2-40B4-BE49-F238E27FC236}">
-                <a16:creationId xmlns:a16="http://schemas.microsoft.com/office/drawing/2014/main" id="{3BD69087-3741-F740-BF0B-C415C26B8723}"/>
-              </a:ext>
-            </a:extLst>
-          </p:cNvPr>
-          <p:cNvSpPr>
-            <a:spLocks noGrp="1"/>
-          </p:cNvSpPr>
-          <p:nvPr>
-            <p:ph type="dt" sz="half" idx="10"/>
-          </p:nvPr>
-        </p:nvSpPr>
-        <p:spPr/>
-        <p:txBody>
-          <a:bodyPr/>
-          <a:lstStyle/>
-          <a:p>
-            <a:fld id="{6700A58B-DD98-43D0-B791-721480A02982}" type="datetime1">
-              <a:rPr lang="en-US" smtClean="0"/>
-              <a:t>9/25/23</a:t>
-            </a:fld>
-            <a:endParaRPr lang="en-US"/>
-          </a:p>
-        </p:txBody>
-      </p:sp>
-      <p:sp>
-        <p:nvSpPr>
-          <p:cNvPr id="3" name="Title 2">
-            <a:extLst>
-              <a:ext uri="{FF2B5EF4-FFF2-40B4-BE49-F238E27FC236}">
-                <a16:creationId xmlns:a16="http://schemas.microsoft.com/office/drawing/2014/main" id="{14701E3B-5809-814B-83D8-4518C380E3EB}"/>
-              </a:ext>
-            </a:extLst>
-          </p:cNvPr>
-          <p:cNvSpPr>
-            <a:spLocks noGrp="1"/>
-          </p:cNvSpPr>
-          <p:nvPr>
-            <p:ph type="title"/>
-          </p:nvPr>
-        </p:nvSpPr>
-        <p:spPr>
-          <a:xfrm>
-            <a:off x="0" y="365126"/>
-            <a:ext cx="9144000" cy="591477"/>
-          </a:xfrm>
-        </p:spPr>
-        <p:txBody>
-          <a:bodyPr/>
-          <a:lstStyle/>
-          <a:p>
-            <a:r>
-              <a:rPr lang="en-US" dirty="0"/>
-              <a:t>“We want to sell insurance for delayed flights.”</a:t>
-            </a:r>
-          </a:p>
-        </p:txBody>
-      </p:sp>
-      <p:sp>
-        <p:nvSpPr>
-          <p:cNvPr id="4" name="Slide Number Placeholder 3">
-            <a:extLst>
-              <a:ext uri="{FF2B5EF4-FFF2-40B4-BE49-F238E27FC236}">
-                <a16:creationId xmlns:a16="http://schemas.microsoft.com/office/drawing/2014/main" id="{7F8A4F3F-DD99-0247-B717-ECA958117831}"/>
-              </a:ext>
-            </a:extLst>
-          </p:cNvPr>
-          <p:cNvSpPr>
-            <a:spLocks noGrp="1"/>
-          </p:cNvSpPr>
-          <p:nvPr>
-            <p:ph type="sldNum" sz="quarter" idx="12"/>
-          </p:nvPr>
-        </p:nvSpPr>
-        <p:spPr/>
-        <p:txBody>
-          <a:bodyPr/>
-          <a:lstStyle/>
-          <a:p>
-            <a:fld id="{37290FF7-652B-4475-AEAB-8B1A5D23AE09}" type="slidenum">
-              <a:rPr lang="en-US" smtClean="0"/>
-              <a:t>3</a:t>
-            </a:fld>
-            <a:endParaRPr lang="en-US"/>
-          </a:p>
-        </p:txBody>
-      </p:sp>
-      <p:sp>
-        <p:nvSpPr>
-          <p:cNvPr id="5" name="Footer Placeholder 4">
-            <a:extLst>
-              <a:ext uri="{FF2B5EF4-FFF2-40B4-BE49-F238E27FC236}">
-                <a16:creationId xmlns:a16="http://schemas.microsoft.com/office/drawing/2014/main" id="{A893ABBB-C321-8C4F-9138-22727CF10B69}"/>
-              </a:ext>
-            </a:extLst>
-          </p:cNvPr>
-          <p:cNvSpPr>
-            <a:spLocks noGrp="1"/>
-          </p:cNvSpPr>
-          <p:nvPr>
-            <p:ph type="ftr" sz="quarter" idx="3"/>
-          </p:nvPr>
-        </p:nvSpPr>
-        <p:spPr/>
-        <p:txBody>
-          <a:bodyPr/>
-          <a:lstStyle/>
-          <a:p>
-            <a:r>
-              <a:rPr lang="en-US" dirty="0"/>
-              <a:t>Kwartler </a:t>
-            </a:r>
-          </a:p>
-        </p:txBody>
-      </p:sp>
-      <p:sp>
-        <p:nvSpPr>
-          <p:cNvPr id="6" name="TextBox 5">
-            <a:extLst>
-              <a:ext uri="{FF2B5EF4-FFF2-40B4-BE49-F238E27FC236}">
-                <a16:creationId xmlns:a16="http://schemas.microsoft.com/office/drawing/2014/main" id="{E6F658CD-111D-D841-885E-7DF155C28C3A}"/>
-              </a:ext>
-            </a:extLst>
-          </p:cNvPr>
-          <p:cNvSpPr txBox="1"/>
-          <p:nvPr/>
-        </p:nvSpPr>
-        <p:spPr>
-          <a:xfrm>
-            <a:off x="514190" y="1883664"/>
-            <a:ext cx="8115620" cy="2862322"/>
-          </a:xfrm>
-          <a:prstGeom prst="rect">
-            <a:avLst/>
-          </a:prstGeom>
-          <a:noFill/>
-        </p:spPr>
-        <p:txBody>
-          <a:bodyPr wrap="none" rtlCol="0">
-            <a:spAutoFit/>
-          </a:bodyPr>
-          <a:lstStyle/>
-          <a:p>
-            <a:pPr marL="342900" indent="-342900">
-              <a:buAutoNum type="arabicPeriod"/>
-            </a:pPr>
-            <a:r>
-              <a:rPr lang="en-US" dirty="0"/>
-              <a:t>Let’s make a model to predict late flights so we know how to price our insurance.</a:t>
-            </a:r>
-          </a:p>
-          <a:p>
-            <a:pPr marL="342900" indent="-342900">
-              <a:buAutoNum type="arabicPeriod"/>
-            </a:pPr>
-            <a:r>
-              <a:rPr lang="en-US" dirty="0"/>
-              <a:t>Get all the data you can about flights and whether or not they are delayed</a:t>
-            </a:r>
-          </a:p>
-          <a:p>
-            <a:pPr marL="800100" lvl="1" indent="-342900">
-              <a:buAutoNum type="arabicPeriod"/>
-            </a:pPr>
-            <a:r>
-              <a:rPr lang="en-US" dirty="0"/>
-              <a:t>Airline</a:t>
-            </a:r>
-          </a:p>
-          <a:p>
-            <a:pPr marL="800100" lvl="1" indent="-342900">
-              <a:buAutoNum type="arabicPeriod"/>
-            </a:pPr>
-            <a:r>
-              <a:rPr lang="en-US" dirty="0"/>
-              <a:t>Route</a:t>
-            </a:r>
-          </a:p>
-          <a:p>
-            <a:pPr marL="800100" lvl="1" indent="-342900">
-              <a:buAutoNum type="arabicPeriod"/>
-            </a:pPr>
-            <a:r>
-              <a:rPr lang="en-US" dirty="0"/>
-              <a:t>Flight cancellation</a:t>
-            </a:r>
-          </a:p>
-          <a:p>
-            <a:pPr marL="800100" lvl="1" indent="-342900">
-              <a:buAutoNum type="arabicPeriod"/>
-            </a:pPr>
-            <a:r>
-              <a:rPr lang="en-US" dirty="0"/>
-              <a:t>Aircraft type</a:t>
-            </a:r>
-          </a:p>
-          <a:p>
-            <a:pPr marL="800100" lvl="1" indent="-342900">
-              <a:buAutoNum type="arabicPeriod"/>
-            </a:pPr>
-            <a:r>
-              <a:rPr lang="en-US" dirty="0"/>
-              <a:t>Aircraft maintenance </a:t>
-            </a:r>
-          </a:p>
-          <a:p>
-            <a:pPr marL="800100" lvl="1" indent="-342900">
-              <a:buAutoNum type="arabicPeriod"/>
-            </a:pPr>
-            <a:r>
-              <a:rPr lang="en-US" dirty="0"/>
-              <a:t>Weather at specific airports</a:t>
-            </a:r>
-          </a:p>
-          <a:p>
-            <a:pPr marL="800100" lvl="1" indent="-342900">
-              <a:buAutoNum type="arabicPeriod"/>
-            </a:pPr>
-            <a:r>
-              <a:rPr lang="en-US" dirty="0"/>
-              <a:t>Seats sold vs empty</a:t>
-            </a:r>
-          </a:p>
-          <a:p>
-            <a:pPr marL="800100" lvl="1" indent="-342900">
-              <a:buAutoNum type="arabicPeriod"/>
-            </a:pPr>
-            <a:r>
-              <a:rPr lang="en-US" dirty="0"/>
-              <a:t>…</a:t>
-            </a:r>
-          </a:p>
-        </p:txBody>
-      </p:sp>
-      <p:sp>
-        <p:nvSpPr>
-          <p:cNvPr id="7" name="Rectangle 6">
-            <a:extLst>
-              <a:ext uri="{FF2B5EF4-FFF2-40B4-BE49-F238E27FC236}">
-                <a16:creationId xmlns:a16="http://schemas.microsoft.com/office/drawing/2014/main" id="{A3198F46-5E1F-E74D-B46A-8FC3D2800E58}"/>
-              </a:ext>
-            </a:extLst>
-          </p:cNvPr>
-          <p:cNvSpPr/>
-          <p:nvPr/>
-        </p:nvSpPr>
-        <p:spPr>
-          <a:xfrm>
-            <a:off x="457200" y="5193792"/>
-            <a:ext cx="8284464" cy="731520"/>
-          </a:xfrm>
-          <a:prstGeom prst="rect">
-            <a:avLst/>
-          </a:prstGeom>
-        </p:spPr>
-        <p:style>
-          <a:lnRef idx="2">
-            <a:schemeClr val="accent1">
-              <a:shade val="50000"/>
-            </a:schemeClr>
-          </a:lnRef>
-          <a:fillRef idx="1">
-            <a:schemeClr val="accent1"/>
-          </a:fillRef>
-          <a:effectRef idx="0">
-            <a:schemeClr val="accent1"/>
-          </a:effectRef>
-          <a:fontRef idx="minor">
-            <a:schemeClr val="lt1"/>
-          </a:fontRef>
-        </p:style>
-        <p:txBody>
-          <a:bodyPr rtlCol="0" anchor="ctr"/>
-          <a:lstStyle/>
-          <a:p>
-            <a:pPr algn="ctr"/>
-            <a:r>
-              <a:rPr lang="en-US" dirty="0"/>
-              <a:t>WRONG.  Most often, flights are cancelled after they have been delayed.  So modeling with cancellation is out of order to what you’re trying to predict.  </a:t>
-            </a:r>
-          </a:p>
-        </p:txBody>
-      </p:sp>
-      <p:cxnSp>
-        <p:nvCxnSpPr>
-          <p:cNvPr id="9" name="Straight Arrow Connector 8">
-            <a:extLst>
-              <a:ext uri="{FF2B5EF4-FFF2-40B4-BE49-F238E27FC236}">
-                <a16:creationId xmlns:a16="http://schemas.microsoft.com/office/drawing/2014/main" id="{8D30D0C0-5CEF-8043-A804-E7FAE9DB5BF9}"/>
-              </a:ext>
-            </a:extLst>
-          </p:cNvPr>
-          <p:cNvCxnSpPr/>
-          <p:nvPr/>
-        </p:nvCxnSpPr>
-        <p:spPr>
-          <a:xfrm flipH="1">
-            <a:off x="3145536" y="3182112"/>
-            <a:ext cx="1426464" cy="0"/>
-          </a:xfrm>
-          <a:prstGeom prst="straightConnector1">
-            <a:avLst/>
-          </a:prstGeom>
-          <a:ln>
-            <a:tailEnd type="triangle"/>
-          </a:ln>
-        </p:spPr>
-        <p:style>
-          <a:lnRef idx="1">
-            <a:schemeClr val="accent1"/>
-          </a:lnRef>
-          <a:fillRef idx="0">
-            <a:schemeClr val="accent1"/>
-          </a:fillRef>
-          <a:effectRef idx="0">
-            <a:schemeClr val="accent1"/>
-          </a:effectRef>
-          <a:fontRef idx="minor">
-            <a:schemeClr val="tx1"/>
-          </a:fontRef>
-        </p:style>
-      </p:cxnSp>
-    </p:spTree>
-    <p:extLst>
-      <p:ext uri="{BB962C8B-B14F-4D97-AF65-F5344CB8AC3E}">
-        <p14:creationId xmlns:p14="http://schemas.microsoft.com/office/powerpoint/2010/main" val="3306698260"/>
-      </p:ext>
-    </p:extLst>
-  </p:cSld>
-  <p:clrMapOvr>
-    <a:masterClrMapping/>
-  </p:clrMapOvr>
-  <p:timing>
-    <p:tnLst>
-      <p:par>
-        <p:cTn id="1" dur="indefinite" restart="never" nodeType="tmRoot">
-          <p:childTnLst>
-            <p:seq concurrent="1" nextAc="seek">
-              <p:cTn id="2" dur="indefinite" nodeType="mainSeq">
-                <p:childTnLst>
-                  <p:par>
-                    <p:cTn id="3" fill="hold">
-                      <p:stCondLst>
-                        <p:cond delay="indefinite"/>
-                      </p:stCondLst>
-                      <p:childTnLst>
-                        <p:par>
-                          <p:cTn id="4" fill="hold">
-                            <p:stCondLst>
-                              <p:cond delay="0"/>
-                            </p:stCondLst>
-                            <p:childTnLst>
-                              <p:par>
-                                <p:cTn id="5" presetID="1" presetClass="entr" presetSubtype="0" fill="hold" grpId="0" nodeType="clickEffect">
-                                  <p:stCondLst>
-                                    <p:cond delay="0"/>
-                                  </p:stCondLst>
-                                  <p:childTnLst>
-                                    <p:set>
-                                      <p:cBhvr>
-                                        <p:cTn id="6" dur="1" fill="hold">
-                                          <p:stCondLst>
-                                            <p:cond delay="0"/>
-                                          </p:stCondLst>
-                                        </p:cTn>
-                                        <p:tgtEl>
-                                          <p:spTgt spid="7"/>
-                                        </p:tgtEl>
-                                        <p:attrNameLst>
-                                          <p:attrName>style.visibility</p:attrName>
-                                        </p:attrNameLst>
-                                      </p:cBhvr>
-                                      <p:to>
-                                        <p:strVal val="visible"/>
-                                      </p:to>
-                                    </p:set>
-                                  </p:childTnLst>
-                                </p:cTn>
-                              </p:par>
-                              <p:par>
-                                <p:cTn id="7" presetID="1" presetClass="entr" presetSubtype="0" fill="hold" nodeType="withEffect">
-                                  <p:stCondLst>
-                                    <p:cond delay="0"/>
-                                  </p:stCondLst>
-                                  <p:childTnLst>
-                                    <p:set>
-                                      <p:cBhvr>
-                                        <p:cTn id="8" dur="1" fill="hold">
-                                          <p:stCondLst>
-                                            <p:cond delay="0"/>
-                                          </p:stCondLst>
-                                        </p:cTn>
-                                        <p:tgtEl>
-                                          <p:spTgt spid="9"/>
-                                        </p:tgtEl>
-                                        <p:attrNameLst>
-                                          <p:attrName>style.visibility</p:attrName>
-                                        </p:attrNameLst>
-                                      </p:cBhvr>
-                                      <p:to>
-                                        <p:strVal val="visible"/>
-                                      </p:to>
-                                    </p:set>
-                                  </p:childTnLst>
-                                </p:cTn>
-                              </p:par>
-                            </p:childTnLst>
-                          </p:cTn>
-                        </p:par>
-                      </p:childTnLst>
-                    </p:cTn>
-                  </p:par>
-                </p:childTnLst>
-              </p:cTn>
-              <p:prevCondLst>
-                <p:cond evt="onPrev" delay="0">
-                  <p:tgtEl>
-                    <p:sldTgt/>
-                  </p:tgtEl>
-                </p:cond>
-              </p:prevCondLst>
-              <p:nextCondLst>
-                <p:cond evt="onNext" delay="0">
-                  <p:tgtEl>
-                    <p:sldTgt/>
-                  </p:tgtEl>
-                </p:cond>
-              </p:nextCondLst>
-            </p:seq>
-          </p:childTnLst>
-        </p:cTn>
-      </p:par>
-    </p:tnLst>
-    <p:bldLst>
-      <p:bldP spid="7" grpId="0" animBg="1"/>
-    </p:bldLst>
-  </p:timing>
-</p:sld>
-</file>
-
-<file path=ppt/slides/slide4.xml><?xml version="1.0" encoding="utf-8"?>
-<p:sld xmlns:a="http://schemas.openxmlformats.org/drawingml/2006/main" xmlns:r="http://schemas.openxmlformats.org/officeDocument/2006/relationships" xmlns:p="http://schemas.openxmlformats.org/presentationml/2006/main">
-  <p:cSld>
-    <p:spTree>
-      <p:nvGrpSpPr>
-        <p:cNvPr id="1" name=""/>
-        <p:cNvGrpSpPr/>
-        <p:nvPr/>
-      </p:nvGrpSpPr>
-      <p:grpSpPr>
-        <a:xfrm>
-          <a:off x="0" y="0"/>
-          <a:ext cx="0" cy="0"/>
-          <a:chOff x="0" y="0"/>
-          <a:chExt cx="0" cy="0"/>
-        </a:xfrm>
-      </p:grpSpPr>
-      <p:sp>
-        <p:nvSpPr>
-          <p:cNvPr id="2" name="Date Placeholder 1">
-            <a:extLst>
-              <a:ext uri="{FF2B5EF4-FFF2-40B4-BE49-F238E27FC236}">
-                <a16:creationId xmlns:a16="http://schemas.microsoft.com/office/drawing/2014/main" id="{3BD69087-3741-F740-BF0B-C415C26B8723}"/>
-              </a:ext>
-            </a:extLst>
-          </p:cNvPr>
-          <p:cNvSpPr>
-            <a:spLocks noGrp="1"/>
-          </p:cNvSpPr>
-          <p:nvPr>
-            <p:ph type="dt" sz="half" idx="10"/>
-          </p:nvPr>
-        </p:nvSpPr>
-        <p:spPr/>
-        <p:txBody>
-          <a:bodyPr/>
-          <a:lstStyle/>
-          <a:p>
-            <a:fld id="{6700A58B-DD98-43D0-B791-721480A02982}" type="datetime1">
-              <a:rPr lang="en-US" smtClean="0"/>
-              <a:t>9/25/23</a:t>
-            </a:fld>
-            <a:endParaRPr lang="en-US"/>
-          </a:p>
-        </p:txBody>
-      </p:sp>
-      <p:sp>
-        <p:nvSpPr>
-          <p:cNvPr id="3" name="Title 2">
-            <a:extLst>
-              <a:ext uri="{FF2B5EF4-FFF2-40B4-BE49-F238E27FC236}">
-                <a16:creationId xmlns:a16="http://schemas.microsoft.com/office/drawing/2014/main" id="{14701E3B-5809-814B-83D8-4518C380E3EB}"/>
-              </a:ext>
-            </a:extLst>
-          </p:cNvPr>
-          <p:cNvSpPr>
-            <a:spLocks noGrp="1"/>
-          </p:cNvSpPr>
-          <p:nvPr>
-            <p:ph type="title"/>
-          </p:nvPr>
-        </p:nvSpPr>
-        <p:spPr>
-          <a:xfrm>
-            <a:off x="0" y="365126"/>
-            <a:ext cx="9144000" cy="591477"/>
-          </a:xfrm>
-        </p:spPr>
-        <p:txBody>
-          <a:bodyPr/>
-          <a:lstStyle/>
-          <a:p>
-            <a:r>
-              <a:rPr lang="en-US" sz="2000" dirty="0"/>
-              <a:t>“We want to predict hospital readmission to improve patient quality of life.”</a:t>
-            </a:r>
-          </a:p>
-        </p:txBody>
-      </p:sp>
-      <p:sp>
-        <p:nvSpPr>
-          <p:cNvPr id="4" name="Slide Number Placeholder 3">
-            <a:extLst>
-              <a:ext uri="{FF2B5EF4-FFF2-40B4-BE49-F238E27FC236}">
-                <a16:creationId xmlns:a16="http://schemas.microsoft.com/office/drawing/2014/main" id="{7F8A4F3F-DD99-0247-B717-ECA958117831}"/>
-              </a:ext>
-            </a:extLst>
-          </p:cNvPr>
-          <p:cNvSpPr>
-            <a:spLocks noGrp="1"/>
-          </p:cNvSpPr>
-          <p:nvPr>
-            <p:ph type="sldNum" sz="quarter" idx="12"/>
-          </p:nvPr>
-        </p:nvSpPr>
-        <p:spPr/>
-        <p:txBody>
-          <a:bodyPr/>
-          <a:lstStyle/>
-          <a:p>
-            <a:fld id="{37290FF7-652B-4475-AEAB-8B1A5D23AE09}" type="slidenum">
-              <a:rPr lang="en-US" smtClean="0"/>
-              <a:t>4</a:t>
-            </a:fld>
-            <a:endParaRPr lang="en-US"/>
-          </a:p>
-        </p:txBody>
-      </p:sp>
-      <p:sp>
-        <p:nvSpPr>
-          <p:cNvPr id="5" name="Footer Placeholder 4">
-            <a:extLst>
-              <a:ext uri="{FF2B5EF4-FFF2-40B4-BE49-F238E27FC236}">
-                <a16:creationId xmlns:a16="http://schemas.microsoft.com/office/drawing/2014/main" id="{A893ABBB-C321-8C4F-9138-22727CF10B69}"/>
-              </a:ext>
-            </a:extLst>
-          </p:cNvPr>
-          <p:cNvSpPr>
-            <a:spLocks noGrp="1"/>
-          </p:cNvSpPr>
-          <p:nvPr>
-            <p:ph type="ftr" sz="quarter" idx="3"/>
-          </p:nvPr>
-        </p:nvSpPr>
-        <p:spPr/>
-        <p:txBody>
-          <a:bodyPr/>
-          <a:lstStyle/>
-          <a:p>
-            <a:r>
-              <a:rPr lang="en-US" dirty="0"/>
-              <a:t>Kwartler </a:t>
-            </a:r>
-          </a:p>
-        </p:txBody>
-      </p:sp>
-      <p:sp>
-        <p:nvSpPr>
-          <p:cNvPr id="6" name="TextBox 5">
-            <a:extLst>
-              <a:ext uri="{FF2B5EF4-FFF2-40B4-BE49-F238E27FC236}">
-                <a16:creationId xmlns:a16="http://schemas.microsoft.com/office/drawing/2014/main" id="{E6F658CD-111D-D841-885E-7DF155C28C3A}"/>
-              </a:ext>
-            </a:extLst>
-          </p:cNvPr>
-          <p:cNvSpPr txBox="1"/>
-          <p:nvPr/>
-        </p:nvSpPr>
-        <p:spPr>
-          <a:xfrm>
-            <a:off x="540315" y="1387642"/>
-            <a:ext cx="8284464" cy="3693319"/>
-          </a:xfrm>
-          <a:prstGeom prst="rect">
-            <a:avLst/>
-          </a:prstGeom>
-          <a:noFill/>
-        </p:spPr>
-        <p:txBody>
-          <a:bodyPr wrap="square" rtlCol="0">
-            <a:spAutoFit/>
-          </a:bodyPr>
-          <a:lstStyle/>
-          <a:p>
-            <a:pPr marL="342900" indent="-342900">
-              <a:buAutoNum type="arabicPeriod"/>
-            </a:pPr>
-            <a:r>
-              <a:rPr lang="en-US" dirty="0"/>
-              <a:t>Let’s make a model to predict late probability of readmission.</a:t>
-            </a:r>
-          </a:p>
-          <a:p>
-            <a:pPr marL="342900" indent="-342900">
-              <a:buAutoNum type="arabicPeriod"/>
-            </a:pPr>
-            <a:r>
-              <a:rPr lang="en-US" dirty="0"/>
-              <a:t>Get all the data you can about patients  and whether or not had to come back within 30days.</a:t>
-            </a:r>
-          </a:p>
-          <a:p>
-            <a:pPr marL="800100" lvl="1" indent="-342900">
-              <a:buAutoNum type="arabicPeriod"/>
-            </a:pPr>
-            <a:r>
-              <a:rPr lang="en-US" dirty="0"/>
-              <a:t>Race</a:t>
-            </a:r>
-          </a:p>
-          <a:p>
-            <a:pPr marL="800100" lvl="1" indent="-342900">
-              <a:buAutoNum type="arabicPeriod"/>
-            </a:pPr>
-            <a:r>
-              <a:rPr lang="en-US" dirty="0"/>
-              <a:t>Age</a:t>
-            </a:r>
-          </a:p>
-          <a:p>
-            <a:pPr marL="800100" lvl="1" indent="-342900">
-              <a:buAutoNum type="arabicPeriod"/>
-            </a:pPr>
-            <a:r>
-              <a:rPr lang="en-US" dirty="0"/>
-              <a:t>Weight</a:t>
-            </a:r>
-          </a:p>
-          <a:p>
-            <a:pPr marL="800100" lvl="1" indent="-342900">
-              <a:buAutoNum type="arabicPeriod"/>
-            </a:pPr>
-            <a:r>
-              <a:rPr lang="en-US" dirty="0"/>
-              <a:t>Gender</a:t>
-            </a:r>
-          </a:p>
-          <a:p>
-            <a:pPr marL="800100" lvl="1" indent="-342900">
-              <a:buAutoNum type="arabicPeriod"/>
-            </a:pPr>
-            <a:r>
-              <a:rPr lang="en-US" dirty="0"/>
-              <a:t>Has the person expired</a:t>
-            </a:r>
-          </a:p>
-          <a:p>
-            <a:pPr marL="800100" lvl="1" indent="-342900">
-              <a:buAutoNum type="arabicPeriod"/>
-            </a:pPr>
-            <a:r>
-              <a:rPr lang="en-US" dirty="0"/>
-              <a:t>Height</a:t>
-            </a:r>
-          </a:p>
-          <a:p>
-            <a:pPr marL="800100" lvl="1" indent="-342900">
-              <a:buAutoNum type="arabicPeriod"/>
-            </a:pPr>
-            <a:r>
-              <a:rPr lang="en-US" dirty="0"/>
-              <a:t>Different drugs they may be on</a:t>
-            </a:r>
-          </a:p>
-          <a:p>
-            <a:pPr marL="800100" lvl="1" indent="-342900">
-              <a:buAutoNum type="arabicPeriod"/>
-            </a:pPr>
-            <a:r>
-              <a:rPr lang="en-US" dirty="0"/>
-              <a:t>Number of tests</a:t>
-            </a:r>
-          </a:p>
-          <a:p>
-            <a:pPr marL="800100" lvl="1" indent="-342900">
-              <a:buAutoNum type="arabicPeriod"/>
-            </a:pPr>
-            <a:r>
-              <a:rPr lang="en-US" dirty="0"/>
-              <a:t>Number of diagnoses</a:t>
-            </a:r>
-          </a:p>
-          <a:p>
-            <a:pPr marL="800100" lvl="1" indent="-342900">
-              <a:buAutoNum type="arabicPeriod"/>
-            </a:pPr>
-            <a:r>
-              <a:rPr lang="en-US" dirty="0"/>
-              <a:t>…</a:t>
-            </a:r>
-          </a:p>
-        </p:txBody>
-      </p:sp>
-      <p:sp>
-        <p:nvSpPr>
-          <p:cNvPr id="7" name="Rectangle 6">
-            <a:extLst>
-              <a:ext uri="{FF2B5EF4-FFF2-40B4-BE49-F238E27FC236}">
-                <a16:creationId xmlns:a16="http://schemas.microsoft.com/office/drawing/2014/main" id="{A3198F46-5E1F-E74D-B46A-8FC3D2800E58}"/>
-              </a:ext>
-            </a:extLst>
-          </p:cNvPr>
-          <p:cNvSpPr/>
-          <p:nvPr/>
-        </p:nvSpPr>
-        <p:spPr>
-          <a:xfrm>
-            <a:off x="457200" y="5193792"/>
-            <a:ext cx="8284464" cy="731520"/>
-          </a:xfrm>
-          <a:prstGeom prst="rect">
-            <a:avLst/>
-          </a:prstGeom>
-        </p:spPr>
-        <p:style>
-          <a:lnRef idx="2">
-            <a:schemeClr val="accent1">
-              <a:shade val="50000"/>
-            </a:schemeClr>
-          </a:lnRef>
-          <a:fillRef idx="1">
-            <a:schemeClr val="accent1"/>
-          </a:fillRef>
-          <a:effectRef idx="0">
-            <a:schemeClr val="accent1"/>
-          </a:effectRef>
-          <a:fontRef idx="minor">
-            <a:schemeClr val="lt1"/>
-          </a:fontRef>
-        </p:style>
-        <p:txBody>
-          <a:bodyPr rtlCol="0" anchor="ctr"/>
-          <a:lstStyle/>
-          <a:p>
-            <a:pPr algn="ctr"/>
-            <a:r>
-              <a:rPr lang="en-US" dirty="0"/>
-              <a:t>WRONG.  People that have expired are not coming back to the hospital.  </a:t>
-            </a:r>
-          </a:p>
-        </p:txBody>
-      </p:sp>
-      <p:cxnSp>
-        <p:nvCxnSpPr>
-          <p:cNvPr id="8" name="Straight Arrow Connector 7">
-            <a:extLst>
-              <a:ext uri="{FF2B5EF4-FFF2-40B4-BE49-F238E27FC236}">
-                <a16:creationId xmlns:a16="http://schemas.microsoft.com/office/drawing/2014/main" id="{42885D88-70C0-7B49-BBD3-FBD08D89B206}"/>
-              </a:ext>
-            </a:extLst>
-          </p:cNvPr>
-          <p:cNvCxnSpPr/>
-          <p:nvPr/>
-        </p:nvCxnSpPr>
-        <p:spPr>
-          <a:xfrm flipH="1">
-            <a:off x="3675888" y="3483864"/>
-            <a:ext cx="1426464" cy="0"/>
-          </a:xfrm>
-          <a:prstGeom prst="straightConnector1">
-            <a:avLst/>
-          </a:prstGeom>
-          <a:ln>
-            <a:tailEnd type="triangle"/>
-          </a:ln>
-        </p:spPr>
-        <p:style>
-          <a:lnRef idx="1">
-            <a:schemeClr val="accent1"/>
-          </a:lnRef>
-          <a:fillRef idx="0">
-            <a:schemeClr val="accent1"/>
-          </a:fillRef>
-          <a:effectRef idx="0">
-            <a:schemeClr val="accent1"/>
-          </a:effectRef>
-          <a:fontRef idx="minor">
-            <a:schemeClr val="tx1"/>
-          </a:fontRef>
-        </p:style>
-      </p:cxnSp>
-    </p:spTree>
-    <p:extLst>
-      <p:ext uri="{BB962C8B-B14F-4D97-AF65-F5344CB8AC3E}">
-        <p14:creationId xmlns:p14="http://schemas.microsoft.com/office/powerpoint/2010/main" val="2948097239"/>
-      </p:ext>
-    </p:extLst>
-  </p:cSld>
-  <p:clrMapOvr>
-    <a:masterClrMapping/>
-  </p:clrMapOvr>
-  <p:timing>
-    <p:tnLst>
-      <p:par>
-        <p:cTn id="1" dur="indefinite" restart="never" nodeType="tmRoot">
-          <p:childTnLst>
-            <p:seq concurrent="1" nextAc="seek">
-              <p:cTn id="2" dur="indefinite" nodeType="mainSeq">
-                <p:childTnLst>
-                  <p:par>
-                    <p:cTn id="3" fill="hold">
-                      <p:stCondLst>
-                        <p:cond delay="indefinite"/>
-                      </p:stCondLst>
-                      <p:childTnLst>
-                        <p:par>
-                          <p:cTn id="4" fill="hold">
-                            <p:stCondLst>
-                              <p:cond delay="0"/>
-                            </p:stCondLst>
-                            <p:childTnLst>
-                              <p:par>
-                                <p:cTn id="5" presetID="1" presetClass="entr" presetSubtype="0" fill="hold" grpId="0" nodeType="clickEffect">
-                                  <p:stCondLst>
-                                    <p:cond delay="0"/>
-                                  </p:stCondLst>
-                                  <p:childTnLst>
-                                    <p:set>
-                                      <p:cBhvr>
-                                        <p:cTn id="6" dur="1" fill="hold">
-                                          <p:stCondLst>
-                                            <p:cond delay="0"/>
-                                          </p:stCondLst>
-                                        </p:cTn>
-                                        <p:tgtEl>
-                                          <p:spTgt spid="7"/>
-                                        </p:tgtEl>
-                                        <p:attrNameLst>
-                                          <p:attrName>style.visibility</p:attrName>
-                                        </p:attrNameLst>
-                                      </p:cBhvr>
-                                      <p:to>
-                                        <p:strVal val="visible"/>
-                                      </p:to>
-                                    </p:set>
-                                  </p:childTnLst>
-                                </p:cTn>
-                              </p:par>
-                              <p:par>
-                                <p:cTn id="7" presetID="1" presetClass="entr" presetSubtype="0" fill="hold" nodeType="withEffect">
-                                  <p:stCondLst>
-                                    <p:cond delay="0"/>
-                                  </p:stCondLst>
-                                  <p:childTnLst>
-                                    <p:set>
-                                      <p:cBhvr>
-                                        <p:cTn id="8" dur="1" fill="hold">
-                                          <p:stCondLst>
-                                            <p:cond delay="0"/>
-                                          </p:stCondLst>
-                                        </p:cTn>
-                                        <p:tgtEl>
-                                          <p:spTgt spid="8"/>
-                                        </p:tgtEl>
-                                        <p:attrNameLst>
-                                          <p:attrName>style.visibility</p:attrName>
-                                        </p:attrNameLst>
-                                      </p:cBhvr>
-                                      <p:to>
-                                        <p:strVal val="visible"/>
-                                      </p:to>
-                                    </p:set>
-                                  </p:childTnLst>
-                                </p:cTn>
-                              </p:par>
-                            </p:childTnLst>
-                          </p:cTn>
-                        </p:par>
-                      </p:childTnLst>
-                    </p:cTn>
-                  </p:par>
-                </p:childTnLst>
-              </p:cTn>
-              <p:prevCondLst>
-                <p:cond evt="onPrev" delay="0">
-                  <p:tgtEl>
-                    <p:sldTgt/>
-                  </p:tgtEl>
-                </p:cond>
-              </p:prevCondLst>
-              <p:nextCondLst>
-                <p:cond evt="onNext" delay="0">
-                  <p:tgtEl>
-                    <p:sldTgt/>
-                  </p:tgtEl>
-                </p:cond>
-              </p:nextCondLst>
-            </p:seq>
-          </p:childTnLst>
-        </p:cTn>
-      </p:par>
-    </p:tnLst>
-    <p:bldLst>
-      <p:bldP spid="7" grpId="0" animBg="1"/>
-    </p:bldLst>
-  </p:timing>
-</p:sld>
-</file>
-
-<file path=ppt/slides/slide5.xml><?xml version="1.0" encoding="utf-8"?>
-<p:sld xmlns:a="http://schemas.openxmlformats.org/drawingml/2006/main" xmlns:r="http://schemas.openxmlformats.org/officeDocument/2006/relationships" xmlns:p="http://schemas.openxmlformats.org/presentationml/2006/main">
-  <p:cSld>
-    <p:spTree>
-      <p:nvGrpSpPr>
-        <p:cNvPr id="1" name=""/>
-        <p:cNvGrpSpPr/>
-        <p:nvPr/>
-      </p:nvGrpSpPr>
-      <p:grpSpPr>
-        <a:xfrm>
-          <a:off x="0" y="0"/>
-          <a:ext cx="0" cy="0"/>
-          <a:chOff x="0" y="0"/>
-          <a:chExt cx="0" cy="0"/>
-        </a:xfrm>
-      </p:grpSpPr>
-      <p:sp>
-        <p:nvSpPr>
-          <p:cNvPr id="2" name="Date Placeholder 1">
-            <a:extLst>
-              <a:ext uri="{FF2B5EF4-FFF2-40B4-BE49-F238E27FC236}">
-                <a16:creationId xmlns:a16="http://schemas.microsoft.com/office/drawing/2014/main" id="{3BD69087-3741-F740-BF0B-C415C26B8723}"/>
-              </a:ext>
-            </a:extLst>
-          </p:cNvPr>
-          <p:cNvSpPr>
-            <a:spLocks noGrp="1"/>
-          </p:cNvSpPr>
-          <p:nvPr>
-            <p:ph type="dt" sz="half" idx="10"/>
-          </p:nvPr>
-        </p:nvSpPr>
-        <p:spPr/>
-        <p:txBody>
-          <a:bodyPr/>
-          <a:lstStyle/>
-          <a:p>
-            <a:fld id="{6700A58B-DD98-43D0-B791-721480A02982}" type="datetime1">
-              <a:rPr lang="en-US" smtClean="0"/>
-              <a:t>9/25/23</a:t>
-            </a:fld>
-            <a:endParaRPr lang="en-US"/>
-          </a:p>
-        </p:txBody>
-      </p:sp>
-      <p:sp>
-        <p:nvSpPr>
-          <p:cNvPr id="3" name="Title 2">
-            <a:extLst>
-              <a:ext uri="{FF2B5EF4-FFF2-40B4-BE49-F238E27FC236}">
-                <a16:creationId xmlns:a16="http://schemas.microsoft.com/office/drawing/2014/main" id="{14701E3B-5809-814B-83D8-4518C380E3EB}"/>
-              </a:ext>
-            </a:extLst>
-          </p:cNvPr>
-          <p:cNvSpPr>
-            <a:spLocks noGrp="1"/>
-          </p:cNvSpPr>
-          <p:nvPr>
-            <p:ph type="title"/>
-          </p:nvPr>
-        </p:nvSpPr>
-        <p:spPr>
-          <a:xfrm>
-            <a:off x="0" y="365126"/>
-            <a:ext cx="9144000" cy="591477"/>
-          </a:xfrm>
-        </p:spPr>
-        <p:txBody>
-          <a:bodyPr/>
-          <a:lstStyle/>
-          <a:p>
-            <a:r>
-              <a:rPr lang="en-US" sz="1800" dirty="0"/>
-              <a:t>“Let’s predict if an employee is likely to be fired to help our HR ops make better hiring decisions.”</a:t>
-            </a:r>
-          </a:p>
-        </p:txBody>
-      </p:sp>
-      <p:sp>
-        <p:nvSpPr>
-          <p:cNvPr id="4" name="Slide Number Placeholder 3">
-            <a:extLst>
-              <a:ext uri="{FF2B5EF4-FFF2-40B4-BE49-F238E27FC236}">
-                <a16:creationId xmlns:a16="http://schemas.microsoft.com/office/drawing/2014/main" id="{7F8A4F3F-DD99-0247-B717-ECA958117831}"/>
-              </a:ext>
-            </a:extLst>
-          </p:cNvPr>
-          <p:cNvSpPr>
-            <a:spLocks noGrp="1"/>
-          </p:cNvSpPr>
-          <p:nvPr>
-            <p:ph type="sldNum" sz="quarter" idx="12"/>
-          </p:nvPr>
-        </p:nvSpPr>
-        <p:spPr/>
-        <p:txBody>
-          <a:bodyPr/>
-          <a:lstStyle/>
-          <a:p>
-            <a:fld id="{37290FF7-652B-4475-AEAB-8B1A5D23AE09}" type="slidenum">
-              <a:rPr lang="en-US" smtClean="0"/>
-              <a:t>5</a:t>
-            </a:fld>
-            <a:endParaRPr lang="en-US"/>
-          </a:p>
-        </p:txBody>
-      </p:sp>
-      <p:sp>
-        <p:nvSpPr>
-          <p:cNvPr id="5" name="Footer Placeholder 4">
-            <a:extLst>
-              <a:ext uri="{FF2B5EF4-FFF2-40B4-BE49-F238E27FC236}">
-                <a16:creationId xmlns:a16="http://schemas.microsoft.com/office/drawing/2014/main" id="{A893ABBB-C321-8C4F-9138-22727CF10B69}"/>
-              </a:ext>
-            </a:extLst>
-          </p:cNvPr>
-          <p:cNvSpPr>
-            <a:spLocks noGrp="1"/>
-          </p:cNvSpPr>
-          <p:nvPr>
-            <p:ph type="ftr" sz="quarter" idx="3"/>
-          </p:nvPr>
-        </p:nvSpPr>
-        <p:spPr/>
-        <p:txBody>
-          <a:bodyPr/>
-          <a:lstStyle/>
-          <a:p>
-            <a:r>
-              <a:rPr lang="en-US" dirty="0"/>
-              <a:t>Kwartler </a:t>
-            </a:r>
-          </a:p>
-        </p:txBody>
-      </p:sp>
-      <p:sp>
-        <p:nvSpPr>
-          <p:cNvPr id="6" name="TextBox 5">
-            <a:extLst>
-              <a:ext uri="{FF2B5EF4-FFF2-40B4-BE49-F238E27FC236}">
-                <a16:creationId xmlns:a16="http://schemas.microsoft.com/office/drawing/2014/main" id="{E6F658CD-111D-D841-885E-7DF155C28C3A}"/>
-              </a:ext>
-            </a:extLst>
-          </p:cNvPr>
-          <p:cNvSpPr txBox="1"/>
-          <p:nvPr/>
-        </p:nvSpPr>
-        <p:spPr>
-          <a:xfrm>
-            <a:off x="540315" y="1387642"/>
-            <a:ext cx="8284464" cy="3416320"/>
-          </a:xfrm>
-          <a:prstGeom prst="rect">
-            <a:avLst/>
-          </a:prstGeom>
-          <a:noFill/>
-        </p:spPr>
-        <p:txBody>
-          <a:bodyPr wrap="square" rtlCol="0">
-            <a:spAutoFit/>
-          </a:bodyPr>
-          <a:lstStyle/>
-          <a:p>
-            <a:pPr marL="342900" indent="-342900">
-              <a:buAutoNum type="arabicPeriod"/>
-            </a:pPr>
-            <a:r>
-              <a:rPr lang="en-US" dirty="0"/>
-              <a:t>Let’s make a model to predict late probability of being fired.</a:t>
-            </a:r>
-          </a:p>
-          <a:p>
-            <a:pPr marL="342900" indent="-342900">
-              <a:buAutoNum type="arabicPeriod"/>
-            </a:pPr>
-            <a:r>
-              <a:rPr lang="en-US" dirty="0"/>
-              <a:t>Get all the data you can about employees and figure out the probability for getting fired.</a:t>
-            </a:r>
-          </a:p>
-          <a:p>
-            <a:pPr marL="800100" lvl="1" indent="-342900">
-              <a:buAutoNum type="arabicPeriod"/>
-            </a:pPr>
-            <a:r>
-              <a:rPr lang="en-US" dirty="0"/>
-              <a:t>Distance to work</a:t>
-            </a:r>
-          </a:p>
-          <a:p>
-            <a:pPr marL="800100" lvl="1" indent="-342900">
-              <a:buAutoNum type="arabicPeriod"/>
-            </a:pPr>
-            <a:r>
-              <a:rPr lang="en-US" dirty="0"/>
-              <a:t>Transportation Type</a:t>
-            </a:r>
-          </a:p>
-          <a:p>
-            <a:pPr marL="800100" lvl="1" indent="-342900">
-              <a:buAutoNum type="arabicPeriod"/>
-            </a:pPr>
-            <a:r>
-              <a:rPr lang="en-US" dirty="0"/>
-              <a:t>Transportation Reliability</a:t>
-            </a:r>
-          </a:p>
-          <a:p>
-            <a:pPr marL="800100" lvl="1" indent="-342900">
-              <a:buAutoNum type="arabicPeriod"/>
-            </a:pPr>
-            <a:r>
-              <a:rPr lang="en-US" dirty="0"/>
-              <a:t>Last review score</a:t>
-            </a:r>
-          </a:p>
-          <a:p>
-            <a:pPr marL="800100" lvl="1" indent="-342900">
-              <a:buAutoNum type="arabicPeriod"/>
-            </a:pPr>
-            <a:r>
-              <a:rPr lang="en-US" dirty="0"/>
-              <a:t>Were they on a performance plan</a:t>
-            </a:r>
-          </a:p>
-          <a:p>
-            <a:pPr marL="800100" lvl="1" indent="-342900">
-              <a:buAutoNum type="arabicPeriod"/>
-            </a:pPr>
-            <a:r>
-              <a:rPr lang="en-US" dirty="0"/>
-              <a:t>Education</a:t>
-            </a:r>
-          </a:p>
-          <a:p>
-            <a:pPr marL="800100" lvl="1" indent="-342900">
-              <a:buAutoNum type="arabicPeriod"/>
-            </a:pPr>
-            <a:r>
-              <a:rPr lang="en-US" dirty="0"/>
-              <a:t>Pay</a:t>
-            </a:r>
-          </a:p>
-          <a:p>
-            <a:pPr marL="800100" lvl="1" indent="-342900">
-              <a:buAutoNum type="arabicPeriod"/>
-            </a:pPr>
-            <a:r>
-              <a:rPr lang="en-US" dirty="0"/>
-              <a:t>Current role</a:t>
-            </a:r>
-          </a:p>
-          <a:p>
-            <a:pPr marL="800100" lvl="1" indent="-342900">
-              <a:buAutoNum type="arabicPeriod"/>
-            </a:pPr>
-            <a:r>
-              <a:rPr lang="en-US" dirty="0"/>
-              <a:t>…</a:t>
-            </a:r>
-          </a:p>
-        </p:txBody>
-      </p:sp>
-      <p:sp>
-        <p:nvSpPr>
-          <p:cNvPr id="7" name="Rectangle 6">
-            <a:extLst>
-              <a:ext uri="{FF2B5EF4-FFF2-40B4-BE49-F238E27FC236}">
-                <a16:creationId xmlns:a16="http://schemas.microsoft.com/office/drawing/2014/main" id="{A3198F46-5E1F-E74D-B46A-8FC3D2800E58}"/>
-              </a:ext>
-            </a:extLst>
-          </p:cNvPr>
-          <p:cNvSpPr/>
-          <p:nvPr/>
-        </p:nvSpPr>
-        <p:spPr>
-          <a:xfrm>
-            <a:off x="457200" y="5193792"/>
-            <a:ext cx="8284464" cy="731520"/>
-          </a:xfrm>
-          <a:prstGeom prst="rect">
-            <a:avLst/>
-          </a:prstGeom>
-        </p:spPr>
-        <p:style>
-          <a:lnRef idx="2">
-            <a:schemeClr val="accent1">
-              <a:shade val="50000"/>
-            </a:schemeClr>
-          </a:lnRef>
-          <a:fillRef idx="1">
-            <a:schemeClr val="accent1"/>
-          </a:fillRef>
-          <a:effectRef idx="0">
-            <a:schemeClr val="accent1"/>
-          </a:effectRef>
-          <a:fontRef idx="minor">
-            <a:schemeClr val="lt1"/>
-          </a:fontRef>
-        </p:style>
-        <p:txBody>
-          <a:bodyPr rtlCol="0" anchor="ctr"/>
-          <a:lstStyle/>
-          <a:p>
-            <a:pPr algn="ctr"/>
-            <a:r>
-              <a:rPr lang="en-US" dirty="0"/>
-              <a:t>WRONG.  People that are on a performance plan know they will be fired at a specific date, as that date draws near they will quit.  Since they quit, they will not be considered “FIRED” in most HR systems.  </a:t>
-            </a:r>
-          </a:p>
-        </p:txBody>
-      </p:sp>
-      <p:cxnSp>
-        <p:nvCxnSpPr>
-          <p:cNvPr id="8" name="Straight Arrow Connector 7">
-            <a:extLst>
-              <a:ext uri="{FF2B5EF4-FFF2-40B4-BE49-F238E27FC236}">
-                <a16:creationId xmlns:a16="http://schemas.microsoft.com/office/drawing/2014/main" id="{A078EFA4-138F-1247-83F2-AF65AE8D0872}"/>
-              </a:ext>
-            </a:extLst>
-          </p:cNvPr>
-          <p:cNvCxnSpPr/>
-          <p:nvPr/>
-        </p:nvCxnSpPr>
-        <p:spPr>
-          <a:xfrm flipH="1">
-            <a:off x="4681728" y="3511296"/>
-            <a:ext cx="1426464" cy="0"/>
-          </a:xfrm>
-          <a:prstGeom prst="straightConnector1">
-            <a:avLst/>
-          </a:prstGeom>
-          <a:ln>
-            <a:tailEnd type="triangle"/>
-          </a:ln>
-        </p:spPr>
-        <p:style>
-          <a:lnRef idx="1">
-            <a:schemeClr val="accent1"/>
-          </a:lnRef>
-          <a:fillRef idx="0">
-            <a:schemeClr val="accent1"/>
-          </a:fillRef>
-          <a:effectRef idx="0">
-            <a:schemeClr val="accent1"/>
-          </a:effectRef>
-          <a:fontRef idx="minor">
-            <a:schemeClr val="tx1"/>
-          </a:fontRef>
-        </p:style>
-      </p:cxnSp>
-    </p:spTree>
-    <p:extLst>
-      <p:ext uri="{BB962C8B-B14F-4D97-AF65-F5344CB8AC3E}">
-        <p14:creationId xmlns:p14="http://schemas.microsoft.com/office/powerpoint/2010/main" val="1093628720"/>
-      </p:ext>
-    </p:extLst>
-  </p:cSld>
-  <p:clrMapOvr>
-    <a:masterClrMapping/>
-  </p:clrMapOvr>
-  <p:timing>
-    <p:tnLst>
-      <p:par>
-        <p:cTn id="1" dur="indefinite" restart="never" nodeType="tmRoot">
-          <p:childTnLst>
-            <p:seq concurrent="1" nextAc="seek">
-              <p:cTn id="2" dur="indefinite" nodeType="mainSeq">
-                <p:childTnLst>
-                  <p:par>
-                    <p:cTn id="3" fill="hold">
-                      <p:stCondLst>
-                        <p:cond delay="indefinite"/>
-                      </p:stCondLst>
-                      <p:childTnLst>
-                        <p:par>
-                          <p:cTn id="4" fill="hold">
-                            <p:stCondLst>
-                              <p:cond delay="0"/>
-                            </p:stCondLst>
-                            <p:childTnLst>
-                              <p:par>
-                                <p:cTn id="5" presetID="1" presetClass="entr" presetSubtype="0" fill="hold" grpId="0" nodeType="clickEffect">
-                                  <p:stCondLst>
-                                    <p:cond delay="0"/>
-                                  </p:stCondLst>
-                                  <p:childTnLst>
-                                    <p:set>
-                                      <p:cBhvr>
-                                        <p:cTn id="6" dur="1" fill="hold">
-                                          <p:stCondLst>
-                                            <p:cond delay="0"/>
-                                          </p:stCondLst>
-                                        </p:cTn>
-                                        <p:tgtEl>
-                                          <p:spTgt spid="7"/>
-                                        </p:tgtEl>
-                                        <p:attrNameLst>
-                                          <p:attrName>style.visibility</p:attrName>
-                                        </p:attrNameLst>
-                                      </p:cBhvr>
-                                      <p:to>
-                                        <p:strVal val="visible"/>
-                                      </p:to>
-                                    </p:set>
-                                  </p:childTnLst>
-                                </p:cTn>
-                              </p:par>
-                              <p:par>
-                                <p:cTn id="7" presetID="1" presetClass="entr" presetSubtype="0" fill="hold" nodeType="withEffect">
-                                  <p:stCondLst>
-                                    <p:cond delay="0"/>
-                                  </p:stCondLst>
-                                  <p:childTnLst>
-                                    <p:set>
-                                      <p:cBhvr>
-                                        <p:cTn id="8" dur="1" fill="hold">
-                                          <p:stCondLst>
-                                            <p:cond delay="0"/>
-                                          </p:stCondLst>
-                                        </p:cTn>
-                                        <p:tgtEl>
-                                          <p:spTgt spid="8"/>
-                                        </p:tgtEl>
-                                        <p:attrNameLst>
-                                          <p:attrName>style.visibility</p:attrName>
-                                        </p:attrNameLst>
-                                      </p:cBhvr>
-                                      <p:to>
-                                        <p:strVal val="visible"/>
-                                      </p:to>
-                                    </p:set>
-                                  </p:childTnLst>
-                                </p:cTn>
-                              </p:par>
-                            </p:childTnLst>
-                          </p:cTn>
-                        </p:par>
-                      </p:childTnLst>
-                    </p:cTn>
-                  </p:par>
-                </p:childTnLst>
-              </p:cTn>
-              <p:prevCondLst>
-                <p:cond evt="onPrev" delay="0">
-                  <p:tgtEl>
-                    <p:sldTgt/>
-                  </p:tgtEl>
-                </p:cond>
-              </p:prevCondLst>
-              <p:nextCondLst>
-                <p:cond evt="onNext" delay="0">
-                  <p:tgtEl>
-                    <p:sldTgt/>
-                  </p:tgtEl>
-                </p:cond>
-              </p:nextCondLst>
-            </p:seq>
-          </p:childTnLst>
-        </p:cTn>
-      </p:par>
-    </p:tnLst>
-    <p:bldLst>
-      <p:bldP spid="7" grpId="0" animBg="1"/>
-    </p:bldLst>
-  </p:timing>
-</p:sld>
-</file>
-
-<file path=ppt/slides/slide6.xml><?xml version="1.0" encoding="utf-8"?>
-<p:sld xmlns:a="http://schemas.openxmlformats.org/drawingml/2006/main" xmlns:r="http://schemas.openxmlformats.org/officeDocument/2006/relationships" xmlns:p="http://schemas.openxmlformats.org/presentationml/2006/main">
-  <p:cSld>
-    <p:spTree>
-      <p:nvGrpSpPr>
-        <p:cNvPr id="1" name=""/>
-        <p:cNvGrpSpPr/>
-        <p:nvPr/>
-      </p:nvGrpSpPr>
-      <p:grpSpPr>
-        <a:xfrm>
-          <a:off x="0" y="0"/>
-          <a:ext cx="0" cy="0"/>
-          <a:chOff x="0" y="0"/>
-          <a:chExt cx="0" cy="0"/>
-        </a:xfrm>
-      </p:grpSpPr>
-      <p:sp>
-        <p:nvSpPr>
-          <p:cNvPr id="2" name="Date Placeholder 1">
-            <a:extLst>
-              <a:ext uri="{FF2B5EF4-FFF2-40B4-BE49-F238E27FC236}">
-                <a16:creationId xmlns:a16="http://schemas.microsoft.com/office/drawing/2014/main" id="{9126F1E4-C13B-3047-A2EA-C71791408656}"/>
-              </a:ext>
-            </a:extLst>
-          </p:cNvPr>
-          <p:cNvSpPr>
-            <a:spLocks noGrp="1"/>
-          </p:cNvSpPr>
-          <p:nvPr>
-            <p:ph type="dt" sz="half" idx="10"/>
-          </p:nvPr>
-        </p:nvSpPr>
-        <p:spPr/>
-        <p:txBody>
-          <a:bodyPr/>
-          <a:lstStyle/>
-          <a:p>
-            <a:fld id="{6700A58B-DD98-43D0-B791-721480A02982}" type="datetime1">
-              <a:rPr lang="en-US" smtClean="0"/>
-              <a:t>9/25/23</a:t>
-            </a:fld>
-            <a:endParaRPr lang="en-US"/>
-          </a:p>
-        </p:txBody>
-      </p:sp>
-      <p:sp>
-        <p:nvSpPr>
-          <p:cNvPr id="3" name="Title 2">
-            <a:extLst>
-              <a:ext uri="{FF2B5EF4-FFF2-40B4-BE49-F238E27FC236}">
-                <a16:creationId xmlns:a16="http://schemas.microsoft.com/office/drawing/2014/main" id="{49DFE1BA-1039-0241-AB4B-A5C83B80CC05}"/>
-              </a:ext>
-            </a:extLst>
-          </p:cNvPr>
-          <p:cNvSpPr>
-            <a:spLocks noGrp="1"/>
-          </p:cNvSpPr>
-          <p:nvPr>
-            <p:ph type="title"/>
-          </p:nvPr>
-        </p:nvSpPr>
-        <p:spPr>
-          <a:xfrm>
-            <a:off x="0" y="365126"/>
-            <a:ext cx="9144000" cy="591477"/>
-          </a:xfrm>
-        </p:spPr>
-        <p:txBody>
-          <a:bodyPr/>
-          <a:lstStyle/>
-          <a:p>
-            <a:r>
-              <a:rPr lang="en-US" sz="3200" dirty="0"/>
-              <a:t>Where should we put extra structural reinforcements?</a:t>
-            </a:r>
-          </a:p>
-        </p:txBody>
-      </p:sp>
-      <p:sp>
-        <p:nvSpPr>
-          <p:cNvPr id="4" name="Slide Number Placeholder 3">
-            <a:extLst>
-              <a:ext uri="{FF2B5EF4-FFF2-40B4-BE49-F238E27FC236}">
-                <a16:creationId xmlns:a16="http://schemas.microsoft.com/office/drawing/2014/main" id="{29BEA302-3797-534A-BA4C-C666B642A7D8}"/>
-              </a:ext>
-            </a:extLst>
-          </p:cNvPr>
-          <p:cNvSpPr>
-            <a:spLocks noGrp="1"/>
-          </p:cNvSpPr>
-          <p:nvPr>
-            <p:ph type="sldNum" sz="quarter" idx="12"/>
-          </p:nvPr>
-        </p:nvSpPr>
-        <p:spPr/>
-        <p:txBody>
-          <a:bodyPr/>
-          <a:lstStyle/>
-          <a:p>
-            <a:fld id="{37290FF7-652B-4475-AEAB-8B1A5D23AE09}" type="slidenum">
-              <a:rPr lang="en-US" smtClean="0"/>
-              <a:t>6</a:t>
-            </a:fld>
-            <a:endParaRPr lang="en-US"/>
-          </a:p>
-        </p:txBody>
-      </p:sp>
-      <p:sp>
-        <p:nvSpPr>
-          <p:cNvPr id="5" name="Footer Placeholder 4">
-            <a:extLst>
-              <a:ext uri="{FF2B5EF4-FFF2-40B4-BE49-F238E27FC236}">
-                <a16:creationId xmlns:a16="http://schemas.microsoft.com/office/drawing/2014/main" id="{C5FAF454-0E86-044A-8ED5-3FD326DA4D53}"/>
-              </a:ext>
-            </a:extLst>
-          </p:cNvPr>
-          <p:cNvSpPr>
-            <a:spLocks noGrp="1"/>
-          </p:cNvSpPr>
-          <p:nvPr>
-            <p:ph type="ftr" sz="quarter" idx="3"/>
-          </p:nvPr>
-        </p:nvSpPr>
-        <p:spPr/>
-        <p:txBody>
-          <a:bodyPr/>
-          <a:lstStyle/>
-          <a:p>
-            <a:r>
-              <a:rPr lang="en-US" dirty="0"/>
-              <a:t>Kwartler </a:t>
-            </a:r>
-          </a:p>
-        </p:txBody>
-      </p:sp>
-      <p:pic>
-        <p:nvPicPr>
-          <p:cNvPr id="7" name="Picture 6">
-            <a:extLst>
-              <a:ext uri="{FF2B5EF4-FFF2-40B4-BE49-F238E27FC236}">
-                <a16:creationId xmlns:a16="http://schemas.microsoft.com/office/drawing/2014/main" id="{4EAB8D42-8384-DD4B-BCBA-606C65F07287}"/>
-              </a:ext>
-            </a:extLst>
-          </p:cNvPr>
-          <p:cNvPicPr>
-            <a:picLocks noChangeAspect="1"/>
-          </p:cNvPicPr>
-          <p:nvPr/>
-        </p:nvPicPr>
-        <p:blipFill>
-          <a:blip r:embed="rId2">
-            <a:extLst>
-              <a:ext uri="{28A0092B-C50C-407E-A947-70E740481C1C}">
-                <a14:useLocalDpi xmlns:a14="http://schemas.microsoft.com/office/drawing/2010/main" val="0"/>
-              </a:ext>
-            </a:extLst>
-          </a:blip>
-          <a:stretch>
-            <a:fillRect/>
-          </a:stretch>
-        </p:blipFill>
-        <p:spPr>
-          <a:xfrm>
-            <a:off x="1593666" y="1437620"/>
-            <a:ext cx="5956663" cy="4437714"/>
-          </a:xfrm>
-          <a:prstGeom prst="rect">
-            <a:avLst/>
-          </a:prstGeom>
-        </p:spPr>
-      </p:pic>
-      <p:sp>
-        <p:nvSpPr>
-          <p:cNvPr id="8" name="TextBox 7">
-            <a:extLst>
-              <a:ext uri="{FF2B5EF4-FFF2-40B4-BE49-F238E27FC236}">
-                <a16:creationId xmlns:a16="http://schemas.microsoft.com/office/drawing/2014/main" id="{B426BD4A-4519-6640-9016-E0E1CBAF8939}"/>
-              </a:ext>
-            </a:extLst>
-          </p:cNvPr>
-          <p:cNvSpPr txBox="1"/>
-          <p:nvPr/>
-        </p:nvSpPr>
-        <p:spPr>
-          <a:xfrm>
-            <a:off x="1188829" y="1252954"/>
-            <a:ext cx="6766339" cy="369332"/>
-          </a:xfrm>
-          <a:prstGeom prst="rect">
-            <a:avLst/>
-          </a:prstGeom>
-          <a:noFill/>
-        </p:spPr>
-        <p:txBody>
-          <a:bodyPr wrap="none" rtlCol="0">
-            <a:spAutoFit/>
-          </a:bodyPr>
-          <a:lstStyle/>
-          <a:p>
-            <a:r>
-              <a:rPr lang="en-US" dirty="0"/>
-              <a:t>Pattern of damage among returning plans from bombing runs in WW2.</a:t>
-            </a:r>
-          </a:p>
-        </p:txBody>
-      </p:sp>
-    </p:spTree>
-    <p:extLst>
-      <p:ext uri="{BB962C8B-B14F-4D97-AF65-F5344CB8AC3E}">
-        <p14:creationId xmlns:p14="http://schemas.microsoft.com/office/powerpoint/2010/main" val="3317207729"/>
-      </p:ext>
-    </p:extLst>
-  </p:cSld>
-  <p:clrMapOvr>
-    <a:masterClrMapping/>
-  </p:clrMapOvr>
-</p:sld>
-</file>
-
-<file path=ppt/slides/slide7.xml><?xml version="1.0" encoding="utf-8"?>
-<p:sld xmlns:a="http://schemas.openxmlformats.org/drawingml/2006/main" xmlns:r="http://schemas.openxmlformats.org/officeDocument/2006/relationships" xmlns:p="http://schemas.openxmlformats.org/presentationml/2006/main">
-  <p:cSld>
-    <p:spTree>
-      <p:nvGrpSpPr>
-        <p:cNvPr id="1" name=""/>
-        <p:cNvGrpSpPr/>
-        <p:nvPr/>
-      </p:nvGrpSpPr>
-      <p:grpSpPr>
-        <a:xfrm>
-          <a:off x="0" y="0"/>
-          <a:ext cx="0" cy="0"/>
-          <a:chOff x="0" y="0"/>
-          <a:chExt cx="0" cy="0"/>
-        </a:xfrm>
-      </p:grpSpPr>
-      <p:sp>
-        <p:nvSpPr>
-          <p:cNvPr id="2" name="Date Placeholder 1">
-            <a:extLst>
-              <a:ext uri="{FF2B5EF4-FFF2-40B4-BE49-F238E27FC236}">
-                <a16:creationId xmlns:a16="http://schemas.microsoft.com/office/drawing/2014/main" id="{09A7225D-1299-FE4F-9E40-0953D516D397}"/>
-              </a:ext>
-            </a:extLst>
-          </p:cNvPr>
-          <p:cNvSpPr>
-            <a:spLocks noGrp="1"/>
-          </p:cNvSpPr>
-          <p:nvPr>
-            <p:ph type="dt" sz="half" idx="10"/>
-          </p:nvPr>
-        </p:nvSpPr>
-        <p:spPr/>
-        <p:txBody>
-          <a:bodyPr/>
-          <a:lstStyle/>
-          <a:p>
-            <a:fld id="{6700A58B-DD98-43D0-B791-721480A02982}" type="datetime1">
-              <a:rPr lang="en-US" smtClean="0"/>
-              <a:t>9/25/23</a:t>
-            </a:fld>
-            <a:endParaRPr lang="en-US"/>
-          </a:p>
-        </p:txBody>
-      </p:sp>
-      <p:sp>
-        <p:nvSpPr>
-          <p:cNvPr id="3" name="Title 2">
-            <a:extLst>
-              <a:ext uri="{FF2B5EF4-FFF2-40B4-BE49-F238E27FC236}">
-                <a16:creationId xmlns:a16="http://schemas.microsoft.com/office/drawing/2014/main" id="{49C4DC88-474E-BA4F-A10E-B08D150D4389}"/>
-              </a:ext>
-            </a:extLst>
-          </p:cNvPr>
-          <p:cNvSpPr>
-            <a:spLocks noGrp="1"/>
-          </p:cNvSpPr>
-          <p:nvPr>
-            <p:ph type="title"/>
-          </p:nvPr>
-        </p:nvSpPr>
-        <p:spPr>
-          <a:xfrm>
-            <a:off x="0" y="365126"/>
-            <a:ext cx="9144000" cy="591477"/>
-          </a:xfrm>
-        </p:spPr>
-        <p:txBody>
-          <a:bodyPr/>
-          <a:lstStyle/>
-          <a:p>
-            <a:pPr algn="ctr"/>
-            <a:r>
-              <a:rPr lang="en-US" sz="2400" dirty="0"/>
-              <a:t>After you have a good grasp of the problem then comes choosing data.</a:t>
-            </a:r>
-          </a:p>
-        </p:txBody>
-      </p:sp>
-      <p:sp>
-        <p:nvSpPr>
-          <p:cNvPr id="4" name="Slide Number Placeholder 3">
-            <a:extLst>
-              <a:ext uri="{FF2B5EF4-FFF2-40B4-BE49-F238E27FC236}">
-                <a16:creationId xmlns:a16="http://schemas.microsoft.com/office/drawing/2014/main" id="{EB8C0B9F-E72A-7E4A-A17D-E8CC7707DA37}"/>
-              </a:ext>
-            </a:extLst>
-          </p:cNvPr>
-          <p:cNvSpPr>
-            <a:spLocks noGrp="1"/>
-          </p:cNvSpPr>
-          <p:nvPr>
-            <p:ph type="sldNum" sz="quarter" idx="12"/>
-          </p:nvPr>
-        </p:nvSpPr>
-        <p:spPr/>
-        <p:txBody>
-          <a:bodyPr/>
-          <a:lstStyle/>
-          <a:p>
-            <a:fld id="{37290FF7-652B-4475-AEAB-8B1A5D23AE09}" type="slidenum">
-              <a:rPr lang="en-US" smtClean="0"/>
-              <a:t>7</a:t>
-            </a:fld>
-            <a:endParaRPr lang="en-US"/>
-          </a:p>
-        </p:txBody>
-      </p:sp>
-      <p:sp>
-        <p:nvSpPr>
-          <p:cNvPr id="5" name="Footer Placeholder 4">
-            <a:extLst>
-              <a:ext uri="{FF2B5EF4-FFF2-40B4-BE49-F238E27FC236}">
-                <a16:creationId xmlns:a16="http://schemas.microsoft.com/office/drawing/2014/main" id="{05BC0E58-3AA3-C54D-992D-64892CFEE164}"/>
-              </a:ext>
-            </a:extLst>
-          </p:cNvPr>
-          <p:cNvSpPr>
-            <a:spLocks noGrp="1"/>
-          </p:cNvSpPr>
-          <p:nvPr>
-            <p:ph type="ftr" sz="quarter" idx="3"/>
-          </p:nvPr>
-        </p:nvSpPr>
-        <p:spPr/>
-        <p:txBody>
-          <a:bodyPr/>
-          <a:lstStyle/>
-          <a:p>
-            <a:r>
-              <a:rPr lang="en-US" dirty="0"/>
-              <a:t>Kwartler </a:t>
-            </a:r>
-          </a:p>
-        </p:txBody>
-      </p:sp>
-      <p:pic>
-        <p:nvPicPr>
-          <p:cNvPr id="1026" name="Picture 2" descr="10 memes that Data Scientists would absolutely love">
-            <a:extLst>
-              <a:ext uri="{FF2B5EF4-FFF2-40B4-BE49-F238E27FC236}">
-                <a16:creationId xmlns:a16="http://schemas.microsoft.com/office/drawing/2014/main" id="{4AA11001-C3EF-0948-A0B7-BBCAA69DF221}"/>
-              </a:ext>
-            </a:extLst>
-          </p:cNvPr>
-          <p:cNvPicPr>
-            <a:picLocks noChangeAspect="1" noChangeArrowheads="1"/>
-          </p:cNvPicPr>
-          <p:nvPr/>
-        </p:nvPicPr>
-        <p:blipFill>
-          <a:blip r:embed="rId2">
-            <a:extLst>
-              <a:ext uri="{28A0092B-C50C-407E-A947-70E740481C1C}">
-                <a14:useLocalDpi xmlns:a14="http://schemas.microsoft.com/office/drawing/2010/main" val="0"/>
-              </a:ext>
-            </a:extLst>
-          </a:blip>
-          <a:srcRect/>
-          <a:stretch>
-            <a:fillRect/>
-          </a:stretch>
-        </p:blipFill>
-        <p:spPr bwMode="auto">
-          <a:xfrm>
-            <a:off x="628650" y="1512989"/>
-            <a:ext cx="3790681" cy="3642485"/>
-          </a:xfrm>
-          <a:prstGeom prst="rect">
-            <a:avLst/>
-          </a:prstGeom>
-          <a:noFill/>
-          <a:extLst>
-            <a:ext uri="{909E8E84-426E-40DD-AFC4-6F175D3DCCD1}">
-              <a14:hiddenFill xmlns:a14="http://schemas.microsoft.com/office/drawing/2010/main">
-                <a:solidFill>
-                  <a:srgbClr val="FFFFFF"/>
-                </a:solidFill>
-              </a14:hiddenFill>
-            </a:ext>
-          </a:extLst>
-        </p:spPr>
-      </p:pic>
-      <p:pic>
-        <p:nvPicPr>
-          <p:cNvPr id="1028" name="Picture 4" descr="6 Data Science Memes That Will Make You LOL | by Roman Orac | Medium">
-            <a:extLst>
-              <a:ext uri="{FF2B5EF4-FFF2-40B4-BE49-F238E27FC236}">
-                <a16:creationId xmlns:a16="http://schemas.microsoft.com/office/drawing/2014/main" id="{90A0A4E4-57D6-7842-A671-2B40156CBC40}"/>
-              </a:ext>
-            </a:extLst>
-          </p:cNvPr>
-          <p:cNvPicPr>
-            <a:picLocks noChangeAspect="1" noChangeArrowheads="1"/>
-          </p:cNvPicPr>
-          <p:nvPr/>
-        </p:nvPicPr>
-        <p:blipFill>
-          <a:blip r:embed="rId3">
-            <a:extLst>
-              <a:ext uri="{28A0092B-C50C-407E-A947-70E740481C1C}">
-                <a14:useLocalDpi xmlns:a14="http://schemas.microsoft.com/office/drawing/2010/main" val="0"/>
-              </a:ext>
-            </a:extLst>
-          </a:blip>
-          <a:srcRect/>
-          <a:stretch>
-            <a:fillRect/>
-          </a:stretch>
-        </p:blipFill>
-        <p:spPr bwMode="auto">
-          <a:xfrm>
-            <a:off x="4572000" y="1769591"/>
-            <a:ext cx="3944471" cy="3129280"/>
-          </a:xfrm>
-          <a:prstGeom prst="rect">
-            <a:avLst/>
-          </a:prstGeom>
-          <a:noFill/>
-          <a:extLst>
-            <a:ext uri="{909E8E84-426E-40DD-AFC4-6F175D3DCCD1}">
-              <a14:hiddenFill xmlns:a14="http://schemas.microsoft.com/office/drawing/2010/main">
-                <a:solidFill>
-                  <a:srgbClr val="FFFFFF"/>
-                </a:solidFill>
-              </a14:hiddenFill>
-            </a:ext>
-          </a:extLst>
-        </p:spPr>
-      </p:pic>
-    </p:spTree>
-    <p:extLst>
-      <p:ext uri="{BB962C8B-B14F-4D97-AF65-F5344CB8AC3E}">
-        <p14:creationId xmlns:p14="http://schemas.microsoft.com/office/powerpoint/2010/main" val="2841403934"/>
-      </p:ext>
-    </p:extLst>
-  </p:cSld>
-  <p:clrMapOvr>
-    <a:masterClrMapping/>
-  </p:clrMapOvr>
-</p:sld>
-</file>
-
-<file path=ppt/slides/slide8.xml><?xml version="1.0" encoding="utf-8"?>
-<p:sld xmlns:a="http://schemas.openxmlformats.org/drawingml/2006/main" xmlns:r="http://schemas.openxmlformats.org/officeDocument/2006/relationships" xmlns:p="http://schemas.openxmlformats.org/presentationml/2006/main">
-  <p:cSld>
-    <p:spTree>
-      <p:nvGrpSpPr>
-        <p:cNvPr id="1" name=""/>
-        <p:cNvGrpSpPr/>
-        <p:nvPr/>
-      </p:nvGrpSpPr>
-      <p:grpSpPr>
-        <a:xfrm>
-          <a:off x="0" y="0"/>
-          <a:ext cx="0" cy="0"/>
-          <a:chOff x="0" y="0"/>
-          <a:chExt cx="0" cy="0"/>
-        </a:xfrm>
-      </p:grpSpPr>
-      <p:sp>
-        <p:nvSpPr>
-          <p:cNvPr id="2" name="Date Placeholder 1"/>
-          <p:cNvSpPr>
-            <a:spLocks noGrp="1"/>
-          </p:cNvSpPr>
-          <p:nvPr>
-            <p:ph type="dt" sz="half" idx="10"/>
-          </p:nvPr>
-        </p:nvSpPr>
-        <p:spPr/>
-        <p:txBody>
-          <a:bodyPr/>
-          <a:lstStyle/>
-          <a:p>
-            <a:fld id="{6700A58B-DD98-43D0-B791-721480A02982}" type="datetime1">
-              <a:rPr lang="en-US" smtClean="0"/>
-              <a:t>9/25/23</a:t>
-            </a:fld>
-            <a:endParaRPr lang="en-US"/>
-          </a:p>
-        </p:txBody>
-      </p:sp>
-      <p:sp>
-        <p:nvSpPr>
-          <p:cNvPr id="3" name="Title 2"/>
-          <p:cNvSpPr>
-            <a:spLocks noGrp="1"/>
-          </p:cNvSpPr>
-          <p:nvPr>
-            <p:ph type="title"/>
-          </p:nvPr>
-        </p:nvSpPr>
-        <p:spPr/>
-        <p:txBody>
-          <a:bodyPr/>
-          <a:lstStyle/>
-          <a:p>
-            <a:r>
-              <a:rPr lang="en-US" dirty="0"/>
-              <a:t>Data Exploration (EDA)</a:t>
-            </a:r>
-          </a:p>
-        </p:txBody>
-      </p:sp>
-      <p:sp>
-        <p:nvSpPr>
-          <p:cNvPr id="4" name="Slide Number Placeholder 3"/>
-          <p:cNvSpPr>
-            <a:spLocks noGrp="1"/>
-          </p:cNvSpPr>
-          <p:nvPr>
-            <p:ph type="sldNum" sz="quarter" idx="12"/>
-          </p:nvPr>
-        </p:nvSpPr>
-        <p:spPr/>
-        <p:txBody>
-          <a:bodyPr/>
-          <a:lstStyle/>
-          <a:p>
-            <a:fld id="{37290FF7-652B-4475-AEAB-8B1A5D23AE09}" type="slidenum">
-              <a:rPr lang="en-US" smtClean="0"/>
-              <a:t>8</a:t>
-            </a:fld>
-            <a:endParaRPr lang="en-US"/>
-          </a:p>
-        </p:txBody>
-      </p:sp>
-      <p:sp>
-        <p:nvSpPr>
-          <p:cNvPr id="6" name="Content Placeholder 2"/>
-          <p:cNvSpPr txBox="1">
-            <a:spLocks/>
-          </p:cNvSpPr>
-          <p:nvPr/>
-        </p:nvSpPr>
-        <p:spPr>
-          <a:xfrm>
-            <a:off x="914400" y="2057400"/>
-            <a:ext cx="7772400" cy="3962400"/>
-          </a:xfrm>
-          <a:prstGeom prst="rect">
-            <a:avLst/>
-          </a:prstGeom>
-        </p:spPr>
-        <p:txBody>
-          <a:bodyPr/>
-          <a:lstStyle>
-            <a:lvl1pPr marL="171450" indent="-171450" algn="l" defTabSz="685800" rtl="0" eaLnBrk="1" latinLnBrk="0" hangingPunct="1">
-              <a:lnSpc>
-                <a:spcPct val="90000"/>
-              </a:lnSpc>
-              <a:spcBef>
-                <a:spcPts val="750"/>
-              </a:spcBef>
-              <a:buFont typeface="Arial" panose="020B0604020202020204" pitchFamily="34" charset="0"/>
-              <a:buChar char="•"/>
-              <a:defRPr sz="2100" kern="1200">
-                <a:solidFill>
-                  <a:schemeClr val="tx1"/>
-                </a:solidFill>
-                <a:latin typeface="+mn-lt"/>
-                <a:ea typeface="+mn-ea"/>
-                <a:cs typeface="+mn-cs"/>
-              </a:defRPr>
-            </a:lvl1pPr>
-            <a:lvl2pPr marL="514350" indent="-171450" algn="l" defTabSz="685800" rtl="0" eaLnBrk="1" latinLnBrk="0" hangingPunct="1">
-              <a:lnSpc>
-                <a:spcPct val="90000"/>
-              </a:lnSpc>
-              <a:spcBef>
-                <a:spcPts val="375"/>
-              </a:spcBef>
-              <a:buFont typeface="Arial" panose="020B0604020202020204" pitchFamily="34" charset="0"/>
-              <a:buChar char="•"/>
-              <a:defRPr sz="1800" kern="1200">
-                <a:solidFill>
-                  <a:schemeClr val="tx1"/>
-                </a:solidFill>
-                <a:latin typeface="+mn-lt"/>
-                <a:ea typeface="+mn-ea"/>
-                <a:cs typeface="+mn-cs"/>
-              </a:defRPr>
-            </a:lvl2pPr>
-            <a:lvl3pPr marL="857250" indent="-171450" algn="l" defTabSz="685800" rtl="0" eaLnBrk="1" latinLnBrk="0" hangingPunct="1">
-              <a:lnSpc>
-                <a:spcPct val="90000"/>
-              </a:lnSpc>
-              <a:spcBef>
-                <a:spcPts val="375"/>
-              </a:spcBef>
-              <a:buFont typeface="Arial" panose="020B0604020202020204" pitchFamily="34" charset="0"/>
-              <a:buChar char="•"/>
-              <a:defRPr sz="1500" kern="1200">
-                <a:solidFill>
-                  <a:schemeClr val="tx1"/>
-                </a:solidFill>
-                <a:latin typeface="+mn-lt"/>
-                <a:ea typeface="+mn-ea"/>
-                <a:cs typeface="+mn-cs"/>
-              </a:defRPr>
-            </a:lvl3pPr>
-            <a:lvl4pPr marL="1200150" indent="-171450" algn="l" defTabSz="685800" rtl="0" eaLnBrk="1" latinLnBrk="0" hangingPunct="1">
-              <a:lnSpc>
-                <a:spcPct val="90000"/>
-              </a:lnSpc>
-              <a:spcBef>
-                <a:spcPts val="375"/>
-              </a:spcBef>
-              <a:buFont typeface="Arial" panose="020B0604020202020204" pitchFamily="34" charset="0"/>
-              <a:buChar char="•"/>
-              <a:defRPr sz="1350" kern="1200">
-                <a:solidFill>
-                  <a:schemeClr val="tx1"/>
-                </a:solidFill>
-                <a:latin typeface="+mn-lt"/>
-                <a:ea typeface="+mn-ea"/>
-                <a:cs typeface="+mn-cs"/>
-              </a:defRPr>
-            </a:lvl4pPr>
-            <a:lvl5pPr marL="1543050" indent="-171450" algn="l" defTabSz="685800" rtl="0" eaLnBrk="1" latinLnBrk="0" hangingPunct="1">
-              <a:lnSpc>
-                <a:spcPct val="90000"/>
-              </a:lnSpc>
-              <a:spcBef>
-                <a:spcPts val="375"/>
-              </a:spcBef>
-              <a:buFont typeface="Arial" panose="020B0604020202020204" pitchFamily="34" charset="0"/>
-              <a:buChar char="•"/>
-              <a:defRPr sz="1350" kern="1200">
-                <a:solidFill>
-                  <a:schemeClr val="tx1"/>
-                </a:solidFill>
-                <a:latin typeface="+mn-lt"/>
-                <a:ea typeface="+mn-ea"/>
-                <a:cs typeface="+mn-cs"/>
-              </a:defRPr>
-            </a:lvl5pPr>
-            <a:lvl6pPr marL="1885950" indent="-171450" algn="l" defTabSz="685800" rtl="0" eaLnBrk="1" latinLnBrk="0" hangingPunct="1">
-              <a:lnSpc>
-                <a:spcPct val="90000"/>
-              </a:lnSpc>
-              <a:spcBef>
-                <a:spcPts val="375"/>
-              </a:spcBef>
-              <a:buFont typeface="Arial" panose="020B0604020202020204" pitchFamily="34" charset="0"/>
-              <a:buChar char="•"/>
-              <a:defRPr sz="1350" kern="1200">
-                <a:solidFill>
-                  <a:schemeClr val="tx1"/>
-                </a:solidFill>
-                <a:latin typeface="+mn-lt"/>
-                <a:ea typeface="+mn-ea"/>
-                <a:cs typeface="+mn-cs"/>
-              </a:defRPr>
-            </a:lvl6pPr>
-            <a:lvl7pPr marL="2228850" indent="-171450" algn="l" defTabSz="685800" rtl="0" eaLnBrk="1" latinLnBrk="0" hangingPunct="1">
-              <a:lnSpc>
-                <a:spcPct val="90000"/>
-              </a:lnSpc>
-              <a:spcBef>
-                <a:spcPts val="375"/>
-              </a:spcBef>
-              <a:buFont typeface="Arial" panose="020B0604020202020204" pitchFamily="34" charset="0"/>
-              <a:buChar char="•"/>
-              <a:defRPr sz="1350" kern="1200">
-                <a:solidFill>
-                  <a:schemeClr val="tx1"/>
-                </a:solidFill>
-                <a:latin typeface="+mn-lt"/>
-                <a:ea typeface="+mn-ea"/>
-                <a:cs typeface="+mn-cs"/>
-              </a:defRPr>
-            </a:lvl7pPr>
-            <a:lvl8pPr marL="2571750" indent="-171450" algn="l" defTabSz="685800" rtl="0" eaLnBrk="1" latinLnBrk="0" hangingPunct="1">
-              <a:lnSpc>
-                <a:spcPct val="90000"/>
-              </a:lnSpc>
-              <a:spcBef>
-                <a:spcPts val="375"/>
-              </a:spcBef>
-              <a:buFont typeface="Arial" panose="020B0604020202020204" pitchFamily="34" charset="0"/>
-              <a:buChar char="•"/>
-              <a:defRPr sz="1350" kern="1200">
-                <a:solidFill>
-                  <a:schemeClr val="tx1"/>
-                </a:solidFill>
-                <a:latin typeface="+mn-lt"/>
-                <a:ea typeface="+mn-ea"/>
-                <a:cs typeface="+mn-cs"/>
-              </a:defRPr>
-            </a:lvl8pPr>
-            <a:lvl9pPr marL="2914650" indent="-171450" algn="l" defTabSz="685800" rtl="0" eaLnBrk="1" latinLnBrk="0" hangingPunct="1">
-              <a:lnSpc>
-                <a:spcPct val="90000"/>
-              </a:lnSpc>
-              <a:spcBef>
-                <a:spcPts val="375"/>
-              </a:spcBef>
-              <a:buFont typeface="Arial" panose="020B0604020202020204" pitchFamily="34" charset="0"/>
-              <a:buChar char="•"/>
-              <a:defRPr sz="1350" kern="1200">
-                <a:solidFill>
-                  <a:schemeClr val="tx1"/>
-                </a:solidFill>
-                <a:latin typeface="+mn-lt"/>
-                <a:ea typeface="+mn-ea"/>
-                <a:cs typeface="+mn-cs"/>
-              </a:defRPr>
-            </a:lvl9pPr>
-          </a:lstStyle>
-          <a:p>
-            <a:r>
-              <a:rPr lang="en-US" altLang="en-US" dirty="0">
-                <a:latin typeface="Franklin Gothic Book" pitchFamily="34" charset="0"/>
-              </a:rPr>
-              <a:t>Data sets are typically large, complex &amp; messy</a:t>
-            </a:r>
-          </a:p>
-          <a:p>
-            <a:r>
-              <a:rPr lang="en-US" altLang="en-US" dirty="0">
-                <a:latin typeface="Franklin Gothic Book" pitchFamily="34" charset="0"/>
-              </a:rPr>
-              <a:t>Need to review the data to help refine the task</a:t>
-            </a:r>
-          </a:p>
-          <a:p>
-            <a:r>
-              <a:rPr lang="en-US" altLang="en-US" dirty="0">
-                <a:latin typeface="Franklin Gothic Book" pitchFamily="34" charset="0"/>
-              </a:rPr>
-              <a:t>Use techniques of Reduction/Sampling and Visualization</a:t>
-            </a:r>
-          </a:p>
-        </p:txBody>
-      </p:sp>
-      <p:sp>
-        <p:nvSpPr>
-          <p:cNvPr id="7" name="Footer Placeholder 4">
-            <a:extLst>
-              <a:ext uri="{FF2B5EF4-FFF2-40B4-BE49-F238E27FC236}">
-                <a16:creationId xmlns:a16="http://schemas.microsoft.com/office/drawing/2014/main" id="{98F970C7-E7CA-854C-BB06-3B74B9E9876E}"/>
-              </a:ext>
-            </a:extLst>
-          </p:cNvPr>
-          <p:cNvSpPr>
-            <a:spLocks noGrp="1"/>
-          </p:cNvSpPr>
-          <p:nvPr>
-            <p:ph type="ftr" sz="quarter" idx="3"/>
-          </p:nvPr>
-        </p:nvSpPr>
-        <p:spPr>
-          <a:xfrm>
-            <a:off x="3028950" y="6356351"/>
-            <a:ext cx="3086100" cy="365125"/>
-          </a:xfrm>
-        </p:spPr>
-        <p:txBody>
-          <a:bodyPr/>
-          <a:lstStyle/>
-          <a:p>
-            <a:r>
-              <a:rPr lang="en-US" dirty="0"/>
-              <a:t>Kwartler </a:t>
-            </a:r>
-          </a:p>
-        </p:txBody>
-      </p:sp>
-    </p:spTree>
-    <p:extLst>
-      <p:ext uri="{BB962C8B-B14F-4D97-AF65-F5344CB8AC3E}">
-        <p14:creationId xmlns:p14="http://schemas.microsoft.com/office/powerpoint/2010/main" val="2229453601"/>
-      </p:ext>
-    </p:extLst>
-  </p:cSld>
-  <p:clrMapOvr>
-    <a:masterClrMapping/>
-  </p:clrMapOvr>
-</p:sld>
-</file>
-
-<file path=ppt/slides/slide9.xml><?xml version="1.0" encoding="utf-8"?>
-<p:sld xmlns:a="http://schemas.openxmlformats.org/drawingml/2006/main" xmlns:r="http://schemas.openxmlformats.org/officeDocument/2006/relationships" xmlns:p="http://schemas.openxmlformats.org/presentationml/2006/main">
-  <p:cSld>
-    <p:spTree>
-      <p:nvGrpSpPr>
-        <p:cNvPr id="1" name=""/>
-        <p:cNvGrpSpPr/>
-        <p:nvPr/>
-      </p:nvGrpSpPr>
-      <p:grpSpPr>
-        <a:xfrm>
-          <a:off x="0" y="0"/>
-          <a:ext cx="0" cy="0"/>
-          <a:chOff x="0" y="0"/>
-          <a:chExt cx="0" cy="0"/>
-        </a:xfrm>
-      </p:grpSpPr>
-      <p:sp>
-        <p:nvSpPr>
-          <p:cNvPr id="2" name="Date Placeholder 1"/>
-          <p:cNvSpPr>
-            <a:spLocks noGrp="1"/>
-          </p:cNvSpPr>
-          <p:nvPr>
-            <p:ph type="dt" sz="half" idx="10"/>
-          </p:nvPr>
-        </p:nvSpPr>
-        <p:spPr/>
-        <p:txBody>
-          <a:bodyPr/>
-          <a:lstStyle/>
-          <a:p>
-            <a:fld id="{6700A58B-DD98-43D0-B791-721480A02982}" type="datetime1">
-              <a:rPr lang="en-US" smtClean="0"/>
-              <a:t>9/25/23</a:t>
-            </a:fld>
-            <a:endParaRPr lang="en-US"/>
-          </a:p>
-        </p:txBody>
-      </p:sp>
-      <p:sp>
-        <p:nvSpPr>
-          <p:cNvPr id="3" name="Title 2"/>
-          <p:cNvSpPr>
-            <a:spLocks noGrp="1"/>
-          </p:cNvSpPr>
-          <p:nvPr>
-            <p:ph type="title"/>
-          </p:nvPr>
-        </p:nvSpPr>
-        <p:spPr/>
-        <p:txBody>
-          <a:bodyPr/>
-          <a:lstStyle/>
-          <a:p>
-            <a:r>
-              <a:rPr lang="en-US" dirty="0"/>
-              <a:t>Exploring Data: Sampling to Save Time</a:t>
-            </a:r>
-          </a:p>
-        </p:txBody>
-      </p:sp>
-      <p:sp>
-        <p:nvSpPr>
-          <p:cNvPr id="4" name="Slide Number Placeholder 3"/>
-          <p:cNvSpPr>
-            <a:spLocks noGrp="1"/>
-          </p:cNvSpPr>
-          <p:nvPr>
-            <p:ph type="sldNum" sz="quarter" idx="12"/>
-          </p:nvPr>
-        </p:nvSpPr>
-        <p:spPr/>
-        <p:txBody>
-          <a:bodyPr/>
-          <a:lstStyle/>
-          <a:p>
-            <a:fld id="{37290FF7-652B-4475-AEAB-8B1A5D23AE09}" type="slidenum">
-              <a:rPr lang="en-US" smtClean="0"/>
-              <a:t>9</a:t>
-            </a:fld>
-            <a:endParaRPr lang="en-US"/>
-          </a:p>
-        </p:txBody>
-      </p:sp>
-      <p:sp>
-        <p:nvSpPr>
-          <p:cNvPr id="6" name="Content Placeholder 2"/>
-          <p:cNvSpPr txBox="1">
-            <a:spLocks/>
-          </p:cNvSpPr>
-          <p:nvPr/>
-        </p:nvSpPr>
-        <p:spPr>
-          <a:xfrm>
-            <a:off x="914400" y="1981200"/>
-            <a:ext cx="7772400" cy="4038600"/>
-          </a:xfrm>
-          <a:prstGeom prst="rect">
-            <a:avLst/>
-          </a:prstGeom>
-        </p:spPr>
-        <p:txBody>
-          <a:bodyPr/>
-          <a:lstStyle>
-            <a:lvl1pPr marL="171450" indent="-171450" algn="l" defTabSz="685800" rtl="0" eaLnBrk="1" latinLnBrk="0" hangingPunct="1">
-              <a:lnSpc>
-                <a:spcPct val="90000"/>
-              </a:lnSpc>
-              <a:spcBef>
-                <a:spcPts val="750"/>
-              </a:spcBef>
-              <a:buFont typeface="Arial" panose="020B0604020202020204" pitchFamily="34" charset="0"/>
-              <a:buChar char="•"/>
-              <a:defRPr sz="2100" kern="1200">
-                <a:solidFill>
-                  <a:schemeClr val="tx1"/>
-                </a:solidFill>
-                <a:latin typeface="+mn-lt"/>
-                <a:ea typeface="+mn-ea"/>
-                <a:cs typeface="+mn-cs"/>
-              </a:defRPr>
-            </a:lvl1pPr>
-            <a:lvl2pPr marL="514350" indent="-171450" algn="l" defTabSz="685800" rtl="0" eaLnBrk="1" latinLnBrk="0" hangingPunct="1">
-              <a:lnSpc>
-                <a:spcPct val="90000"/>
-              </a:lnSpc>
-              <a:spcBef>
-                <a:spcPts val="375"/>
-              </a:spcBef>
-              <a:buFont typeface="Arial" panose="020B0604020202020204" pitchFamily="34" charset="0"/>
-              <a:buChar char="•"/>
-              <a:defRPr sz="1800" kern="1200">
-                <a:solidFill>
-                  <a:schemeClr val="tx1"/>
-                </a:solidFill>
-                <a:latin typeface="+mn-lt"/>
-                <a:ea typeface="+mn-ea"/>
-                <a:cs typeface="+mn-cs"/>
-              </a:defRPr>
-            </a:lvl2pPr>
-            <a:lvl3pPr marL="857250" indent="-171450" algn="l" defTabSz="685800" rtl="0" eaLnBrk="1" latinLnBrk="0" hangingPunct="1">
-              <a:lnSpc>
-                <a:spcPct val="90000"/>
-              </a:lnSpc>
-              <a:spcBef>
-                <a:spcPts val="375"/>
-              </a:spcBef>
-              <a:buFont typeface="Arial" panose="020B0604020202020204" pitchFamily="34" charset="0"/>
-              <a:buChar char="•"/>
-              <a:defRPr sz="1500" kern="1200">
-                <a:solidFill>
-                  <a:schemeClr val="tx1"/>
-                </a:solidFill>
-                <a:latin typeface="+mn-lt"/>
-                <a:ea typeface="+mn-ea"/>
-                <a:cs typeface="+mn-cs"/>
-              </a:defRPr>
-            </a:lvl3pPr>
-            <a:lvl4pPr marL="1200150" indent="-171450" algn="l" defTabSz="685800" rtl="0" eaLnBrk="1" latinLnBrk="0" hangingPunct="1">
-              <a:lnSpc>
-                <a:spcPct val="90000"/>
-              </a:lnSpc>
-              <a:spcBef>
-                <a:spcPts val="375"/>
-              </a:spcBef>
-              <a:buFont typeface="Arial" panose="020B0604020202020204" pitchFamily="34" charset="0"/>
-              <a:buChar char="•"/>
-              <a:defRPr sz="1350" kern="1200">
-                <a:solidFill>
-                  <a:schemeClr val="tx1"/>
-                </a:solidFill>
-                <a:latin typeface="+mn-lt"/>
-                <a:ea typeface="+mn-ea"/>
-                <a:cs typeface="+mn-cs"/>
-              </a:defRPr>
-            </a:lvl4pPr>
-            <a:lvl5pPr marL="1543050" indent="-171450" algn="l" defTabSz="685800" rtl="0" eaLnBrk="1" latinLnBrk="0" hangingPunct="1">
-              <a:lnSpc>
-                <a:spcPct val="90000"/>
-              </a:lnSpc>
-              <a:spcBef>
-                <a:spcPts val="375"/>
-              </a:spcBef>
-              <a:buFont typeface="Arial" panose="020B0604020202020204" pitchFamily="34" charset="0"/>
-              <a:buChar char="•"/>
-              <a:defRPr sz="1350" kern="1200">
-                <a:solidFill>
-                  <a:schemeClr val="tx1"/>
-                </a:solidFill>
-                <a:latin typeface="+mn-lt"/>
-                <a:ea typeface="+mn-ea"/>
-                <a:cs typeface="+mn-cs"/>
-              </a:defRPr>
-            </a:lvl5pPr>
-            <a:lvl6pPr marL="1885950" indent="-171450" algn="l" defTabSz="685800" rtl="0" eaLnBrk="1" latinLnBrk="0" hangingPunct="1">
-              <a:lnSpc>
-                <a:spcPct val="90000"/>
-              </a:lnSpc>
-              <a:spcBef>
-                <a:spcPts val="375"/>
-              </a:spcBef>
-              <a:buFont typeface="Arial" panose="020B0604020202020204" pitchFamily="34" charset="0"/>
-              <a:buChar char="•"/>
-              <a:defRPr sz="1350" kern="1200">
-                <a:solidFill>
-                  <a:schemeClr val="tx1"/>
-                </a:solidFill>
-                <a:latin typeface="+mn-lt"/>
-                <a:ea typeface="+mn-ea"/>
-                <a:cs typeface="+mn-cs"/>
-              </a:defRPr>
-            </a:lvl6pPr>
-            <a:lvl7pPr marL="2228850" indent="-171450" algn="l" defTabSz="685800" rtl="0" eaLnBrk="1" latinLnBrk="0" hangingPunct="1">
-              <a:lnSpc>
-                <a:spcPct val="90000"/>
-              </a:lnSpc>
-              <a:spcBef>
-                <a:spcPts val="375"/>
-              </a:spcBef>
-              <a:buFont typeface="Arial" panose="020B0604020202020204" pitchFamily="34" charset="0"/>
-              <a:buChar char="•"/>
-              <a:defRPr sz="1350" kern="1200">
-                <a:solidFill>
-                  <a:schemeClr val="tx1"/>
-                </a:solidFill>
-                <a:latin typeface="+mn-lt"/>
-                <a:ea typeface="+mn-ea"/>
-                <a:cs typeface="+mn-cs"/>
-              </a:defRPr>
-            </a:lvl7pPr>
-            <a:lvl8pPr marL="2571750" indent="-171450" algn="l" defTabSz="685800" rtl="0" eaLnBrk="1" latinLnBrk="0" hangingPunct="1">
-              <a:lnSpc>
-                <a:spcPct val="90000"/>
-              </a:lnSpc>
-              <a:spcBef>
-                <a:spcPts val="375"/>
-              </a:spcBef>
-              <a:buFont typeface="Arial" panose="020B0604020202020204" pitchFamily="34" charset="0"/>
-              <a:buChar char="•"/>
-              <a:defRPr sz="1350" kern="1200">
-                <a:solidFill>
-                  <a:schemeClr val="tx1"/>
-                </a:solidFill>
-                <a:latin typeface="+mn-lt"/>
-                <a:ea typeface="+mn-ea"/>
-                <a:cs typeface="+mn-cs"/>
-              </a:defRPr>
-            </a:lvl8pPr>
-            <a:lvl9pPr marL="2914650" indent="-171450" algn="l" defTabSz="685800" rtl="0" eaLnBrk="1" latinLnBrk="0" hangingPunct="1">
-              <a:lnSpc>
-                <a:spcPct val="90000"/>
-              </a:lnSpc>
-              <a:spcBef>
-                <a:spcPts val="375"/>
-              </a:spcBef>
-              <a:buFont typeface="Arial" panose="020B0604020202020204" pitchFamily="34" charset="0"/>
-              <a:buChar char="•"/>
-              <a:defRPr sz="1350" kern="1200">
-                <a:solidFill>
-                  <a:schemeClr val="tx1"/>
-                </a:solidFill>
-                <a:latin typeface="+mn-lt"/>
-                <a:ea typeface="+mn-ea"/>
-                <a:cs typeface="+mn-cs"/>
-              </a:defRPr>
-            </a:lvl9pPr>
-          </a:lstStyle>
-          <a:p>
-            <a:r>
-              <a:rPr lang="en-US" altLang="en-US" dirty="0">
-                <a:latin typeface="Franklin Gothic Book" pitchFamily="34" charset="0"/>
-              </a:rPr>
-              <a:t>Data mining typically deals with huge databases</a:t>
-            </a:r>
-          </a:p>
-          <a:p>
-            <a:r>
-              <a:rPr lang="en-US" altLang="en-US" dirty="0">
-                <a:latin typeface="Franklin Gothic Book" pitchFamily="34" charset="0"/>
-              </a:rPr>
-              <a:t>For piloting/prototyping, algorithms and models are typically applied to a sample from a database, to produce statistically-valid results</a:t>
-            </a:r>
-          </a:p>
-          <a:p>
-            <a:r>
-              <a:rPr lang="en-US" altLang="en-US" dirty="0">
-                <a:latin typeface="Franklin Gothic Book" pitchFamily="34" charset="0"/>
-              </a:rPr>
-              <a:t>Once you develop and select a final model, you use it to “score” (predict values or classes for) the observations in the larger database</a:t>
-            </a:r>
-          </a:p>
-          <a:p>
-            <a:endParaRPr lang="en-US" altLang="en-US" dirty="0">
-              <a:latin typeface="Franklin Gothic Book" pitchFamily="34" charset="0"/>
-            </a:endParaRPr>
-          </a:p>
-          <a:p>
-            <a:r>
-              <a:rPr lang="en-US" altLang="en-US" dirty="0">
-                <a:latin typeface="Franklin Gothic Book" pitchFamily="34" charset="0"/>
-              </a:rPr>
-              <a:t>Caveats – unbalanced data needs “over sampling” </a:t>
-            </a:r>
-          </a:p>
-          <a:p>
-            <a:pPr lvl="1"/>
-            <a:r>
-              <a:rPr lang="en-US" altLang="en-US" dirty="0">
-                <a:latin typeface="Franklin Gothic Book" pitchFamily="34" charset="0"/>
-              </a:rPr>
-              <a:t>Insurance no claim (99%) vs claim (1%)</a:t>
-            </a:r>
-          </a:p>
-          <a:p>
-            <a:pPr lvl="1"/>
-            <a:r>
-              <a:rPr lang="en-US" altLang="en-US" dirty="0">
-                <a:latin typeface="Franklin Gothic Book" pitchFamily="34" charset="0"/>
-              </a:rPr>
-              <a:t>Credit Card Transactions (99+% no fraud) vs (&lt;1% fraud)</a:t>
-            </a:r>
-          </a:p>
-          <a:p>
-            <a:pPr lvl="1"/>
-            <a:r>
-              <a:rPr lang="en-US" altLang="en-US" dirty="0">
-                <a:latin typeface="Franklin Gothic Book" pitchFamily="34" charset="0"/>
-              </a:rPr>
-              <a:t>If your modeling is unbalanced, the book has an example of oversampling</a:t>
-            </a:r>
-          </a:p>
-        </p:txBody>
-      </p:sp>
-      <p:sp>
-        <p:nvSpPr>
-          <p:cNvPr id="7" name="Footer Placeholder 4">
-            <a:extLst>
-              <a:ext uri="{FF2B5EF4-FFF2-40B4-BE49-F238E27FC236}">
-                <a16:creationId xmlns:a16="http://schemas.microsoft.com/office/drawing/2014/main" id="{0DED3F3E-2BA2-004C-939F-597D2B214EC6}"/>
-              </a:ext>
-            </a:extLst>
-          </p:cNvPr>
-          <p:cNvSpPr>
-            <a:spLocks noGrp="1"/>
-          </p:cNvSpPr>
-          <p:nvPr>
-            <p:ph type="ftr" sz="quarter" idx="3"/>
-          </p:nvPr>
-        </p:nvSpPr>
-        <p:spPr>
-          <a:xfrm>
-            <a:off x="3028950" y="6356351"/>
-            <a:ext cx="3086100" cy="365125"/>
-          </a:xfrm>
-        </p:spPr>
-        <p:txBody>
-          <a:bodyPr/>
-          <a:lstStyle/>
-          <a:p>
-            <a:r>
-              <a:rPr lang="en-US" dirty="0"/>
-              <a:t>Kwartler </a:t>
-            </a:r>
-          </a:p>
-        </p:txBody>
-      </p:sp>
-    </p:spTree>
-    <p:extLst>
-      <p:ext uri="{BB962C8B-B14F-4D97-AF65-F5344CB8AC3E}">
-        <p14:creationId xmlns:p14="http://schemas.microsoft.com/office/powerpoint/2010/main" val="1995687609"/>
       </p:ext>
     </p:extLst>
   </p:cSld>
